--- a/MATERIAL/Defensa/Presentación.pptx
+++ b/MATERIAL/Defensa/Presentación.pptx
@@ -5,10 +5,10 @@
     <p:sldMasterId id="2147483709" r:id="rId1"/>
   </p:sldMasterIdLst>
   <p:notesMasterIdLst>
-    <p:notesMasterId r:id="rId28"/>
+    <p:notesMasterId r:id="rId33"/>
   </p:notesMasterIdLst>
   <p:handoutMasterIdLst>
-    <p:handoutMasterId r:id="rId29"/>
+    <p:handoutMasterId r:id="rId34"/>
   </p:handoutMasterIdLst>
   <p:sldIdLst>
     <p:sldId id="343" r:id="rId2"/>
@@ -32,11 +32,16 @@
     <p:sldId id="368" r:id="rId20"/>
     <p:sldId id="358" r:id="rId21"/>
     <p:sldId id="367" r:id="rId22"/>
-    <p:sldId id="360" r:id="rId23"/>
-    <p:sldId id="361" r:id="rId24"/>
-    <p:sldId id="362" r:id="rId25"/>
-    <p:sldId id="363" r:id="rId26"/>
-    <p:sldId id="369" r:id="rId27"/>
+    <p:sldId id="382" r:id="rId23"/>
+    <p:sldId id="360" r:id="rId24"/>
+    <p:sldId id="384" r:id="rId25"/>
+    <p:sldId id="361" r:id="rId26"/>
+    <p:sldId id="385" r:id="rId27"/>
+    <p:sldId id="383" r:id="rId28"/>
+    <p:sldId id="362" r:id="rId29"/>
+    <p:sldId id="386" r:id="rId30"/>
+    <p:sldId id="363" r:id="rId31"/>
+    <p:sldId id="369" r:id="rId32"/>
   </p:sldIdLst>
   <p:sldSz cx="12192000" cy="6858000"/>
   <p:notesSz cx="6858000" cy="9144000"/>
@@ -3469,7 +3474,7 @@
 <file path=ppt/diagrams/data3.xml><?xml version="1.0" encoding="utf-8"?>
 <dgm:dataModel xmlns:dgm="http://schemas.openxmlformats.org/drawingml/2006/diagram" xmlns:a="http://schemas.openxmlformats.org/drawingml/2006/main">
   <dgm:ptLst>
-    <dgm:pt modelId="{CB88E3ED-ED91-4C18-B2DE-43504B7CEF24}" type="doc">
+    <dgm:pt modelId="{FCCF066A-0C7C-4BC9-8DF1-A79941A93C9C}" type="doc">
       <dgm:prSet loTypeId="urn:microsoft.com/office/officeart/2005/8/layout/process1" loCatId="process" qsTypeId="urn:microsoft.com/office/officeart/2005/8/quickstyle/simple1" qsCatId="simple" csTypeId="urn:microsoft.com/office/officeart/2005/8/colors/accent4_2" csCatId="accent4"/>
       <dgm:spPr/>
       <dgm:t>
@@ -3480,81 +3485,7 @@
         </a:p>
       </dgm:t>
     </dgm:pt>
-    <dgm:pt modelId="{AA94D6C9-7B70-4E94-9A88-88C1468E5C3F}">
-      <dgm:prSet/>
-      <dgm:spPr/>
-      <dgm:t>
-        <a:bodyPr/>
-        <a:lstStyle/>
-        <a:p>
-          <a:r>
-            <a:rPr lang="es-ES" baseline="0"/>
-            <a:t>8 Sujetos de Prueba</a:t>
-          </a:r>
-          <a:endParaRPr lang="es-ES"/>
-        </a:p>
-      </dgm:t>
-    </dgm:pt>
-    <dgm:pt modelId="{486B4201-A48B-48FD-AB1F-23745EE434EB}" type="parTrans" cxnId="{F15C8B1E-AEA3-495A-9967-817F83828FAD}">
-      <dgm:prSet/>
-      <dgm:spPr/>
-      <dgm:t>
-        <a:bodyPr/>
-        <a:lstStyle/>
-        <a:p>
-          <a:endParaRPr lang="es-ES"/>
-        </a:p>
-      </dgm:t>
-    </dgm:pt>
-    <dgm:pt modelId="{71089A99-6310-4C0E-B69E-21D066143AB0}" type="sibTrans" cxnId="{F15C8B1E-AEA3-495A-9967-817F83828FAD}">
-      <dgm:prSet/>
-      <dgm:spPr/>
-      <dgm:t>
-        <a:bodyPr/>
-        <a:lstStyle/>
-        <a:p>
-          <a:endParaRPr lang="es-ES"/>
-        </a:p>
-      </dgm:t>
-    </dgm:pt>
-    <dgm:pt modelId="{12EB67FB-5243-4FD8-BBAF-1DC2EA5DF82B}">
-      <dgm:prSet/>
-      <dgm:spPr/>
-      <dgm:t>
-        <a:bodyPr/>
-        <a:lstStyle/>
-        <a:p>
-          <a:r>
-            <a:rPr lang="es-ES" baseline="0"/>
-            <a:t>Cuestionarios</a:t>
-          </a:r>
-          <a:endParaRPr lang="es-ES"/>
-        </a:p>
-      </dgm:t>
-    </dgm:pt>
-    <dgm:pt modelId="{DC903981-9A63-4387-9895-41122E5CEA06}" type="parTrans" cxnId="{630F7143-BB02-4EBF-8108-F3C62617F4D0}">
-      <dgm:prSet/>
-      <dgm:spPr/>
-      <dgm:t>
-        <a:bodyPr/>
-        <a:lstStyle/>
-        <a:p>
-          <a:endParaRPr lang="es-ES"/>
-        </a:p>
-      </dgm:t>
-    </dgm:pt>
-    <dgm:pt modelId="{AB81C96C-094A-41B3-804D-7D56384DA14A}" type="sibTrans" cxnId="{630F7143-BB02-4EBF-8108-F3C62617F4D0}">
-      <dgm:prSet/>
-      <dgm:spPr/>
-      <dgm:t>
-        <a:bodyPr/>
-        <a:lstStyle/>
-        <a:p>
-          <a:endParaRPr lang="es-ES"/>
-        </a:p>
-      </dgm:t>
-    </dgm:pt>
-    <dgm:pt modelId="{B7082DCC-EEB3-40BE-99C9-F543311F16C1}">
+    <dgm:pt modelId="{908E9B48-2AE4-491E-98F0-EFE45AB6A945}">
       <dgm:prSet/>
       <dgm:spPr/>
       <dgm:t>
@@ -3569,7 +3500,7 @@
         </a:p>
       </dgm:t>
     </dgm:pt>
-    <dgm:pt modelId="{6087C7C1-7591-4AF4-B562-FA1C9E513120}" type="parTrans" cxnId="{54B886DC-3AA8-4967-96E8-DAA9A91DBC35}">
+    <dgm:pt modelId="{E195BBDC-1A75-4C0C-A1CC-706BC6F623EA}" type="parTrans" cxnId="{4CB6BB61-FC2A-4A2C-AB22-1293D56BD21A}">
       <dgm:prSet/>
       <dgm:spPr/>
       <dgm:t>
@@ -3580,7 +3511,7 @@
         </a:p>
       </dgm:t>
     </dgm:pt>
-    <dgm:pt modelId="{E272CC37-B046-40D7-8716-9EEA892CED67}" type="sibTrans" cxnId="{54B886DC-3AA8-4967-96E8-DAA9A91DBC35}">
+    <dgm:pt modelId="{1206B342-5909-423A-AA70-A67D36475A01}" type="sibTrans" cxnId="{4CB6BB61-FC2A-4A2C-AB22-1293D56BD21A}">
       <dgm:prSet/>
       <dgm:spPr/>
       <dgm:t>
@@ -3591,7 +3522,7 @@
         </a:p>
       </dgm:t>
     </dgm:pt>
-    <dgm:pt modelId="{8A7FDA15-0C51-4241-B28B-B0DDB66B6D0A}">
+    <dgm:pt modelId="{B68F51D5-7AC4-44F1-8ECF-3685183FF66A}">
       <dgm:prSet/>
       <dgm:spPr/>
       <dgm:t>
@@ -3599,14 +3530,14 @@
         <a:lstStyle/>
         <a:p>
           <a:r>
-            <a:rPr lang="es-ES" i="1" baseline="0"/>
+            <a:rPr lang="es-ES" i="1" baseline="0" dirty="0"/>
             <a:t>Actividades Guiadas</a:t>
           </a:r>
-          <a:endParaRPr lang="es-ES"/>
+          <a:endParaRPr lang="es-ES" dirty="0"/>
         </a:p>
       </dgm:t>
     </dgm:pt>
-    <dgm:pt modelId="{888358B6-AD58-434D-B184-58B7C0A17408}" type="parTrans" cxnId="{B35A296B-3876-4E55-A06A-35253A2BFD01}">
+    <dgm:pt modelId="{78B7E889-17AE-4887-985D-CAE204904474}" type="parTrans" cxnId="{60600B46-B17F-44E3-9472-E5EC5275F9E5}">
       <dgm:prSet/>
       <dgm:spPr/>
       <dgm:t>
@@ -3617,7 +3548,7 @@
         </a:p>
       </dgm:t>
     </dgm:pt>
-    <dgm:pt modelId="{38E3FE25-6BCB-449F-9906-F5035EC0A124}" type="sibTrans" cxnId="{B35A296B-3876-4E55-A06A-35253A2BFD01}">
+    <dgm:pt modelId="{F19215B2-79B7-4084-9221-DF37C20DBD6A}" type="sibTrans" cxnId="{60600B46-B17F-44E3-9472-E5EC5275F9E5}">
       <dgm:prSet/>
       <dgm:spPr/>
       <dgm:t>
@@ -3628,7 +3559,7 @@
         </a:p>
       </dgm:t>
     </dgm:pt>
-    <dgm:pt modelId="{1CFBBCCA-F706-4512-B0AA-C023DBEE2EBA}">
+    <dgm:pt modelId="{B184232C-28E1-4B20-9DB1-EB269C195DB1}">
       <dgm:prSet/>
       <dgm:spPr/>
       <dgm:t>
@@ -3643,7 +3574,7 @@
         </a:p>
       </dgm:t>
     </dgm:pt>
-    <dgm:pt modelId="{57243CE7-3C98-4156-869E-5840796D5D1F}" type="parTrans" cxnId="{1185C256-D539-42F3-B890-8198266DE010}">
+    <dgm:pt modelId="{03235A4F-9BC7-4E32-BDBF-F6D0148F6629}" type="parTrans" cxnId="{29B15928-A9E1-4665-9C23-1ABBFA342C33}">
       <dgm:prSet/>
       <dgm:spPr/>
       <dgm:t>
@@ -3654,7 +3585,7 @@
         </a:p>
       </dgm:t>
     </dgm:pt>
-    <dgm:pt modelId="{38313353-66CE-462B-9748-AACB51BF7520}" type="sibTrans" cxnId="{1185C256-D539-42F3-B890-8198266DE010}">
+    <dgm:pt modelId="{E279B170-391F-4AB0-8733-71E0411D4430}" type="sibTrans" cxnId="{29B15928-A9E1-4665-9C23-1ABBFA342C33}">
       <dgm:prSet/>
       <dgm:spPr/>
       <dgm:t>
@@ -3665,8 +3596,8 @@
         </a:p>
       </dgm:t>
     </dgm:pt>
-    <dgm:pt modelId="{9B994723-AEC8-43E3-B77A-EAF80BA3EB38}" type="pres">
-      <dgm:prSet presAssocID="{CB88E3ED-ED91-4C18-B2DE-43504B7CEF24}" presName="Name0" presStyleCnt="0">
+    <dgm:pt modelId="{C18002D3-C8FC-4B82-AFE8-FB552C3505C0}" type="pres">
+      <dgm:prSet presAssocID="{FCCF066A-0C7C-4BC9-8DF1-A79941A93C9C}" presName="Name0" presStyleCnt="0">
         <dgm:presLayoutVars>
           <dgm:dir/>
           <dgm:resizeHandles val="exact"/>
@@ -3674,24 +3605,40 @@
       </dgm:prSet>
       <dgm:spPr/>
     </dgm:pt>
-    <dgm:pt modelId="{6F67E0C8-7617-4F73-8DF5-8EE983D7784A}" type="pres">
-      <dgm:prSet presAssocID="{AA94D6C9-7B70-4E94-9A88-88C1468E5C3F}" presName="node" presStyleLbl="node1" presStyleIdx="0" presStyleCnt="2">
+    <dgm:pt modelId="{13192367-BA67-47E9-B375-DE2FF134153D}" type="pres">
+      <dgm:prSet presAssocID="{908E9B48-2AE4-491E-98F0-EFE45AB6A945}" presName="node" presStyleLbl="node1" presStyleIdx="0" presStyleCnt="3">
         <dgm:presLayoutVars>
           <dgm:bulletEnabled val="1"/>
         </dgm:presLayoutVars>
       </dgm:prSet>
       <dgm:spPr/>
     </dgm:pt>
-    <dgm:pt modelId="{7A6F78C4-42D8-4541-90E7-7C7B6F62EA0E}" type="pres">
-      <dgm:prSet presAssocID="{71089A99-6310-4C0E-B69E-21D066143AB0}" presName="sibTrans" presStyleLbl="sibTrans2D1" presStyleIdx="0" presStyleCnt="1"/>
+    <dgm:pt modelId="{17D89996-BF37-40C4-9D7C-19803F758D80}" type="pres">
+      <dgm:prSet presAssocID="{1206B342-5909-423A-AA70-A67D36475A01}" presName="sibTrans" presStyleLbl="sibTrans2D1" presStyleIdx="0" presStyleCnt="2"/>
       <dgm:spPr/>
     </dgm:pt>
-    <dgm:pt modelId="{1C6FB910-1E3D-41E0-B189-80C28E648AB4}" type="pres">
-      <dgm:prSet presAssocID="{71089A99-6310-4C0E-B69E-21D066143AB0}" presName="connectorText" presStyleLbl="sibTrans2D1" presStyleIdx="0" presStyleCnt="1"/>
+    <dgm:pt modelId="{BB7B81B9-CD99-4529-AC19-AF505DC9734E}" type="pres">
+      <dgm:prSet presAssocID="{1206B342-5909-423A-AA70-A67D36475A01}" presName="connectorText" presStyleLbl="sibTrans2D1" presStyleIdx="0" presStyleCnt="2"/>
       <dgm:spPr/>
     </dgm:pt>
-    <dgm:pt modelId="{281854C5-9C55-4A63-B5DF-F6FCE5249E88}" type="pres">
-      <dgm:prSet presAssocID="{12EB67FB-5243-4FD8-BBAF-1DC2EA5DF82B}" presName="node" presStyleLbl="node1" presStyleIdx="1" presStyleCnt="2">
+    <dgm:pt modelId="{933FA849-CEBD-47AF-AFF2-D4CB45A9FE9A}" type="pres">
+      <dgm:prSet presAssocID="{B68F51D5-7AC4-44F1-8ECF-3685183FF66A}" presName="node" presStyleLbl="node1" presStyleIdx="1" presStyleCnt="3">
+        <dgm:presLayoutVars>
+          <dgm:bulletEnabled val="1"/>
+        </dgm:presLayoutVars>
+      </dgm:prSet>
+      <dgm:spPr/>
+    </dgm:pt>
+    <dgm:pt modelId="{E10C083A-F4BB-4B6E-BBB5-47F39F78E780}" type="pres">
+      <dgm:prSet presAssocID="{F19215B2-79B7-4084-9221-DF37C20DBD6A}" presName="sibTrans" presStyleLbl="sibTrans2D1" presStyleIdx="1" presStyleCnt="2"/>
+      <dgm:spPr/>
+    </dgm:pt>
+    <dgm:pt modelId="{9B4E4AF1-5D00-47FB-B475-D421BA0F72A4}" type="pres">
+      <dgm:prSet presAssocID="{F19215B2-79B7-4084-9221-DF37C20DBD6A}" presName="connectorText" presStyleLbl="sibTrans2D1" presStyleIdx="1" presStyleCnt="2"/>
+      <dgm:spPr/>
+    </dgm:pt>
+    <dgm:pt modelId="{94A39CD3-C630-4F27-BC47-EC0B7382957F}" type="pres">
+      <dgm:prSet presAssocID="{B184232C-28E1-4B20-9DB1-EB269C195DB1}" presName="node" presStyleLbl="node1" presStyleIdx="2" presStyleCnt="3">
         <dgm:presLayoutVars>
           <dgm:bulletEnabled val="1"/>
         </dgm:presLayoutVars>
@@ -3700,23 +3647,24 @@
     </dgm:pt>
   </dgm:ptLst>
   <dgm:cxnLst>
-    <dgm:cxn modelId="{28CD0611-2B59-4F17-96BC-9F82A6A5E7E4}" type="presOf" srcId="{71089A99-6310-4C0E-B69E-21D066143AB0}" destId="{1C6FB910-1E3D-41E0-B189-80C28E648AB4}" srcOrd="1" destOrd="0" presId="urn:microsoft.com/office/officeart/2005/8/layout/process1"/>
-    <dgm:cxn modelId="{8DA9C119-F3D0-4BCE-84B8-C82B0599D7B3}" type="presOf" srcId="{1CFBBCCA-F706-4512-B0AA-C023DBEE2EBA}" destId="{281854C5-9C55-4A63-B5DF-F6FCE5249E88}" srcOrd="0" destOrd="3" presId="urn:microsoft.com/office/officeart/2005/8/layout/process1"/>
-    <dgm:cxn modelId="{F15C8B1E-AEA3-495A-9967-817F83828FAD}" srcId="{CB88E3ED-ED91-4C18-B2DE-43504B7CEF24}" destId="{AA94D6C9-7B70-4E94-9A88-88C1468E5C3F}" srcOrd="0" destOrd="0" parTransId="{486B4201-A48B-48FD-AB1F-23745EE434EB}" sibTransId="{71089A99-6310-4C0E-B69E-21D066143AB0}"/>
-    <dgm:cxn modelId="{3BB81628-0137-47E3-B977-22E8A6513FA5}" type="presOf" srcId="{8A7FDA15-0C51-4241-B28B-B0DDB66B6D0A}" destId="{281854C5-9C55-4A63-B5DF-F6FCE5249E88}" srcOrd="0" destOrd="2" presId="urn:microsoft.com/office/officeart/2005/8/layout/process1"/>
-    <dgm:cxn modelId="{630F7143-BB02-4EBF-8108-F3C62617F4D0}" srcId="{CB88E3ED-ED91-4C18-B2DE-43504B7CEF24}" destId="{12EB67FB-5243-4FD8-BBAF-1DC2EA5DF82B}" srcOrd="1" destOrd="0" parTransId="{DC903981-9A63-4387-9895-41122E5CEA06}" sibTransId="{AB81C96C-094A-41B3-804D-7D56384DA14A}"/>
-    <dgm:cxn modelId="{B35A296B-3876-4E55-A06A-35253A2BFD01}" srcId="{12EB67FB-5243-4FD8-BBAF-1DC2EA5DF82B}" destId="{8A7FDA15-0C51-4241-B28B-B0DDB66B6D0A}" srcOrd="1" destOrd="0" parTransId="{888358B6-AD58-434D-B184-58B7C0A17408}" sibTransId="{38E3FE25-6BCB-449F-9906-F5035EC0A124}"/>
-    <dgm:cxn modelId="{1185C256-D539-42F3-B890-8198266DE010}" srcId="{12EB67FB-5243-4FD8-BBAF-1DC2EA5DF82B}" destId="{1CFBBCCA-F706-4512-B0AA-C023DBEE2EBA}" srcOrd="2" destOrd="0" parTransId="{57243CE7-3C98-4156-869E-5840796D5D1F}" sibTransId="{38313353-66CE-462B-9748-AACB51BF7520}"/>
-    <dgm:cxn modelId="{2C9E2799-5E6D-44DC-81B5-27549D8F5993}" type="presOf" srcId="{AA94D6C9-7B70-4E94-9A88-88C1468E5C3F}" destId="{6F67E0C8-7617-4F73-8DF5-8EE983D7784A}" srcOrd="0" destOrd="0" presId="urn:microsoft.com/office/officeart/2005/8/layout/process1"/>
-    <dgm:cxn modelId="{EF492DA0-A0FB-4D76-B86F-FC42FB1DAE0D}" type="presOf" srcId="{CB88E3ED-ED91-4C18-B2DE-43504B7CEF24}" destId="{9B994723-AEC8-43E3-B77A-EAF80BA3EB38}" srcOrd="0" destOrd="0" presId="urn:microsoft.com/office/officeart/2005/8/layout/process1"/>
-    <dgm:cxn modelId="{0BE28CB2-3298-465E-9936-938F27D82CC0}" type="presOf" srcId="{71089A99-6310-4C0E-B69E-21D066143AB0}" destId="{7A6F78C4-42D8-4541-90E7-7C7B6F62EA0E}" srcOrd="0" destOrd="0" presId="urn:microsoft.com/office/officeart/2005/8/layout/process1"/>
-    <dgm:cxn modelId="{54B886DC-3AA8-4967-96E8-DAA9A91DBC35}" srcId="{12EB67FB-5243-4FD8-BBAF-1DC2EA5DF82B}" destId="{B7082DCC-EEB3-40BE-99C9-F543311F16C1}" srcOrd="0" destOrd="0" parTransId="{6087C7C1-7591-4AF4-B562-FA1C9E513120}" sibTransId="{E272CC37-B046-40D7-8716-9EEA892CED67}"/>
-    <dgm:cxn modelId="{794388E2-E762-4EC4-8C74-0C6E8C5BE4D1}" type="presOf" srcId="{12EB67FB-5243-4FD8-BBAF-1DC2EA5DF82B}" destId="{281854C5-9C55-4A63-B5DF-F6FCE5249E88}" srcOrd="0" destOrd="0" presId="urn:microsoft.com/office/officeart/2005/8/layout/process1"/>
-    <dgm:cxn modelId="{F0BADDEC-A269-4CAC-86FA-9257E7FF17A0}" type="presOf" srcId="{B7082DCC-EEB3-40BE-99C9-F543311F16C1}" destId="{281854C5-9C55-4A63-B5DF-F6FCE5249E88}" srcOrd="0" destOrd="1" presId="urn:microsoft.com/office/officeart/2005/8/layout/process1"/>
-    <dgm:cxn modelId="{7672CB3B-7960-4593-8111-7BD21D408203}" type="presParOf" srcId="{9B994723-AEC8-43E3-B77A-EAF80BA3EB38}" destId="{6F67E0C8-7617-4F73-8DF5-8EE983D7784A}" srcOrd="0" destOrd="0" presId="urn:microsoft.com/office/officeart/2005/8/layout/process1"/>
-    <dgm:cxn modelId="{1076F5F8-8C4F-480D-9276-9C34A3D21D72}" type="presParOf" srcId="{9B994723-AEC8-43E3-B77A-EAF80BA3EB38}" destId="{7A6F78C4-42D8-4541-90E7-7C7B6F62EA0E}" srcOrd="1" destOrd="0" presId="urn:microsoft.com/office/officeart/2005/8/layout/process1"/>
-    <dgm:cxn modelId="{A2814A39-F7AA-4A04-AF09-482F35EAE517}" type="presParOf" srcId="{7A6F78C4-42D8-4541-90E7-7C7B6F62EA0E}" destId="{1C6FB910-1E3D-41E0-B189-80C28E648AB4}" srcOrd="0" destOrd="0" presId="urn:microsoft.com/office/officeart/2005/8/layout/process1"/>
-    <dgm:cxn modelId="{0F34E489-BF8E-459F-8EC5-7FCCE987D299}" type="presParOf" srcId="{9B994723-AEC8-43E3-B77A-EAF80BA3EB38}" destId="{281854C5-9C55-4A63-B5DF-F6FCE5249E88}" srcOrd="2" destOrd="0" presId="urn:microsoft.com/office/officeart/2005/8/layout/process1"/>
+    <dgm:cxn modelId="{29B15928-A9E1-4665-9C23-1ABBFA342C33}" srcId="{FCCF066A-0C7C-4BC9-8DF1-A79941A93C9C}" destId="{B184232C-28E1-4B20-9DB1-EB269C195DB1}" srcOrd="2" destOrd="0" parTransId="{03235A4F-9BC7-4E32-BDBF-F6D0148F6629}" sibTransId="{E279B170-391F-4AB0-8733-71E0411D4430}"/>
+    <dgm:cxn modelId="{4CB6BB61-FC2A-4A2C-AB22-1293D56BD21A}" srcId="{FCCF066A-0C7C-4BC9-8DF1-A79941A93C9C}" destId="{908E9B48-2AE4-491E-98F0-EFE45AB6A945}" srcOrd="0" destOrd="0" parTransId="{E195BBDC-1A75-4C0C-A1CC-706BC6F623EA}" sibTransId="{1206B342-5909-423A-AA70-A67D36475A01}"/>
+    <dgm:cxn modelId="{60600B46-B17F-44E3-9472-E5EC5275F9E5}" srcId="{FCCF066A-0C7C-4BC9-8DF1-A79941A93C9C}" destId="{B68F51D5-7AC4-44F1-8ECF-3685183FF66A}" srcOrd="1" destOrd="0" parTransId="{78B7E889-17AE-4887-985D-CAE204904474}" sibTransId="{F19215B2-79B7-4084-9221-DF37C20DBD6A}"/>
+    <dgm:cxn modelId="{DF869158-03FD-4C38-903E-2C17596E4564}" type="presOf" srcId="{1206B342-5909-423A-AA70-A67D36475A01}" destId="{BB7B81B9-CD99-4529-AC19-AF505DC9734E}" srcOrd="1" destOrd="0" presId="urn:microsoft.com/office/officeart/2005/8/layout/process1"/>
+    <dgm:cxn modelId="{23F32A59-4126-45A2-B9B3-D9C953520E29}" type="presOf" srcId="{B68F51D5-7AC4-44F1-8ECF-3685183FF66A}" destId="{933FA849-CEBD-47AF-AFF2-D4CB45A9FE9A}" srcOrd="0" destOrd="0" presId="urn:microsoft.com/office/officeart/2005/8/layout/process1"/>
+    <dgm:cxn modelId="{56AA6FB6-9241-4A8D-96FF-E37516067C41}" type="presOf" srcId="{F19215B2-79B7-4084-9221-DF37C20DBD6A}" destId="{E10C083A-F4BB-4B6E-BBB5-47F39F78E780}" srcOrd="0" destOrd="0" presId="urn:microsoft.com/office/officeart/2005/8/layout/process1"/>
+    <dgm:cxn modelId="{472DD2BA-8422-441D-83D8-150D9A85D001}" type="presOf" srcId="{908E9B48-2AE4-491E-98F0-EFE45AB6A945}" destId="{13192367-BA67-47E9-B375-DE2FF134153D}" srcOrd="0" destOrd="0" presId="urn:microsoft.com/office/officeart/2005/8/layout/process1"/>
+    <dgm:cxn modelId="{1BF8D7BC-839A-434F-B5EF-9D34D9EF2589}" type="presOf" srcId="{F19215B2-79B7-4084-9221-DF37C20DBD6A}" destId="{9B4E4AF1-5D00-47FB-B475-D421BA0F72A4}" srcOrd="1" destOrd="0" presId="urn:microsoft.com/office/officeart/2005/8/layout/process1"/>
+    <dgm:cxn modelId="{478564C9-98CE-49F8-B5FE-A19CB519D0B8}" type="presOf" srcId="{1206B342-5909-423A-AA70-A67D36475A01}" destId="{17D89996-BF37-40C4-9D7C-19803F758D80}" srcOrd="0" destOrd="0" presId="urn:microsoft.com/office/officeart/2005/8/layout/process1"/>
+    <dgm:cxn modelId="{6B06AEDE-08FF-4B5C-9D71-229A5874F634}" type="presOf" srcId="{B184232C-28E1-4B20-9DB1-EB269C195DB1}" destId="{94A39CD3-C630-4F27-BC47-EC0B7382957F}" srcOrd="0" destOrd="0" presId="urn:microsoft.com/office/officeart/2005/8/layout/process1"/>
+    <dgm:cxn modelId="{1C7D32F8-8E29-40FA-80D4-16784DC7A294}" type="presOf" srcId="{FCCF066A-0C7C-4BC9-8DF1-A79941A93C9C}" destId="{C18002D3-C8FC-4B82-AFE8-FB552C3505C0}" srcOrd="0" destOrd="0" presId="urn:microsoft.com/office/officeart/2005/8/layout/process1"/>
+    <dgm:cxn modelId="{C0BB82BB-19E7-4054-A548-08697BEF4D2E}" type="presParOf" srcId="{C18002D3-C8FC-4B82-AFE8-FB552C3505C0}" destId="{13192367-BA67-47E9-B375-DE2FF134153D}" srcOrd="0" destOrd="0" presId="urn:microsoft.com/office/officeart/2005/8/layout/process1"/>
+    <dgm:cxn modelId="{B31C4E96-ECCC-45A3-B606-331E41031456}" type="presParOf" srcId="{C18002D3-C8FC-4B82-AFE8-FB552C3505C0}" destId="{17D89996-BF37-40C4-9D7C-19803F758D80}" srcOrd="1" destOrd="0" presId="urn:microsoft.com/office/officeart/2005/8/layout/process1"/>
+    <dgm:cxn modelId="{4801DFA7-F464-48C0-A13A-9EAF6BDB9F5A}" type="presParOf" srcId="{17D89996-BF37-40C4-9D7C-19803F758D80}" destId="{BB7B81B9-CD99-4529-AC19-AF505DC9734E}" srcOrd="0" destOrd="0" presId="urn:microsoft.com/office/officeart/2005/8/layout/process1"/>
+    <dgm:cxn modelId="{BD897FF2-89D9-4FF8-9F72-9D992901EC95}" type="presParOf" srcId="{C18002D3-C8FC-4B82-AFE8-FB552C3505C0}" destId="{933FA849-CEBD-47AF-AFF2-D4CB45A9FE9A}" srcOrd="2" destOrd="0" presId="urn:microsoft.com/office/officeart/2005/8/layout/process1"/>
+    <dgm:cxn modelId="{F726B65F-359B-4B52-B2B3-47C055BE168D}" type="presParOf" srcId="{C18002D3-C8FC-4B82-AFE8-FB552C3505C0}" destId="{E10C083A-F4BB-4B6E-BBB5-47F39F78E780}" srcOrd="3" destOrd="0" presId="urn:microsoft.com/office/officeart/2005/8/layout/process1"/>
+    <dgm:cxn modelId="{427F9973-05AD-4CA0-9477-240D561CA667}" type="presParOf" srcId="{E10C083A-F4BB-4B6E-BBB5-47F39F78E780}" destId="{9B4E4AF1-5D00-47FB-B475-D421BA0F72A4}" srcOrd="0" destOrd="0" presId="urn:microsoft.com/office/officeart/2005/8/layout/process1"/>
+    <dgm:cxn modelId="{93D96C3B-6956-4181-9DC9-A3E5212EC5AA}" type="presParOf" srcId="{C18002D3-C8FC-4B82-AFE8-FB552C3505C0}" destId="{94A39CD3-C630-4F27-BC47-EC0B7382957F}" srcOrd="4" destOrd="0" presId="urn:microsoft.com/office/officeart/2005/8/layout/process1"/>
   </dgm:cxnLst>
   <dgm:bg/>
   <dgm:whole/>
@@ -5651,15 +5599,15 @@
       <dsp:cNvGrpSpPr/>
     </dsp:nvGrpSpPr>
     <dsp:grpSpPr/>
-    <dsp:sp modelId="{6F67E0C8-7617-4F73-8DF5-8EE983D7784A}">
+    <dsp:sp modelId="{13192367-BA67-47E9-B375-DE2FF134153D}">
       <dsp:nvSpPr>
         <dsp:cNvPr id="0" name=""/>
         <dsp:cNvSpPr/>
       </dsp:nvSpPr>
       <dsp:spPr>
         <a:xfrm>
-          <a:off x="1875" y="607220"/>
-          <a:ext cx="3998937" cy="2399362"/>
+          <a:off x="8438" y="1183238"/>
+          <a:ext cx="2522190" cy="1513314"/>
         </a:xfrm>
         <a:prstGeom prst="roundRect">
           <a:avLst>
@@ -5702,12 +5650,12 @@
         </a:fontRef>
       </dsp:style>
       <dsp:txBody>
-        <a:bodyPr spcFirstLastPara="0" vert="horz" wrap="square" lIns="106680" tIns="106680" rIns="106680" bIns="106680" numCol="1" spcCol="1270" anchor="ctr" anchorCtr="0">
+        <a:bodyPr spcFirstLastPara="0" vert="horz" wrap="square" lIns="102870" tIns="102870" rIns="102870" bIns="102870" numCol="1" spcCol="1270" anchor="ctr" anchorCtr="0">
           <a:noAutofit/>
         </a:bodyPr>
         <a:lstStyle/>
         <a:p>
-          <a:pPr marL="0" lvl="0" indent="0" algn="ctr" defTabSz="1244600">
+          <a:pPr marL="0" lvl="0" indent="0" algn="ctr" defTabSz="1200150">
             <a:lnSpc>
               <a:spcPct val="90000"/>
             </a:lnSpc>
@@ -5720,26 +5668,26 @@
             <a:buNone/>
           </a:pPr>
           <a:r>
-            <a:rPr lang="es-ES" sz="2800" kern="1200" baseline="0"/>
-            <a:t>8 Sujetos de Prueba</a:t>
+            <a:rPr lang="es-ES" sz="2700" i="1" kern="1200" baseline="0"/>
+            <a:t>Preguntas de Carácter General</a:t>
           </a:r>
-          <a:endParaRPr lang="es-ES" sz="2800" kern="1200"/>
+          <a:endParaRPr lang="es-ES" sz="2700" kern="1200"/>
         </a:p>
       </dsp:txBody>
       <dsp:txXfrm>
-        <a:off x="72150" y="677495"/>
-        <a:ext cx="3858387" cy="2258812"/>
+        <a:off x="52761" y="1227561"/>
+        <a:ext cx="2433544" cy="1424668"/>
       </dsp:txXfrm>
     </dsp:sp>
-    <dsp:sp modelId="{7A6F78C4-42D8-4541-90E7-7C7B6F62EA0E}">
+    <dsp:sp modelId="{17D89996-BF37-40C4-9D7C-19803F758D80}">
       <dsp:nvSpPr>
         <dsp:cNvPr id="0" name=""/>
         <dsp:cNvSpPr/>
       </dsp:nvSpPr>
       <dsp:spPr>
         <a:xfrm>
-          <a:off x="4400706" y="1311033"/>
-          <a:ext cx="847774" cy="991736"/>
+          <a:off x="2782847" y="1627143"/>
+          <a:ext cx="534704" cy="625503"/>
         </a:xfrm>
         <a:prstGeom prst="rightArrow">
           <a:avLst>
@@ -5781,7 +5729,7 @@
         </a:bodyPr>
         <a:lstStyle/>
         <a:p>
-          <a:pPr marL="0" lvl="0" indent="0" algn="ctr" defTabSz="1022350">
+          <a:pPr marL="0" lvl="0" indent="0" algn="ctr" defTabSz="977900">
             <a:lnSpc>
               <a:spcPct val="90000"/>
             </a:lnSpc>
@@ -5793,23 +5741,23 @@
             </a:spcAft>
             <a:buNone/>
           </a:pPr>
-          <a:endParaRPr lang="es-ES" sz="2300" kern="1200"/>
+          <a:endParaRPr lang="es-ES" sz="2200" kern="1200"/>
         </a:p>
       </dsp:txBody>
       <dsp:txXfrm>
-        <a:off x="4400706" y="1509380"/>
-        <a:ext cx="593442" cy="595042"/>
+        <a:off x="2782847" y="1752244"/>
+        <a:ext cx="374293" cy="375301"/>
       </dsp:txXfrm>
     </dsp:sp>
-    <dsp:sp modelId="{281854C5-9C55-4A63-B5DF-F6FCE5249E88}">
+    <dsp:sp modelId="{933FA849-CEBD-47AF-AFF2-D4CB45A9FE9A}">
       <dsp:nvSpPr>
         <dsp:cNvPr id="0" name=""/>
         <dsp:cNvSpPr/>
       </dsp:nvSpPr>
       <dsp:spPr>
         <a:xfrm>
-          <a:off x="5600387" y="607220"/>
-          <a:ext cx="3998937" cy="2399362"/>
+          <a:off x="3539504" y="1183238"/>
+          <a:ext cx="2522190" cy="1513314"/>
         </a:xfrm>
         <a:prstGeom prst="roundRect">
           <a:avLst>
@@ -5852,12 +5800,12 @@
         </a:fontRef>
       </dsp:style>
       <dsp:txBody>
-        <a:bodyPr spcFirstLastPara="0" vert="horz" wrap="square" lIns="106680" tIns="106680" rIns="106680" bIns="106680" numCol="1" spcCol="1270" anchor="t" anchorCtr="0">
+        <a:bodyPr spcFirstLastPara="0" vert="horz" wrap="square" lIns="102870" tIns="102870" rIns="102870" bIns="102870" numCol="1" spcCol="1270" anchor="ctr" anchorCtr="0">
           <a:noAutofit/>
         </a:bodyPr>
         <a:lstStyle/>
         <a:p>
-          <a:pPr marL="0" lvl="0" indent="0" algn="l" defTabSz="1244600">
+          <a:pPr marL="0" lvl="0" indent="0" algn="ctr" defTabSz="1200150">
             <a:lnSpc>
               <a:spcPct val="90000"/>
             </a:lnSpc>
@@ -5870,13 +5818,68 @@
             <a:buNone/>
           </a:pPr>
           <a:r>
-            <a:rPr lang="es-ES" sz="2800" kern="1200" baseline="0"/>
-            <a:t>Cuestionarios</a:t>
+            <a:rPr lang="es-ES" sz="2700" i="1" kern="1200" baseline="0" dirty="0"/>
+            <a:t>Actividades Guiadas</a:t>
           </a:r>
-          <a:endParaRPr lang="es-ES" sz="2800" kern="1200"/>
+          <a:endParaRPr lang="es-ES" sz="2700" kern="1200" dirty="0"/>
         </a:p>
+      </dsp:txBody>
+      <dsp:txXfrm>
+        <a:off x="3583827" y="1227561"/>
+        <a:ext cx="2433544" cy="1424668"/>
+      </dsp:txXfrm>
+    </dsp:sp>
+    <dsp:sp modelId="{E10C083A-F4BB-4B6E-BBB5-47F39F78E780}">
+      <dsp:nvSpPr>
+        <dsp:cNvPr id="0" name=""/>
+        <dsp:cNvSpPr/>
+      </dsp:nvSpPr>
+      <dsp:spPr>
+        <a:xfrm>
+          <a:off x="6313914" y="1627143"/>
+          <a:ext cx="534704" cy="625503"/>
+        </a:xfrm>
+        <a:prstGeom prst="rightArrow">
+          <a:avLst>
+            <a:gd name="adj1" fmla="val 60000"/>
+            <a:gd name="adj2" fmla="val 50000"/>
+          </a:avLst>
+        </a:prstGeom>
+        <a:solidFill>
+          <a:schemeClr val="accent4">
+            <a:tint val="60000"/>
+            <a:hueOff val="0"/>
+            <a:satOff val="0"/>
+            <a:lumOff val="0"/>
+            <a:alphaOff val="0"/>
+          </a:schemeClr>
+        </a:solidFill>
+        <a:ln>
+          <a:noFill/>
+        </a:ln>
+        <a:effectLst/>
+      </dsp:spPr>
+      <dsp:style>
+        <a:lnRef idx="0">
+          <a:scrgbClr r="0" g="0" b="0"/>
+        </a:lnRef>
+        <a:fillRef idx="1">
+          <a:scrgbClr r="0" g="0" b="0"/>
+        </a:fillRef>
+        <a:effectRef idx="0">
+          <a:scrgbClr r="0" g="0" b="0"/>
+        </a:effectRef>
+        <a:fontRef idx="minor">
+          <a:schemeClr val="lt1"/>
+        </a:fontRef>
+      </dsp:style>
+      <dsp:txBody>
+        <a:bodyPr spcFirstLastPara="0" vert="horz" wrap="square" lIns="0" tIns="0" rIns="0" bIns="0" numCol="1" spcCol="1270" anchor="ctr" anchorCtr="0">
+          <a:noAutofit/>
+        </a:bodyPr>
+        <a:lstStyle/>
         <a:p>
-          <a:pPr marL="228600" lvl="1" indent="-228600" algn="l" defTabSz="977900">
+          <a:pPr marL="0" lvl="0" indent="0" algn="ctr" defTabSz="977900">
             <a:lnSpc>
               <a:spcPct val="90000"/>
             </a:lnSpc>
@@ -5884,18 +5887,75 @@
               <a:spcPct val="0"/>
             </a:spcBef>
             <a:spcAft>
-              <a:spcPct val="15000"/>
+              <a:spcPct val="35000"/>
             </a:spcAft>
-            <a:buChar char="•"/>
+            <a:buNone/>
           </a:pPr>
-          <a:r>
-            <a:rPr lang="es-ES" sz="2200" i="1" kern="1200" baseline="0"/>
-            <a:t>Preguntas de Carácter General</a:t>
-          </a:r>
           <a:endParaRPr lang="es-ES" sz="2200" kern="1200"/>
         </a:p>
+      </dsp:txBody>
+      <dsp:txXfrm>
+        <a:off x="6313914" y="1752244"/>
+        <a:ext cx="374293" cy="375301"/>
+      </dsp:txXfrm>
+    </dsp:sp>
+    <dsp:sp modelId="{94A39CD3-C630-4F27-BC47-EC0B7382957F}">
+      <dsp:nvSpPr>
+        <dsp:cNvPr id="0" name=""/>
+        <dsp:cNvSpPr/>
+      </dsp:nvSpPr>
+      <dsp:spPr>
+        <a:xfrm>
+          <a:off x="7070571" y="1183238"/>
+          <a:ext cx="2522190" cy="1513314"/>
+        </a:xfrm>
+        <a:prstGeom prst="roundRect">
+          <a:avLst>
+            <a:gd name="adj" fmla="val 10000"/>
+          </a:avLst>
+        </a:prstGeom>
+        <a:solidFill>
+          <a:schemeClr val="accent4">
+            <a:hueOff val="0"/>
+            <a:satOff val="0"/>
+            <a:lumOff val="0"/>
+            <a:alphaOff val="0"/>
+          </a:schemeClr>
+        </a:solidFill>
+        <a:ln w="34925" cap="flat" cmpd="sng" algn="in">
+          <a:solidFill>
+            <a:schemeClr val="lt1">
+              <a:hueOff val="0"/>
+              <a:satOff val="0"/>
+              <a:lumOff val="0"/>
+              <a:alphaOff val="0"/>
+            </a:schemeClr>
+          </a:solidFill>
+          <a:prstDash val="solid"/>
+        </a:ln>
+        <a:effectLst/>
+      </dsp:spPr>
+      <dsp:style>
+        <a:lnRef idx="2">
+          <a:scrgbClr r="0" g="0" b="0"/>
+        </a:lnRef>
+        <a:fillRef idx="1">
+          <a:scrgbClr r="0" g="0" b="0"/>
+        </a:fillRef>
+        <a:effectRef idx="0">
+          <a:scrgbClr r="0" g="0" b="0"/>
+        </a:effectRef>
+        <a:fontRef idx="minor">
+          <a:schemeClr val="lt1"/>
+        </a:fontRef>
+      </dsp:style>
+      <dsp:txBody>
+        <a:bodyPr spcFirstLastPara="0" vert="horz" wrap="square" lIns="102870" tIns="102870" rIns="102870" bIns="102870" numCol="1" spcCol="1270" anchor="ctr" anchorCtr="0">
+          <a:noAutofit/>
+        </a:bodyPr>
+        <a:lstStyle/>
         <a:p>
-          <a:pPr marL="228600" lvl="1" indent="-228600" algn="l" defTabSz="977900">
+          <a:pPr marL="0" lvl="0" indent="0" algn="ctr" defTabSz="1200150">
             <a:lnSpc>
               <a:spcPct val="90000"/>
             </a:lnSpc>
@@ -5903,39 +5963,20 @@
               <a:spcPct val="0"/>
             </a:spcBef>
             <a:spcAft>
-              <a:spcPct val="15000"/>
+              <a:spcPct val="35000"/>
             </a:spcAft>
-            <a:buChar char="•"/>
+            <a:buNone/>
           </a:pPr>
           <a:r>
-            <a:rPr lang="es-ES" sz="2200" i="1" kern="1200" baseline="0"/>
-            <a:t>Actividades Guiadas</a:t>
-          </a:r>
-          <a:endParaRPr lang="es-ES" sz="2200" kern="1200"/>
-        </a:p>
-        <a:p>
-          <a:pPr marL="228600" lvl="1" indent="-228600" algn="l" defTabSz="977900">
-            <a:lnSpc>
-              <a:spcPct val="90000"/>
-            </a:lnSpc>
-            <a:spcBef>
-              <a:spcPct val="0"/>
-            </a:spcBef>
-            <a:spcAft>
-              <a:spcPct val="15000"/>
-            </a:spcAft>
-            <a:buChar char="•"/>
-          </a:pPr>
-          <a:r>
-            <a:rPr lang="es-ES" sz="2200" i="1" kern="1200" baseline="0"/>
+            <a:rPr lang="es-ES" sz="2700" i="1" kern="1200" baseline="0"/>
             <a:t>Preguntas Cortas y Observaciones</a:t>
           </a:r>
-          <a:endParaRPr lang="es-ES" sz="2200" kern="1200"/>
+          <a:endParaRPr lang="es-ES" sz="2700" kern="1200"/>
         </a:p>
       </dsp:txBody>
       <dsp:txXfrm>
-        <a:off x="5670662" y="677495"/>
-        <a:ext cx="3858387" cy="2258812"/>
+        <a:off x="7114894" y="1227561"/>
+        <a:ext cx="2433544" cy="1424668"/>
       </dsp:txXfrm>
     </dsp:sp>
   </dsp:spTree>
@@ -10392,7 +10433,7 @@
             <a:pPr rtl="0"/>
             <a:fld id="{64A30C51-7517-4CD6-8DE8-15052DD23BD9}" type="datetime1">
               <a:rPr lang="es-ES" smtClean="0"/>
-              <a:t>05/07/2021</a:t>
+              <a:t>06/07/2021</a:t>
             </a:fld>
             <a:endParaRPr lang="es-ES" dirty="0"/>
           </a:p>
@@ -10561,7 +10602,7 @@
             <a:fld id="{FF92BE3E-5ECC-447F-AFDC-EFD8FA390703}" type="datetime1">
               <a:rPr lang="es-ES" smtClean="0"/>
               <a:pPr/>
-              <a:t>05/07/2021</a:t>
+              <a:t>06/07/2021</a:t>
             </a:fld>
             <a:endParaRPr lang="es-ES" dirty="0"/>
           </a:p>
@@ -11431,7 +11472,7 @@
             <a:pPr rtl="0"/>
             <a:fld id="{7271729F-AC31-4A36-B94F-2520F92C504B}" type="datetime1">
               <a:rPr lang="es-ES" noProof="0" smtClean="0"/>
-              <a:t>05/07/2021</a:t>
+              <a:t>06/07/2021</a:t>
             </a:fld>
             <a:endParaRPr lang="es-ES" noProof="0" dirty="0"/>
           </a:p>
@@ -11864,7 +11905,7 @@
             <a:pPr rtl="0"/>
             <a:fld id="{09E3C37F-C42D-43D8-BE96-EAA286492138}" type="datetime1">
               <a:rPr lang="es-ES" noProof="0" smtClean="0"/>
-              <a:t>05/07/2021</a:t>
+              <a:t>06/07/2021</a:t>
             </a:fld>
             <a:endParaRPr lang="es-ES" noProof="0" dirty="0"/>
           </a:p>
@@ -12048,7 +12089,7 @@
             <a:pPr rtl="0"/>
             <a:fld id="{09E3C37F-C42D-43D8-BE96-EAA286492138}" type="datetime1">
               <a:rPr lang="es-ES" noProof="0" smtClean="0"/>
-              <a:t>05/07/2021</a:t>
+              <a:t>06/07/2021</a:t>
             </a:fld>
             <a:endParaRPr lang="es-ES" noProof="0" dirty="0"/>
           </a:p>
@@ -12349,7 +12390,7 @@
             <a:pPr rtl="0"/>
             <a:fld id="{AB2F5B07-E0BE-4769-BD05-684F3057ABFD}" type="datetime1">
               <a:rPr lang="es-ES" noProof="0" smtClean="0"/>
-              <a:t>05/07/2021</a:t>
+              <a:t>06/07/2021</a:t>
             </a:fld>
             <a:endParaRPr lang="es-ES" noProof="0" dirty="0"/>
           </a:p>
@@ -12948,7 +12989,7 @@
             <a:pPr rtl="0"/>
             <a:fld id="{5F6A8F59-D9BD-44E6-9E8D-E8525DE28A56}" type="datetime1">
               <a:rPr lang="es-ES" noProof="0" smtClean="0"/>
-              <a:t>05/07/2021</a:t>
+              <a:t>06/07/2021</a:t>
             </a:fld>
             <a:endParaRPr lang="es-ES" noProof="0" dirty="0"/>
           </a:p>
@@ -13215,7 +13256,7 @@
             <a:pPr rtl="0"/>
             <a:fld id="{B92F0871-BC43-4391-BA49-F17D21578A8B}" type="datetime1">
               <a:rPr lang="es-ES" noProof="0" smtClean="0"/>
-              <a:t>05/07/2021</a:t>
+              <a:t>06/07/2021</a:t>
             </a:fld>
             <a:endParaRPr lang="es-ES" noProof="0" dirty="0"/>
           </a:p>
@@ -13382,7 +13423,7 @@
             <a:pPr rtl="0"/>
             <a:fld id="{B3CE9BF4-02AB-424C-9F06-A12797AAC7EF}" type="datetime1">
               <a:rPr lang="es-ES" noProof="0" smtClean="0"/>
-              <a:t>05/07/2021</a:t>
+              <a:t>06/07/2021</a:t>
             </a:fld>
             <a:endParaRPr lang="es-ES" noProof="0" dirty="0"/>
           </a:p>
@@ -13820,7 +13861,7 @@
             <a:pPr rtl="0"/>
             <a:fld id="{93879057-5E86-4830-9FD1-D1D8CBE93857}" type="datetime1">
               <a:rPr lang="es-ES" noProof="0" smtClean="0"/>
-              <a:t>05/07/2021</a:t>
+              <a:t>06/07/2021</a:t>
             </a:fld>
             <a:endParaRPr lang="es-ES" noProof="0" dirty="0"/>
           </a:p>
@@ -14209,7 +14250,7 @@
             <a:pPr rtl="0"/>
             <a:fld id="{D8668F10-F209-43CD-A1DB-0A616FDF8D0D}" type="datetime1">
               <a:rPr lang="es-ES" noProof="0" smtClean="0"/>
-              <a:t>05/07/2021</a:t>
+              <a:t>06/07/2021</a:t>
             </a:fld>
             <a:endParaRPr lang="es-ES" noProof="0" dirty="0"/>
           </a:p>
@@ -14663,7 +14704,7 @@
             <a:pPr rtl="0"/>
             <a:fld id="{09E3C37F-C42D-43D8-BE96-EAA286492138}" type="datetime1">
               <a:rPr lang="es-ES" noProof="0" smtClean="0"/>
-              <a:t>05/07/2021</a:t>
+              <a:t>06/07/2021</a:t>
             </a:fld>
             <a:endParaRPr lang="es-ES" noProof="0" dirty="0"/>
           </a:p>
@@ -14944,7 +14985,7 @@
             <a:pPr rtl="0"/>
             <a:fld id="{09E3C37F-C42D-43D8-BE96-EAA286492138}" type="datetime1">
               <a:rPr lang="es-ES" noProof="0" smtClean="0"/>
-              <a:t>05/07/2021</a:t>
+              <a:t>06/07/2021</a:t>
             </a:fld>
             <a:endParaRPr lang="es-ES" noProof="0" dirty="0"/>
           </a:p>
@@ -15342,7 +15383,7 @@
             <a:pPr rtl="0"/>
             <a:fld id="{09E3C37F-C42D-43D8-BE96-EAA286492138}" type="datetime1">
               <a:rPr lang="es-ES" noProof="0" smtClean="0"/>
-              <a:t>05/07/2021</a:t>
+              <a:t>06/07/2021</a:t>
             </a:fld>
             <a:endParaRPr lang="es-ES" noProof="0" dirty="0"/>
           </a:p>
@@ -15823,7 +15864,7 @@
             <a:pPr rtl="0"/>
             <a:fld id="{5F6A8F59-D9BD-44E6-9E8D-E8525DE28A56}" type="datetime1">
               <a:rPr lang="es-ES" noProof="0" smtClean="0"/>
-              <a:t>05/07/2021</a:t>
+              <a:t>06/07/2021</a:t>
             </a:fld>
             <a:endParaRPr lang="es-ES" noProof="0" dirty="0"/>
           </a:p>
@@ -16044,7 +16085,7 @@
             <a:pPr rtl="0"/>
             <a:fld id="{B92F0871-BC43-4391-BA49-F17D21578A8B}" type="datetime1">
               <a:rPr lang="es-ES" noProof="0" smtClean="0"/>
-              <a:t>05/07/2021</a:t>
+              <a:t>06/07/2021</a:t>
             </a:fld>
             <a:endParaRPr lang="es-ES" noProof="0" dirty="0"/>
           </a:p>
@@ -16242,7 +16283,7 @@
             <a:pPr rtl="0"/>
             <a:fld id="{4B75BFFB-0D27-4FB3-9BE6-28BFCCF8A885}" type="datetime1">
               <a:rPr lang="es-ES" noProof="0" smtClean="0"/>
-              <a:t>05/07/2021</a:t>
+              <a:t>06/07/2021</a:t>
             </a:fld>
             <a:endParaRPr lang="es-ES" noProof="0" dirty="0"/>
           </a:p>
@@ -16591,7 +16632,7 @@
             <a:pPr rtl="0"/>
             <a:fld id="{09E3C37F-C42D-43D8-BE96-EAA286492138}" type="datetime1">
               <a:rPr lang="es-ES" noProof="0" smtClean="0"/>
-              <a:t>05/07/2021</a:t>
+              <a:t>06/07/2021</a:t>
             </a:fld>
             <a:endParaRPr lang="es-ES" noProof="0" dirty="0"/>
           </a:p>
@@ -16983,7 +17024,7 @@
             <a:pPr rtl="0"/>
             <a:fld id="{09E3C37F-C42D-43D8-BE96-EAA286492138}" type="datetime1">
               <a:rPr lang="es-ES" noProof="0" smtClean="0"/>
-              <a:t>05/07/2021</a:t>
+              <a:t>06/07/2021</a:t>
             </a:fld>
             <a:endParaRPr lang="es-ES" noProof="0" dirty="0"/>
           </a:p>
@@ -17265,7 +17306,7 @@
             <a:pPr rtl="0"/>
             <a:fld id="{09E3C37F-C42D-43D8-BE96-EAA286492138}" type="datetime1">
               <a:rPr lang="es-ES" noProof="0" smtClean="0"/>
-              <a:t>05/07/2021</a:t>
+              <a:t>06/07/2021</a:t>
             </a:fld>
             <a:endParaRPr lang="es-ES" noProof="0" dirty="0"/>
           </a:p>
@@ -19068,8 +19109,8 @@
         </p:nvSpPr>
         <p:spPr>
           <a:xfrm>
-            <a:off x="1023562" y="685800"/>
-            <a:ext cx="10493524" cy="1485900"/>
+            <a:off x="1298960" y="685800"/>
+            <a:ext cx="10218125" cy="1485900"/>
           </a:xfrm>
         </p:spPr>
         <p:txBody>
@@ -19789,8 +19830,8 @@
         </p:nvSpPr>
         <p:spPr>
           <a:xfrm>
-            <a:off x="1023562" y="685800"/>
-            <a:ext cx="10493524" cy="1485900"/>
+            <a:off x="1387150" y="685800"/>
+            <a:ext cx="10129935" cy="1485900"/>
           </a:xfrm>
         </p:spPr>
         <p:txBody>
@@ -21720,16 +21761,65 @@
         <p:spPr>
           <a:xfrm>
             <a:off x="1371600" y="2285999"/>
-            <a:ext cx="9601200" cy="3648075"/>
+            <a:ext cx="6593080" cy="3648075"/>
           </a:xfrm>
         </p:spPr>
         <p:txBody>
           <a:bodyPr/>
           <a:lstStyle/>
           <a:p>
+            <a:pPr algn="just"/>
             <a:r>
               <a:rPr lang="es-ES" dirty="0"/>
-              <a:t>Validación de datos en el Servidor</a:t>
+              <a:t>Pruebas Unitarias</a:t>
+            </a:r>
+          </a:p>
+          <a:p>
+            <a:pPr lvl="1" algn="just"/>
+            <a:r>
+              <a:rPr lang="es-ES" dirty="0"/>
+              <a:t>Mensajes de error de Mongoose</a:t>
+            </a:r>
+          </a:p>
+          <a:p>
+            <a:pPr marL="530352" lvl="1" indent="0" algn="just">
+              <a:buNone/>
+            </a:pPr>
+            <a:endParaRPr lang="es-ES" dirty="0"/>
+          </a:p>
+          <a:p>
+            <a:pPr algn="just"/>
+            <a:r>
+              <a:rPr lang="es-ES" dirty="0"/>
+              <a:t>Pruebas de Integración</a:t>
+            </a:r>
+          </a:p>
+          <a:p>
+            <a:pPr lvl="1" algn="just"/>
+            <a:r>
+              <a:rPr lang="es-ES" dirty="0"/>
+              <a:t>59 Casos de Prueba (36 Positivos / 23 Negativos)</a:t>
+            </a:r>
+          </a:p>
+          <a:p>
+            <a:pPr lvl="1" algn="just"/>
+            <a:r>
+              <a:rPr lang="es-ES" dirty="0"/>
+              <a:t>Errores principales encontrados</a:t>
+            </a:r>
+          </a:p>
+          <a:p>
+            <a:pPr lvl="2" algn="just"/>
+            <a:r>
+              <a:rPr lang="es-ES" dirty="0"/>
+              <a:t>Validación de datos en el Servidor.</a:t>
+            </a:r>
+          </a:p>
+          <a:p>
+            <a:pPr lvl="2" algn="just"/>
+            <a:r>
+              <a:rPr lang="es-ES" dirty="0"/>
+              <a:t>Uso incorrecto de algunas expresiones de búsqueda en la Base de Datos.</a:t>
             </a:r>
           </a:p>
         </p:txBody>
@@ -21762,7 +21852,7 @@
         </p:blipFill>
         <p:spPr>
           <a:xfrm>
-            <a:off x="8085216" y="859673"/>
+            <a:off x="8198392" y="2171700"/>
             <a:ext cx="1146248" cy="1260000"/>
           </a:xfrm>
           <a:prstGeom prst="rect">
@@ -21798,36 +21888,8 @@
         </p:blipFill>
         <p:spPr>
           <a:xfrm>
-            <a:off x="6766557" y="859672"/>
+            <a:off x="9730752" y="2171700"/>
             <a:ext cx="1089648" cy="1260000"/>
-          </a:xfrm>
-          <a:prstGeom prst="rect">
-            <a:avLst/>
-          </a:prstGeom>
-        </p:spPr>
-      </p:pic>
-      <p:pic>
-        <p:nvPicPr>
-          <p:cNvPr id="11" name="Imagen 10">
-            <a:extLst>
-              <a:ext uri="{FF2B5EF4-FFF2-40B4-BE49-F238E27FC236}">
-                <a16:creationId xmlns:a16="http://schemas.microsoft.com/office/drawing/2014/main" id="{E2942D41-BF95-4AF2-A0D2-7BE41737A414}"/>
-              </a:ext>
-            </a:extLst>
-          </p:cNvPr>
-          <p:cNvPicPr/>
-          <p:nvPr/>
-        </p:nvPicPr>
-        <p:blipFill>
-          <a:blip r:embed="rId7"/>
-          <a:stretch>
-            <a:fillRect/>
-          </a:stretch>
-        </p:blipFill>
-        <p:spPr>
-          <a:xfrm>
-            <a:off x="1144451" y="3327644"/>
-            <a:ext cx="5354003" cy="2606430"/>
           </a:xfrm>
           <a:prstGeom prst="rect">
             <a:avLst/>
@@ -21849,7 +21911,7 @@
           <p:nvPr/>
         </p:nvPicPr>
         <p:blipFill>
-          <a:blip r:embed="rId8">
+          <a:blip r:embed="rId7">
             <a:extLst>
               <a:ext uri="{28A0092B-C50C-407E-A947-70E740481C1C}">
                 <a14:useLocalDpi xmlns:a14="http://schemas.microsoft.com/office/drawing/2010/main" val="0"/>
@@ -21863,8 +21925,8 @@
         </p:blipFill>
         <p:spPr bwMode="auto">
           <a:xfrm>
-            <a:off x="9509399" y="990046"/>
-            <a:ext cx="1185466" cy="1238803"/>
+            <a:off x="8877459" y="4056301"/>
+            <a:ext cx="1205750" cy="1260000"/>
           </a:xfrm>
           <a:prstGeom prst="rect">
             <a:avLst/>
@@ -21881,64 +21943,6 @@
           </a:extLst>
         </p:spPr>
       </p:pic>
-      <p:sp>
-        <p:nvSpPr>
-          <p:cNvPr id="2" name="CuadroTexto 1">
-            <a:extLst>
-              <a:ext uri="{FF2B5EF4-FFF2-40B4-BE49-F238E27FC236}">
-                <a16:creationId xmlns:a16="http://schemas.microsoft.com/office/drawing/2014/main" id="{44D32D5F-50A5-4A04-88EE-F4756457C023}"/>
-              </a:ext>
-            </a:extLst>
-          </p:cNvPr>
-          <p:cNvSpPr txBox="1"/>
-          <p:nvPr/>
-        </p:nvSpPr>
-        <p:spPr>
-          <a:xfrm>
-            <a:off x="7977673" y="3327644"/>
-            <a:ext cx="2157963" cy="1477328"/>
-          </a:xfrm>
-          <a:prstGeom prst="rect">
-            <a:avLst/>
-          </a:prstGeom>
-          <a:noFill/>
-        </p:spPr>
-        <p:txBody>
-          <a:bodyPr wrap="none" rtlCol="0">
-            <a:spAutoFit/>
-          </a:bodyPr>
-          <a:lstStyle/>
-          <a:p>
-            <a:r>
-              <a:rPr lang="es-ES" dirty="0"/>
-              <a:t>59 Casos de Prueba</a:t>
-            </a:r>
-          </a:p>
-          <a:p>
-            <a:pPr lvl="1"/>
-            <a:r>
-              <a:rPr lang="es-ES" dirty="0"/>
-              <a:t>36 Positivos</a:t>
-            </a:r>
-          </a:p>
-          <a:p>
-            <a:pPr lvl="1"/>
-            <a:r>
-              <a:rPr lang="es-ES" dirty="0"/>
-              <a:t>23 Negativos</a:t>
-            </a:r>
-          </a:p>
-          <a:p>
-            <a:r>
-              <a:rPr lang="es-ES" dirty="0"/>
-              <a:t>Errores encontrados</a:t>
-            </a:r>
-          </a:p>
-          <a:p>
-            <a:endParaRPr lang="es-ES" dirty="0"/>
-          </a:p>
-        </p:txBody>
-      </p:sp>
     </p:spTree>
     <p:extLst>
       <p:ext uri="{BB962C8B-B14F-4D97-AF65-F5344CB8AC3E}">
@@ -22228,6 +22232,86 @@
       </p:grpSpPr>
       <p:sp>
         <p:nvSpPr>
+          <p:cNvPr id="4" name="Marcador de contenido 3">
+            <a:extLst>
+              <a:ext uri="{FF2B5EF4-FFF2-40B4-BE49-F238E27FC236}">
+                <a16:creationId xmlns:a16="http://schemas.microsoft.com/office/drawing/2014/main" id="{2B19B513-C079-4884-89E9-A76D8221BD2A}"/>
+              </a:ext>
+            </a:extLst>
+          </p:cNvPr>
+          <p:cNvSpPr>
+            <a:spLocks noGrp="1"/>
+          </p:cNvSpPr>
+          <p:nvPr>
+            <p:ph idx="1"/>
+          </p:nvPr>
+        </p:nvSpPr>
+        <p:spPr>
+          <a:xfrm>
+            <a:off x="1371600" y="2401368"/>
+            <a:ext cx="9601200" cy="3466031"/>
+          </a:xfrm>
+        </p:spPr>
+        <p:txBody>
+          <a:bodyPr>
+            <a:normAutofit/>
+          </a:bodyPr>
+          <a:lstStyle/>
+          <a:p>
+            <a:r>
+              <a:rPr lang="es-ES" dirty="0"/>
+              <a:t>Pruebas de Accesibilidad</a:t>
+            </a:r>
+            <a:endParaRPr lang="es-ES" baseline="0" dirty="0"/>
+          </a:p>
+          <a:p>
+            <a:pPr lvl="1"/>
+            <a:r>
+              <a:rPr lang="es-ES" baseline="0" dirty="0"/>
+              <a:t>Pruebas Automáticas</a:t>
+            </a:r>
+            <a:endParaRPr lang="es-ES" dirty="0"/>
+          </a:p>
+          <a:p>
+            <a:pPr lvl="1"/>
+            <a:r>
+              <a:rPr lang="es-ES" baseline="0" dirty="0"/>
+              <a:t>Pruebas Manuales </a:t>
+            </a:r>
+          </a:p>
+          <a:p>
+            <a:pPr lvl="1"/>
+            <a:endParaRPr lang="es-ES" dirty="0"/>
+          </a:p>
+          <a:p>
+            <a:pPr lvl="0"/>
+            <a:r>
+              <a:rPr lang="es-ES" dirty="0"/>
+              <a:t>Pruebas de Carga</a:t>
+            </a:r>
+          </a:p>
+          <a:p>
+            <a:pPr lvl="1"/>
+            <a:r>
+              <a:rPr lang="es-ES" dirty="0"/>
+              <a:t>50 Peticiones Concurrentes por módulos. </a:t>
+            </a:r>
+          </a:p>
+          <a:p>
+            <a:endParaRPr lang="es-ES" dirty="0"/>
+          </a:p>
+          <a:p>
+            <a:pPr lvl="0"/>
+            <a:endParaRPr lang="es-ES" dirty="0"/>
+          </a:p>
+          <a:p>
+            <a:pPr lvl="1"/>
+            <a:endParaRPr lang="es-ES" dirty="0"/>
+          </a:p>
+        </p:txBody>
+      </p:sp>
+      <p:sp>
+        <p:nvSpPr>
           <p:cNvPr id="9" name="Rectangle 8">
             <a:extLst>
               <a:ext uri="{FF2B5EF4-FFF2-40B4-BE49-F238E27FC236}">
@@ -22412,8 +22496,8 @@
         </p:blipFill>
         <p:spPr bwMode="auto">
           <a:xfrm>
-            <a:off x="6916486" y="2062697"/>
-            <a:ext cx="3505200" cy="1238250"/>
+            <a:off x="4824904" y="2811567"/>
+            <a:ext cx="900000" cy="317935"/>
           </a:xfrm>
           <a:prstGeom prst="rect">
             <a:avLst/>
@@ -22459,8 +22543,8 @@
         </p:blipFill>
         <p:spPr bwMode="auto">
           <a:xfrm>
-            <a:off x="7315200" y="3530615"/>
-            <a:ext cx="3505200" cy="1238250"/>
+            <a:off x="4824904" y="3221766"/>
+            <a:ext cx="900000" cy="317935"/>
           </a:xfrm>
           <a:prstGeom prst="rect">
             <a:avLst/>
@@ -22506,8 +22590,8 @@
         </p:blipFill>
         <p:spPr bwMode="auto">
           <a:xfrm>
-            <a:off x="8137170" y="1530643"/>
-            <a:ext cx="1251659" cy="417220"/>
+            <a:off x="7667472" y="2209546"/>
+            <a:ext cx="2015470" cy="671824"/>
           </a:xfrm>
           <a:prstGeom prst="rect">
             <a:avLst/>
@@ -22524,158 +22608,6 @@
           </a:extLst>
         </p:spPr>
       </p:pic>
-      <p:sp>
-        <p:nvSpPr>
-          <p:cNvPr id="4" name="Marcador de contenido 3">
-            <a:extLst>
-              <a:ext uri="{FF2B5EF4-FFF2-40B4-BE49-F238E27FC236}">
-                <a16:creationId xmlns:a16="http://schemas.microsoft.com/office/drawing/2014/main" id="{2B19B513-C079-4884-89E9-A76D8221BD2A}"/>
-              </a:ext>
-            </a:extLst>
-          </p:cNvPr>
-          <p:cNvSpPr>
-            <a:spLocks noGrp="1"/>
-          </p:cNvSpPr>
-          <p:nvPr>
-            <p:ph idx="1"/>
-          </p:nvPr>
-        </p:nvSpPr>
-        <p:spPr>
-          <a:xfrm>
-            <a:off x="1371600" y="2401368"/>
-            <a:ext cx="9601200" cy="3466031"/>
-          </a:xfrm>
-        </p:spPr>
-        <p:txBody>
-          <a:bodyPr>
-            <a:normAutofit fontScale="92500" lnSpcReduction="20000"/>
-          </a:bodyPr>
-          <a:lstStyle/>
-          <a:p>
-            <a:r>
-              <a:rPr lang="es-ES" dirty="0"/>
-              <a:t>Pruebas de Accesibilidad</a:t>
-            </a:r>
-            <a:endParaRPr lang="es-ES" baseline="0" dirty="0"/>
-          </a:p>
-          <a:p>
-            <a:pPr lvl="1"/>
-            <a:r>
-              <a:rPr lang="es-ES" baseline="0" dirty="0"/>
-              <a:t>Pruebas Automáticas</a:t>
-            </a:r>
-            <a:endParaRPr lang="es-ES" dirty="0"/>
-          </a:p>
-          <a:p>
-            <a:pPr lvl="1"/>
-            <a:r>
-              <a:rPr lang="es-ES" baseline="0" dirty="0"/>
-              <a:t>Pruebas Manuales </a:t>
-            </a:r>
-          </a:p>
-          <a:p>
-            <a:pPr lvl="0"/>
-            <a:r>
-              <a:rPr lang="es-ES" dirty="0"/>
-              <a:t>Pruebas de Carga</a:t>
-            </a:r>
-          </a:p>
-          <a:p>
-            <a:pPr lvl="1"/>
-            <a:r>
-              <a:rPr lang="es-ES" dirty="0"/>
-              <a:t>50 Peticiones Concurrentes por módulos. </a:t>
-            </a:r>
-          </a:p>
-          <a:p>
-            <a:pPr lvl="1">
-              <a:buFont typeface="Franklin Gothic Book" panose="020B0503020102020204" pitchFamily="34" charset="0"/>
-              <a:buChar char="•"/>
-            </a:pPr>
-            <a:r>
-              <a:rPr lang="es-ES" dirty="0"/>
-              <a:t>Módulo Agentes: 0,007 segs</a:t>
-            </a:r>
-          </a:p>
-          <a:p>
-            <a:pPr lvl="1">
-              <a:buChar char="•"/>
-            </a:pPr>
-            <a:r>
-              <a:rPr lang="es-ES" dirty="0"/>
-              <a:t>Módulo Conversations: 0,006 segs</a:t>
-            </a:r>
-            <a:endParaRPr lang="en-US" dirty="0"/>
-          </a:p>
-          <a:p>
-            <a:pPr lvl="1">
-              <a:buChar char="•"/>
-            </a:pPr>
-            <a:r>
-              <a:rPr lang="es-ES" dirty="0"/>
-              <a:t>Módulo Properties</a:t>
-            </a:r>
-            <a:r>
-              <a:rPr lang="en-US" dirty="0"/>
-              <a:t>: </a:t>
-            </a:r>
-            <a:r>
-              <a:rPr lang="es-ES" dirty="0"/>
-              <a:t>0,1 segs</a:t>
-            </a:r>
-            <a:endParaRPr lang="en-US" dirty="0"/>
-          </a:p>
-          <a:p>
-            <a:pPr lvl="1">
-              <a:buChar char="•"/>
-            </a:pPr>
-            <a:r>
-              <a:rPr lang="es-ES" dirty="0"/>
-              <a:t>Módulo System: 0,004 segs</a:t>
-            </a:r>
-            <a:endParaRPr lang="en-US" dirty="0"/>
-          </a:p>
-          <a:p>
-            <a:pPr lvl="1">
-              <a:buChar char="•"/>
-            </a:pPr>
-            <a:r>
-              <a:rPr lang="es-ES" dirty="0"/>
-              <a:t>Módulo Users</a:t>
-            </a:r>
-            <a:r>
-              <a:rPr lang="en-US" dirty="0"/>
-              <a:t>: </a:t>
-            </a:r>
-            <a:r>
-              <a:rPr lang="es-ES" dirty="0"/>
-              <a:t>0,01 segs</a:t>
-            </a:r>
-            <a:endParaRPr lang="en-US" dirty="0"/>
-          </a:p>
-          <a:p>
-            <a:pPr lvl="1">
-              <a:buChar char="•"/>
-            </a:pPr>
-            <a:r>
-              <a:rPr lang="es-ES" dirty="0"/>
-              <a:t>Módulo Wishes: 0,003 segs</a:t>
-            </a:r>
-            <a:endParaRPr lang="en-US" dirty="0"/>
-          </a:p>
-          <a:p>
-            <a:endParaRPr lang="es-ES" dirty="0"/>
-          </a:p>
-          <a:p>
-            <a:pPr lvl="0"/>
-            <a:endParaRPr lang="es-ES" dirty="0"/>
-          </a:p>
-          <a:p>
-            <a:pPr lvl="1"/>
-            <a:endParaRPr lang="es-ES" dirty="0"/>
-          </a:p>
-        </p:txBody>
-      </p:sp>
       <p:pic>
         <p:nvPicPr>
           <p:cNvPr id="10" name="Picture 18">
@@ -22707,6 +22639,382 @@
           <a:xfrm>
             <a:off x="8762999" y="5051990"/>
             <a:ext cx="1527984" cy="519104"/>
+          </a:xfrm>
+          <a:prstGeom prst="rect">
+            <a:avLst/>
+          </a:prstGeom>
+          <a:noFill/>
+          <a:extLst>
+            <a:ext uri="{909E8E84-426E-40DD-AFC4-6F175D3DCCD1}">
+              <a14:hiddenFill xmlns:a14="http://schemas.microsoft.com/office/drawing/2010/main">
+                <a:solidFill>
+                  <a:srgbClr val="FFFFFF"/>
+                </a:solidFill>
+              </a14:hiddenFill>
+            </a:ext>
+          </a:extLst>
+        </p:spPr>
+      </p:pic>
+      <p:graphicFrame>
+        <p:nvGraphicFramePr>
+          <p:cNvPr id="2" name="Tabla 4">
+            <a:extLst>
+              <a:ext uri="{FF2B5EF4-FFF2-40B4-BE49-F238E27FC236}">
+                <a16:creationId xmlns:a16="http://schemas.microsoft.com/office/drawing/2014/main" id="{CF3E3340-A24E-416A-98D0-EDB859861B80}"/>
+              </a:ext>
+            </a:extLst>
+          </p:cNvPr>
+          <p:cNvGraphicFramePr>
+            <a:graphicFrameLocks noGrp="1"/>
+          </p:cNvGraphicFramePr>
+          <p:nvPr>
+            <p:extLst>
+              <p:ext uri="{D42A27DB-BD31-4B8C-83A1-F6EECF244321}">
+                <p14:modId xmlns:p14="http://schemas.microsoft.com/office/powerpoint/2010/main" val="4061891998"/>
+              </p:ext>
+            </p:extLst>
+          </p:nvPr>
+        </p:nvGraphicFramePr>
+        <p:xfrm>
+          <a:off x="1645774" y="4896442"/>
+          <a:ext cx="8573330" cy="741680"/>
+        </p:xfrm>
+        <a:graphic>
+          <a:graphicData uri="http://schemas.openxmlformats.org/drawingml/2006/table">
+            <a:tbl>
+              <a:tblPr firstRow="1" bandRow="1">
+                <a:tableStyleId>{00A15C55-8517-42AA-B614-E9B94910E393}</a:tableStyleId>
+              </a:tblPr>
+              <a:tblGrid>
+                <a:gridCol w="1899065">
+                  <a:extLst>
+                    <a:ext uri="{9D8B030D-6E8A-4147-A177-3AD203B41FA5}">
+                      <a16:colId xmlns:a16="http://schemas.microsoft.com/office/drawing/2014/main" val="2542626728"/>
+                    </a:ext>
+                  </a:extLst>
+                </a:gridCol>
+                <a:gridCol w="914400">
+                  <a:extLst>
+                    <a:ext uri="{9D8B030D-6E8A-4147-A177-3AD203B41FA5}">
+                      <a16:colId xmlns:a16="http://schemas.microsoft.com/office/drawing/2014/main" val="4195804837"/>
+                    </a:ext>
+                  </a:extLst>
+                </a:gridCol>
+                <a:gridCol w="1555335">
+                  <a:extLst>
+                    <a:ext uri="{9D8B030D-6E8A-4147-A177-3AD203B41FA5}">
+                      <a16:colId xmlns:a16="http://schemas.microsoft.com/office/drawing/2014/main" val="930406241"/>
+                    </a:ext>
+                  </a:extLst>
+                </a:gridCol>
+                <a:gridCol w="1178832">
+                  <a:extLst>
+                    <a:ext uri="{9D8B030D-6E8A-4147-A177-3AD203B41FA5}">
+                      <a16:colId xmlns:a16="http://schemas.microsoft.com/office/drawing/2014/main" val="1328200516"/>
+                    </a:ext>
+                  </a:extLst>
+                </a:gridCol>
+                <a:gridCol w="1021056">
+                  <a:extLst>
+                    <a:ext uri="{9D8B030D-6E8A-4147-A177-3AD203B41FA5}">
+                      <a16:colId xmlns:a16="http://schemas.microsoft.com/office/drawing/2014/main" val="1246290006"/>
+                    </a:ext>
+                  </a:extLst>
+                </a:gridCol>
+                <a:gridCol w="871176">
+                  <a:extLst>
+                    <a:ext uri="{9D8B030D-6E8A-4147-A177-3AD203B41FA5}">
+                      <a16:colId xmlns:a16="http://schemas.microsoft.com/office/drawing/2014/main" val="3711320940"/>
+                    </a:ext>
+                  </a:extLst>
+                </a:gridCol>
+                <a:gridCol w="1133466">
+                  <a:extLst>
+                    <a:ext uri="{9D8B030D-6E8A-4147-A177-3AD203B41FA5}">
+                      <a16:colId xmlns:a16="http://schemas.microsoft.com/office/drawing/2014/main" val="1542792057"/>
+                    </a:ext>
+                  </a:extLst>
+                </a:gridCol>
+              </a:tblGrid>
+              <a:tr h="370840">
+                <a:tc>
+                  <a:txBody>
+                    <a:bodyPr/>
+                    <a:lstStyle/>
+                    <a:p>
+                      <a:r>
+                        <a:rPr lang="es-ES" dirty="0">
+                          <a:solidFill>
+                            <a:schemeClr val="bg1"/>
+                          </a:solidFill>
+                        </a:rPr>
+                        <a:t>Módulo</a:t>
+                      </a:r>
+                    </a:p>
+                  </a:txBody>
+                  <a:tcPr anchor="ctr">
+                    <a:solidFill>
+                      <a:schemeClr val="accent4"/>
+                    </a:solidFill>
+                  </a:tcPr>
+                </a:tc>
+                <a:tc>
+                  <a:txBody>
+                    <a:bodyPr/>
+                    <a:lstStyle/>
+                    <a:p>
+                      <a:r>
+                        <a:rPr lang="es-ES" dirty="0"/>
+                        <a:t>Agents</a:t>
+                      </a:r>
+                    </a:p>
+                  </a:txBody>
+                  <a:tcPr anchor="ctr"/>
+                </a:tc>
+                <a:tc>
+                  <a:txBody>
+                    <a:bodyPr/>
+                    <a:lstStyle/>
+                    <a:p>
+                      <a:r>
+                        <a:rPr lang="es-ES" dirty="0"/>
+                        <a:t>Conversations</a:t>
+                      </a:r>
+                    </a:p>
+                  </a:txBody>
+                  <a:tcPr anchor="ctr"/>
+                </a:tc>
+                <a:tc>
+                  <a:txBody>
+                    <a:bodyPr/>
+                    <a:lstStyle/>
+                    <a:p>
+                      <a:r>
+                        <a:rPr lang="es-ES" dirty="0"/>
+                        <a:t>Properties</a:t>
+                      </a:r>
+                    </a:p>
+                  </a:txBody>
+                  <a:tcPr anchor="ctr"/>
+                </a:tc>
+                <a:tc>
+                  <a:txBody>
+                    <a:bodyPr/>
+                    <a:lstStyle/>
+                    <a:p>
+                      <a:r>
+                        <a:rPr lang="es-ES" dirty="0"/>
+                        <a:t>System</a:t>
+                      </a:r>
+                    </a:p>
+                  </a:txBody>
+                  <a:tcPr anchor="ctr"/>
+                </a:tc>
+                <a:tc>
+                  <a:txBody>
+                    <a:bodyPr/>
+                    <a:lstStyle/>
+                    <a:p>
+                      <a:r>
+                        <a:rPr lang="es-ES" dirty="0"/>
+                        <a:t>Users</a:t>
+                      </a:r>
+                    </a:p>
+                  </a:txBody>
+                  <a:tcPr anchor="ctr"/>
+                </a:tc>
+                <a:tc>
+                  <a:txBody>
+                    <a:bodyPr/>
+                    <a:lstStyle/>
+                    <a:p>
+                      <a:r>
+                        <a:rPr lang="es-ES" dirty="0"/>
+                        <a:t>Wishes</a:t>
+                      </a:r>
+                    </a:p>
+                  </a:txBody>
+                  <a:tcPr anchor="ctr"/>
+                </a:tc>
+                <a:extLst>
+                  <a:ext uri="{0D108BD9-81ED-4DB2-BD59-A6C34878D82A}">
+                    <a16:rowId xmlns:a16="http://schemas.microsoft.com/office/drawing/2014/main" val="2719471095"/>
+                  </a:ext>
+                </a:extLst>
+              </a:tr>
+              <a:tr h="370840">
+                <a:tc>
+                  <a:txBody>
+                    <a:bodyPr/>
+                    <a:lstStyle/>
+                    <a:p>
+                      <a:r>
+                        <a:rPr lang="es-ES" b="1" dirty="0">
+                          <a:solidFill>
+                            <a:schemeClr val="bg1"/>
+                          </a:solidFill>
+                        </a:rPr>
+                        <a:t>Tiempo </a:t>
+                      </a:r>
+                      <a:r>
+                        <a:rPr lang="es-ES" b="1" dirty="0" err="1">
+                          <a:solidFill>
+                            <a:schemeClr val="bg1"/>
+                          </a:solidFill>
+                        </a:rPr>
+                        <a:t>Máx</a:t>
+                      </a:r>
+                      <a:r>
+                        <a:rPr lang="es-ES" b="1" dirty="0">
+                          <a:solidFill>
+                            <a:schemeClr val="bg1"/>
+                          </a:solidFill>
+                        </a:rPr>
+                        <a:t> (</a:t>
+                      </a:r>
+                      <a:r>
+                        <a:rPr lang="es-ES" b="1" dirty="0" err="1">
+                          <a:solidFill>
+                            <a:schemeClr val="bg1"/>
+                          </a:solidFill>
+                        </a:rPr>
+                        <a:t>seg</a:t>
+                      </a:r>
+                      <a:r>
+                        <a:rPr lang="es-ES" b="1" dirty="0">
+                          <a:solidFill>
+                            <a:schemeClr val="bg1"/>
+                          </a:solidFill>
+                        </a:rPr>
+                        <a:t>)</a:t>
+                      </a:r>
+                    </a:p>
+                  </a:txBody>
+                  <a:tcPr anchor="ctr">
+                    <a:solidFill>
+                      <a:schemeClr val="accent4"/>
+                    </a:solidFill>
+                  </a:tcPr>
+                </a:tc>
+                <a:tc>
+                  <a:txBody>
+                    <a:bodyPr/>
+                    <a:lstStyle/>
+                    <a:p>
+                      <a:r>
+                        <a:rPr lang="es-ES" dirty="0"/>
+                        <a:t>0.007</a:t>
+                      </a:r>
+                    </a:p>
+                  </a:txBody>
+                  <a:tcPr anchor="ctr"/>
+                </a:tc>
+                <a:tc>
+                  <a:txBody>
+                    <a:bodyPr/>
+                    <a:lstStyle/>
+                    <a:p>
+                      <a:r>
+                        <a:rPr lang="es-ES" dirty="0"/>
+                        <a:t>0.006</a:t>
+                      </a:r>
+                    </a:p>
+                  </a:txBody>
+                  <a:tcPr anchor="ctr"/>
+                </a:tc>
+                <a:tc>
+                  <a:txBody>
+                    <a:bodyPr/>
+                    <a:lstStyle/>
+                    <a:p>
+                      <a:r>
+                        <a:rPr lang="es-ES" dirty="0"/>
+                        <a:t>0.1</a:t>
+                      </a:r>
+                    </a:p>
+                  </a:txBody>
+                  <a:tcPr anchor="ctr"/>
+                </a:tc>
+                <a:tc>
+                  <a:txBody>
+                    <a:bodyPr/>
+                    <a:lstStyle/>
+                    <a:p>
+                      <a:r>
+                        <a:rPr lang="es-ES" dirty="0"/>
+                        <a:t>0.004</a:t>
+                      </a:r>
+                    </a:p>
+                  </a:txBody>
+                  <a:tcPr anchor="ctr"/>
+                </a:tc>
+                <a:tc>
+                  <a:txBody>
+                    <a:bodyPr/>
+                    <a:lstStyle/>
+                    <a:p>
+                      <a:r>
+                        <a:rPr lang="es-ES" dirty="0"/>
+                        <a:t>0.01</a:t>
+                      </a:r>
+                    </a:p>
+                  </a:txBody>
+                  <a:tcPr anchor="ctr"/>
+                </a:tc>
+                <a:tc>
+                  <a:txBody>
+                    <a:bodyPr/>
+                    <a:lstStyle/>
+                    <a:p>
+                      <a:r>
+                        <a:rPr lang="es-ES" dirty="0"/>
+                        <a:t>0.003</a:t>
+                      </a:r>
+                    </a:p>
+                  </a:txBody>
+                  <a:tcPr anchor="ctr"/>
+                </a:tc>
+                <a:extLst>
+                  <a:ext uri="{0D108BD9-81ED-4DB2-BD59-A6C34878D82A}">
+                    <a16:rowId xmlns:a16="http://schemas.microsoft.com/office/drawing/2014/main" val="31618841"/>
+                  </a:ext>
+                </a:extLst>
+              </a:tr>
+            </a:tbl>
+          </a:graphicData>
+        </a:graphic>
+      </p:graphicFrame>
+      <p:pic>
+        <p:nvPicPr>
+          <p:cNvPr id="11" name="Picture 18">
+            <a:extLst>
+              <a:ext uri="{FF2B5EF4-FFF2-40B4-BE49-F238E27FC236}">
+                <a16:creationId xmlns:a16="http://schemas.microsoft.com/office/drawing/2014/main" id="{C5491B9A-58BD-4CC2-BE38-0ACF44654E07}"/>
+              </a:ext>
+            </a:extLst>
+          </p:cNvPr>
+          <p:cNvPicPr>
+            <a:picLocks noChangeAspect="1" noChangeArrowheads="1"/>
+          </p:cNvPicPr>
+          <p:nvPr/>
+        </p:nvPicPr>
+        <p:blipFill>
+          <a:blip r:embed="rId6">
+            <a:extLst>
+              <a:ext uri="{28A0092B-C50C-407E-A947-70E740481C1C}">
+                <a14:useLocalDpi xmlns:a14="http://schemas.microsoft.com/office/drawing/2010/main" val="0"/>
+              </a:ext>
+            </a:extLst>
+          </a:blip>
+          <a:srcRect/>
+          <a:stretch>
+            <a:fillRect/>
+          </a:stretch>
+        </p:blipFill>
+        <p:spPr bwMode="auto">
+          <a:xfrm>
+            <a:off x="7667472" y="3380733"/>
+            <a:ext cx="2016000" cy="684898"/>
           </a:xfrm>
           <a:prstGeom prst="rect">
             <a:avLst/>
@@ -22924,10 +23232,10 @@
       </p:pic>
       <p:graphicFrame>
         <p:nvGraphicFramePr>
-          <p:cNvPr id="6" name="Diagrama 5">
+          <p:cNvPr id="4" name="Diagrama 3">
             <a:extLst>
               <a:ext uri="{FF2B5EF4-FFF2-40B4-BE49-F238E27FC236}">
-                <a16:creationId xmlns:a16="http://schemas.microsoft.com/office/drawing/2014/main" id="{332EB298-BE60-401D-84AD-CE772256B5BA}"/>
+                <a16:creationId xmlns:a16="http://schemas.microsoft.com/office/drawing/2014/main" id="{C1A1DEDA-8128-4937-B104-EEE332CC1FC9}"/>
               </a:ext>
             </a:extLst>
           </p:cNvPr>
@@ -22935,14 +23243,14 @@
           <p:nvPr>
             <p:extLst>
               <p:ext uri="{D42A27DB-BD31-4B8C-83A1-F6EECF244321}">
-                <p14:modId xmlns:p14="http://schemas.microsoft.com/office/powerpoint/2010/main" val="1300439803"/>
+                <p14:modId xmlns:p14="http://schemas.microsoft.com/office/powerpoint/2010/main" val="2577981702"/>
               </p:ext>
             </p:extLst>
           </p:nvPr>
         </p:nvGraphicFramePr>
         <p:xfrm>
-          <a:off x="1371600" y="2171700"/>
-          <a:ext cx="9601200" cy="3613803"/>
+          <a:off x="1371600" y="1905712"/>
+          <a:ext cx="9601200" cy="3879791"/>
         </p:xfrm>
         <a:graphic>
           <a:graphicData uri="http://schemas.openxmlformats.org/drawingml/2006/diagram">
@@ -22950,6 +23258,103 @@
           </a:graphicData>
         </a:graphic>
       </p:graphicFrame>
+      <p:sp>
+        <p:nvSpPr>
+          <p:cNvPr id="5" name="CuadroTexto 4">
+            <a:extLst>
+              <a:ext uri="{FF2B5EF4-FFF2-40B4-BE49-F238E27FC236}">
+                <a16:creationId xmlns:a16="http://schemas.microsoft.com/office/drawing/2014/main" id="{E567F2B8-8DD6-4C9A-A2FD-F6F1310ADA14}"/>
+              </a:ext>
+            </a:extLst>
+          </p:cNvPr>
+          <p:cNvSpPr txBox="1"/>
+          <p:nvPr/>
+        </p:nvSpPr>
+        <p:spPr>
+          <a:xfrm>
+            <a:off x="4822320" y="2401962"/>
+            <a:ext cx="2699759" cy="523220"/>
+          </a:xfrm>
+          <a:prstGeom prst="rect">
+            <a:avLst/>
+          </a:prstGeom>
+          <a:noFill/>
+        </p:spPr>
+        <p:txBody>
+          <a:bodyPr wrap="square" rtlCol="0">
+            <a:spAutoFit/>
+          </a:bodyPr>
+          <a:lstStyle/>
+          <a:p>
+            <a:pPr lvl="0"/>
+            <a:r>
+              <a:rPr lang="es-ES" sz="2800" b="1" baseline="0" dirty="0"/>
+              <a:t>CUESTIONARIOS</a:t>
+            </a:r>
+            <a:endParaRPr lang="es-ES" sz="2800" b="1" dirty="0"/>
+          </a:p>
+        </p:txBody>
+      </p:sp>
+      <p:sp>
+        <p:nvSpPr>
+          <p:cNvPr id="8" name="Elipse 7">
+            <a:extLst>
+              <a:ext uri="{FF2B5EF4-FFF2-40B4-BE49-F238E27FC236}">
+                <a16:creationId xmlns:a16="http://schemas.microsoft.com/office/drawing/2014/main" id="{29407A35-24C3-452A-9CD0-2C0F4F6C78C4}"/>
+              </a:ext>
+            </a:extLst>
+          </p:cNvPr>
+          <p:cNvSpPr/>
+          <p:nvPr/>
+        </p:nvSpPr>
+        <p:spPr>
+          <a:xfrm>
+            <a:off x="9545652" y="1052201"/>
+            <a:ext cx="1427148" cy="1349761"/>
+          </a:xfrm>
+          <a:prstGeom prst="ellipse">
+            <a:avLst/>
+          </a:prstGeom>
+        </p:spPr>
+        <p:style>
+          <a:lnRef idx="2">
+            <a:schemeClr val="accent4">
+              <a:shade val="50000"/>
+            </a:schemeClr>
+          </a:lnRef>
+          <a:fillRef idx="1">
+            <a:schemeClr val="accent4"/>
+          </a:fillRef>
+          <a:effectRef idx="0">
+            <a:schemeClr val="accent4"/>
+          </a:effectRef>
+          <a:fontRef idx="minor">
+            <a:schemeClr val="lt1"/>
+          </a:fontRef>
+        </p:style>
+        <p:txBody>
+          <a:bodyPr rtlCol="0" anchor="ctr"/>
+          <a:lstStyle/>
+          <a:p>
+            <a:pPr algn="ctr"/>
+            <a:r>
+              <a:rPr lang="es-ES" sz="3600" dirty="0"/>
+              <a:t>8</a:t>
+            </a:r>
+            <a:r>
+              <a:rPr lang="es-ES" sz="1600" dirty="0"/>
+              <a:t> </a:t>
+            </a:r>
+          </a:p>
+          <a:p>
+            <a:pPr algn="ctr"/>
+            <a:r>
+              <a:rPr lang="es-ES" sz="1400" dirty="0"/>
+              <a:t>Sujetos de Prueba</a:t>
+            </a:r>
+          </a:p>
+        </p:txBody>
+      </p:sp>
     </p:spTree>
     <p:extLst>
       <p:ext uri="{BB962C8B-B14F-4D97-AF65-F5344CB8AC3E}">
@@ -22964,6 +23369,350 @@
 </file>
 
 <file path=ppt/slides/slide22.xml><?xml version="1.0" encoding="utf-8"?>
+<p:sld xmlns:a="http://schemas.openxmlformats.org/drawingml/2006/main" xmlns:r="http://schemas.openxmlformats.org/officeDocument/2006/relationships" xmlns:p="http://schemas.openxmlformats.org/presentationml/2006/main">
+  <p:cSld>
+    <p:bg>
+      <p:bgPr>
+        <a:solidFill>
+          <a:schemeClr val="bg2"/>
+        </a:solidFill>
+        <a:effectLst/>
+      </p:bgPr>
+    </p:bg>
+    <p:spTree>
+      <p:nvGrpSpPr>
+        <p:cNvPr id="1" name=""/>
+        <p:cNvGrpSpPr/>
+        <p:nvPr/>
+      </p:nvGrpSpPr>
+      <p:grpSpPr>
+        <a:xfrm>
+          <a:off x="0" y="0"/>
+          <a:ext cx="0" cy="0"/>
+          <a:chOff x="0" y="0"/>
+          <a:chExt cx="0" cy="0"/>
+        </a:xfrm>
+      </p:grpSpPr>
+      <p:sp>
+        <p:nvSpPr>
+          <p:cNvPr id="9" name="Rectangle 8">
+            <a:extLst>
+              <a:ext uri="{FF2B5EF4-FFF2-40B4-BE49-F238E27FC236}">
+                <a16:creationId xmlns:a16="http://schemas.microsoft.com/office/drawing/2014/main" id="{0F90CED2-72DA-49F5-8068-294F7EEF1388}"/>
+              </a:ext>
+              <a:ext uri="{C183D7F6-B498-43B3-948B-1728B52AA6E4}">
+                <adec:decorative xmlns:adec="http://schemas.microsoft.com/office/drawing/2017/decorative" val="1"/>
+              </a:ext>
+            </a:extLst>
+          </p:cNvPr>
+          <p:cNvSpPr>
+            <a:spLocks noGrp="1" noRot="1" noChangeAspect="1" noMove="1" noResize="1" noEditPoints="1" noAdjustHandles="1" noChangeArrowheads="1" noChangeShapeType="1" noTextEdit="1"/>
+          </p:cNvSpPr>
+          <p:nvPr>
+            <p:extLst>
+              <p:ext uri="{386F3935-93C4-4BCD-93E2-E3B085C9AB24}">
+                <p16:designElem xmlns:p16="http://schemas.microsoft.com/office/powerpoint/2015/main" val="1"/>
+              </p:ext>
+            </p:extLst>
+          </p:nvPr>
+        </p:nvSpPr>
+        <p:spPr>
+          <a:xfrm>
+            <a:off x="478095" y="376"/>
+            <a:ext cx="228600" cy="6858000"/>
+          </a:xfrm>
+          <a:prstGeom prst="rect">
+            <a:avLst/>
+          </a:prstGeom>
+          <a:solidFill>
+            <a:schemeClr val="tx2"/>
+          </a:solidFill>
+          <a:ln>
+            <a:noFill/>
+          </a:ln>
+        </p:spPr>
+        <p:style>
+          <a:lnRef idx="2">
+            <a:schemeClr val="accent1">
+              <a:shade val="50000"/>
+            </a:schemeClr>
+          </a:lnRef>
+          <a:fillRef idx="1">
+            <a:schemeClr val="accent1"/>
+          </a:fillRef>
+          <a:effectRef idx="0">
+            <a:schemeClr val="accent1"/>
+          </a:effectRef>
+          <a:fontRef idx="minor">
+            <a:schemeClr val="lt1"/>
+          </a:fontRef>
+        </p:style>
+      </p:sp>
+      <p:sp>
+        <p:nvSpPr>
+          <p:cNvPr id="3" name="Título 2">
+            <a:extLst>
+              <a:ext uri="{FF2B5EF4-FFF2-40B4-BE49-F238E27FC236}">
+                <a16:creationId xmlns:a16="http://schemas.microsoft.com/office/drawing/2014/main" id="{24AE0C5B-787E-48FA-BBCB-F2ADA02C5E40}"/>
+              </a:ext>
+            </a:extLst>
+          </p:cNvPr>
+          <p:cNvSpPr>
+            <a:spLocks noGrp="1"/>
+          </p:cNvSpPr>
+          <p:nvPr>
+            <p:ph type="title"/>
+          </p:nvPr>
+        </p:nvSpPr>
+        <p:spPr>
+          <a:xfrm>
+            <a:off x="1371600" y="685800"/>
+            <a:ext cx="9601200" cy="1485900"/>
+          </a:xfrm>
+        </p:spPr>
+        <p:txBody>
+          <a:bodyPr vert="horz" lIns="91440" tIns="45720" rIns="91440" bIns="45720" rtlCol="0" anchor="t">
+            <a:normAutofit/>
+          </a:bodyPr>
+          <a:lstStyle/>
+          <a:p>
+            <a:r>
+              <a:rPr lang="en-US" dirty="0" err="1"/>
+              <a:t>Pruebas</a:t>
+            </a:r>
+            <a:r>
+              <a:rPr lang="en-US" dirty="0"/>
+              <a:t>. IV</a:t>
+            </a:r>
+            <a:br>
+              <a:rPr lang="en-US" dirty="0"/>
+            </a:br>
+            <a:r>
+              <a:rPr lang="en-US" sz="2800" dirty="0" err="1"/>
+              <a:t>pruebas</a:t>
+            </a:r>
+            <a:r>
+              <a:rPr lang="en-US" sz="2800" dirty="0"/>
+              <a:t> de </a:t>
+            </a:r>
+            <a:r>
+              <a:rPr lang="en-US" sz="2800" dirty="0" err="1"/>
+              <a:t>usabilidad</a:t>
+            </a:r>
+            <a:endParaRPr lang="en-US" dirty="0"/>
+          </a:p>
+        </p:txBody>
+      </p:sp>
+      <p:pic>
+        <p:nvPicPr>
+          <p:cNvPr id="21" name="Picture 6" descr="MongoDB Logo - LogoDix">
+            <a:extLst>
+              <a:ext uri="{FF2B5EF4-FFF2-40B4-BE49-F238E27FC236}">
+                <a16:creationId xmlns:a16="http://schemas.microsoft.com/office/drawing/2014/main" id="{8E44890A-4DF5-4CFB-905C-9E1E94F8F04B}"/>
+              </a:ext>
+            </a:extLst>
+          </p:cNvPr>
+          <p:cNvPicPr>
+            <a:picLocks noChangeAspect="1" noChangeArrowheads="1"/>
+          </p:cNvPicPr>
+          <p:nvPr/>
+        </p:nvPicPr>
+        <p:blipFill>
+          <a:blip r:embed="rId2">
+            <a:extLst>
+              <a:ext uri="{28A0092B-C50C-407E-A947-70E740481C1C}">
+                <a14:useLocalDpi xmlns:a14="http://schemas.microsoft.com/office/drawing/2010/main" val="0"/>
+              </a:ext>
+            </a:extLst>
+          </a:blip>
+          <a:srcRect/>
+          <a:stretch>
+            <a:fillRect/>
+          </a:stretch>
+        </p:blipFill>
+        <p:spPr bwMode="auto">
+          <a:xfrm>
+            <a:off x="13937607" y="455102"/>
+            <a:ext cx="608036" cy="152009"/>
+          </a:xfrm>
+          <a:prstGeom prst="rect">
+            <a:avLst/>
+          </a:prstGeom>
+          <a:noFill/>
+          <a:extLst>
+            <a:ext uri="{909E8E84-426E-40DD-AFC4-6F175D3DCCD1}">
+              <a14:hiddenFill xmlns:a14="http://schemas.microsoft.com/office/drawing/2010/main">
+                <a:solidFill>
+                  <a:srgbClr val="FFFFFF"/>
+                </a:solidFill>
+              </a14:hiddenFill>
+            </a:ext>
+          </a:extLst>
+        </p:spPr>
+      </p:pic>
+      <p:sp>
+        <p:nvSpPr>
+          <p:cNvPr id="8" name="Elipse 7">
+            <a:extLst>
+              <a:ext uri="{FF2B5EF4-FFF2-40B4-BE49-F238E27FC236}">
+                <a16:creationId xmlns:a16="http://schemas.microsoft.com/office/drawing/2014/main" id="{29407A35-24C3-452A-9CD0-2C0F4F6C78C4}"/>
+              </a:ext>
+            </a:extLst>
+          </p:cNvPr>
+          <p:cNvSpPr/>
+          <p:nvPr/>
+        </p:nvSpPr>
+        <p:spPr>
+          <a:xfrm>
+            <a:off x="9545652" y="1052201"/>
+            <a:ext cx="1427148" cy="1349761"/>
+          </a:xfrm>
+          <a:prstGeom prst="ellipse">
+            <a:avLst/>
+          </a:prstGeom>
+        </p:spPr>
+        <p:style>
+          <a:lnRef idx="2">
+            <a:schemeClr val="accent4">
+              <a:shade val="50000"/>
+            </a:schemeClr>
+          </a:lnRef>
+          <a:fillRef idx="1">
+            <a:schemeClr val="accent4"/>
+          </a:fillRef>
+          <a:effectRef idx="0">
+            <a:schemeClr val="accent4"/>
+          </a:effectRef>
+          <a:fontRef idx="minor">
+            <a:schemeClr val="lt1"/>
+          </a:fontRef>
+        </p:style>
+        <p:txBody>
+          <a:bodyPr rtlCol="0" anchor="ctr"/>
+          <a:lstStyle/>
+          <a:p>
+            <a:pPr algn="ctr"/>
+            <a:r>
+              <a:rPr lang="es-ES" sz="3600" dirty="0"/>
+              <a:t>8</a:t>
+            </a:r>
+            <a:r>
+              <a:rPr lang="es-ES" sz="1600" dirty="0"/>
+              <a:t> </a:t>
+            </a:r>
+          </a:p>
+          <a:p>
+            <a:pPr algn="ctr"/>
+            <a:r>
+              <a:rPr lang="es-ES" sz="1400" dirty="0"/>
+              <a:t>Sujetos de Prueba</a:t>
+            </a:r>
+          </a:p>
+        </p:txBody>
+      </p:sp>
+      <p:sp>
+        <p:nvSpPr>
+          <p:cNvPr id="7" name="Rectángulo 6">
+            <a:extLst>
+              <a:ext uri="{FF2B5EF4-FFF2-40B4-BE49-F238E27FC236}">
+                <a16:creationId xmlns:a16="http://schemas.microsoft.com/office/drawing/2014/main" id="{E64FB9E3-4738-4C0D-B3D5-6FD8AE236FD3}"/>
+              </a:ext>
+            </a:extLst>
+          </p:cNvPr>
+          <p:cNvSpPr/>
+          <p:nvPr/>
+        </p:nvSpPr>
+        <p:spPr>
+          <a:xfrm>
+            <a:off x="1371600" y="2171699"/>
+            <a:ext cx="9601200" cy="3613803"/>
+          </a:xfrm>
+          <a:prstGeom prst="rect">
+            <a:avLst/>
+          </a:prstGeom>
+        </p:spPr>
+        <p:txBody>
+          <a:bodyPr/>
+          <a:lstStyle/>
+          <a:p>
+            <a:pPr lvl="0">
+              <a:buChar char="•"/>
+            </a:pPr>
+            <a:r>
+              <a:rPr lang="es-ES" sz="2000" i="1" dirty="0"/>
+              <a:t>Cambio del Término </a:t>
+            </a:r>
+            <a:r>
+              <a:rPr lang="es-ES" sz="2000" dirty="0"/>
+              <a:t>“Propiedad” por “Inmueble”.</a:t>
+            </a:r>
+          </a:p>
+          <a:p>
+            <a:pPr lvl="0">
+              <a:buChar char="•"/>
+            </a:pPr>
+            <a:r>
+              <a:rPr lang="es-ES" sz="2000" i="1" baseline="0" dirty="0"/>
+              <a:t>Reestructuración de la Barra de Navegación.</a:t>
+            </a:r>
+            <a:endParaRPr lang="es-ES" sz="2000" dirty="0"/>
+          </a:p>
+          <a:p>
+            <a:pPr lvl="0">
+              <a:buChar char="•"/>
+            </a:pPr>
+            <a:r>
+              <a:rPr lang="es-ES" sz="2000" i="1" dirty="0"/>
+              <a:t>Modificación en el proceso de edición de imágenes de un Inmueble.</a:t>
+            </a:r>
+            <a:endParaRPr lang="es-ES" sz="2000" dirty="0"/>
+          </a:p>
+          <a:p>
+            <a:pPr lvl="0">
+              <a:buChar char="•"/>
+            </a:pPr>
+            <a:r>
+              <a:rPr lang="es-ES" sz="2000" i="1" baseline="0" dirty="0"/>
+              <a:t>Separación del proceso de edición de perfil en dos.</a:t>
+            </a:r>
+            <a:endParaRPr lang="es-ES" sz="2000" dirty="0"/>
+          </a:p>
+          <a:p>
+            <a:pPr lvl="1">
+              <a:buChar char="•"/>
+            </a:pPr>
+            <a:r>
+              <a:rPr lang="es-ES" sz="2000" i="1" dirty="0"/>
+              <a:t>Uno para los aspectos generales (nombre y apellidos).</a:t>
+            </a:r>
+            <a:endParaRPr lang="es-ES" sz="2000" dirty="0"/>
+          </a:p>
+          <a:p>
+            <a:pPr lvl="1">
+              <a:buChar char="•"/>
+            </a:pPr>
+            <a:r>
+              <a:rPr lang="es-ES" sz="2000" i="1" baseline="0" dirty="0"/>
+              <a:t>Otro para la contraseña.</a:t>
+            </a:r>
+            <a:endParaRPr lang="es-ES" sz="2000" dirty="0"/>
+          </a:p>
+        </p:txBody>
+      </p:sp>
+    </p:spTree>
+    <p:extLst>
+      <p:ext uri="{BB962C8B-B14F-4D97-AF65-F5344CB8AC3E}">
+        <p14:creationId xmlns:p14="http://schemas.microsoft.com/office/powerpoint/2010/main" val="759069627"/>
+      </p:ext>
+    </p:extLst>
+  </p:cSld>
+  <p:clrMapOvr>
+    <a:masterClrMapping/>
+  </p:clrMapOvr>
+</p:sld>
+</file>
+
+<file path=ppt/slides/slide23.xml><?xml version="1.0" encoding="utf-8"?>
 <p:sld xmlns:a="http://schemas.openxmlformats.org/drawingml/2006/main" xmlns:r="http://schemas.openxmlformats.org/officeDocument/2006/relationships" xmlns:p="http://schemas.openxmlformats.org/presentationml/2006/main">
   <p:cSld>
     <p:bg>
@@ -23307,17 +24056,9 @@
 </p:sld>
 </file>
 
-<file path=ppt/slides/slide23.xml><?xml version="1.0" encoding="utf-8"?>
+<file path=ppt/slides/slide24.xml><?xml version="1.0" encoding="utf-8"?>
 <p:sld xmlns:a="http://schemas.openxmlformats.org/drawingml/2006/main" xmlns:r="http://schemas.openxmlformats.org/officeDocument/2006/relationships" xmlns:p="http://schemas.openxmlformats.org/presentationml/2006/main">
   <p:cSld>
-    <p:bg>
-      <p:bgPr>
-        <a:solidFill>
-          <a:schemeClr val="bg2"/>
-        </a:solidFill>
-        <a:effectLst/>
-      </p:bgPr>
-    </p:bg>
     <p:spTree>
       <p:nvGrpSpPr>
         <p:cNvPr id="1" name=""/>
@@ -23334,65 +24075,10 @@
       </p:grpSpPr>
       <p:sp>
         <p:nvSpPr>
-          <p:cNvPr id="9" name="Rectangle 8">
-            <a:extLst>
-              <a:ext uri="{FF2B5EF4-FFF2-40B4-BE49-F238E27FC236}">
-                <a16:creationId xmlns:a16="http://schemas.microsoft.com/office/drawing/2014/main" id="{0F90CED2-72DA-49F5-8068-294F7EEF1388}"/>
-              </a:ext>
-              <a:ext uri="{C183D7F6-B498-43B3-948B-1728B52AA6E4}">
-                <adec:decorative xmlns:adec="http://schemas.microsoft.com/office/drawing/2017/decorative" val="1"/>
-              </a:ext>
-            </a:extLst>
-          </p:cNvPr>
-          <p:cNvSpPr>
-            <a:spLocks noGrp="1" noRot="1" noChangeAspect="1" noMove="1" noResize="1" noEditPoints="1" noAdjustHandles="1" noChangeArrowheads="1" noChangeShapeType="1" noTextEdit="1"/>
-          </p:cNvSpPr>
-          <p:nvPr>
-            <p:extLst>
-              <p:ext uri="{386F3935-93C4-4BCD-93E2-E3B085C9AB24}">
-                <p16:designElem xmlns:p16="http://schemas.microsoft.com/office/powerpoint/2015/main" val="1"/>
-              </p:ext>
-            </p:extLst>
-          </p:nvPr>
-        </p:nvSpPr>
-        <p:spPr>
-          <a:xfrm>
-            <a:off x="478095" y="376"/>
-            <a:ext cx="228600" cy="6858000"/>
-          </a:xfrm>
-          <a:prstGeom prst="rect">
-            <a:avLst/>
-          </a:prstGeom>
-          <a:solidFill>
-            <a:schemeClr val="tx2"/>
-          </a:solidFill>
-          <a:ln>
-            <a:noFill/>
-          </a:ln>
-        </p:spPr>
-        <p:style>
-          <a:lnRef idx="2">
-            <a:schemeClr val="accent1">
-              <a:shade val="50000"/>
-            </a:schemeClr>
-          </a:lnRef>
-          <a:fillRef idx="1">
-            <a:schemeClr val="accent1"/>
-          </a:fillRef>
-          <a:effectRef idx="0">
-            <a:schemeClr val="accent1"/>
-          </a:effectRef>
-          <a:fontRef idx="minor">
-            <a:schemeClr val="lt1"/>
-          </a:fontRef>
-        </p:style>
-      </p:sp>
-      <p:sp>
-        <p:nvSpPr>
           <p:cNvPr id="3" name="Título 2">
             <a:extLst>
               <a:ext uri="{FF2B5EF4-FFF2-40B4-BE49-F238E27FC236}">
-                <a16:creationId xmlns:a16="http://schemas.microsoft.com/office/drawing/2014/main" id="{24AE0C5B-787E-48FA-BBCB-F2ADA02C5E40}"/>
+                <a16:creationId xmlns:a16="http://schemas.microsoft.com/office/drawing/2014/main" id="{2987D8B2-AFC5-49D4-BBD3-F9D01D4CED3D}"/>
               </a:ext>
             </a:extLst>
           </p:cNvPr>
@@ -23405,1937 +24091,28 @@
         </p:nvSpPr>
         <p:spPr>
           <a:xfrm>
-            <a:off x="1371600" y="685800"/>
-            <a:ext cx="9601200" cy="1485900"/>
+            <a:off x="4219243" y="3135208"/>
+            <a:ext cx="3753514" cy="587584"/>
           </a:xfrm>
         </p:spPr>
         <p:txBody>
-          <a:bodyPr vert="horz" lIns="91440" tIns="45720" rIns="91440" bIns="45720" rtlCol="0" anchor="t">
-            <a:normAutofit/>
+          <a:bodyPr>
+            <a:normAutofit fontScale="90000"/>
           </a:bodyPr>
           <a:lstStyle/>
           <a:p>
-            <a:r>
-              <a:rPr lang="en-US" dirty="0" err="1"/>
-              <a:t>Presupuesto</a:t>
-            </a:r>
-            <a:r>
-              <a:rPr lang="en-US" dirty="0"/>
-              <a:t> de </a:t>
-            </a:r>
-            <a:r>
-              <a:rPr lang="en-US" dirty="0" err="1"/>
-              <a:t>cliente</a:t>
-            </a:r>
-            <a:endParaRPr lang="en-US" dirty="0"/>
-          </a:p>
-        </p:txBody>
-      </p:sp>
-      <p:pic>
-        <p:nvPicPr>
-          <p:cNvPr id="21" name="Picture 6" descr="MongoDB Logo - LogoDix">
-            <a:extLst>
-              <a:ext uri="{FF2B5EF4-FFF2-40B4-BE49-F238E27FC236}">
-                <a16:creationId xmlns:a16="http://schemas.microsoft.com/office/drawing/2014/main" id="{8E44890A-4DF5-4CFB-905C-9E1E94F8F04B}"/>
-              </a:ext>
-            </a:extLst>
-          </p:cNvPr>
-          <p:cNvPicPr>
-            <a:picLocks noChangeAspect="1" noChangeArrowheads="1"/>
-          </p:cNvPicPr>
-          <p:nvPr/>
-        </p:nvPicPr>
-        <p:blipFill>
-          <a:blip r:embed="rId2">
-            <a:extLst>
-              <a:ext uri="{28A0092B-C50C-407E-A947-70E740481C1C}">
-                <a14:useLocalDpi xmlns:a14="http://schemas.microsoft.com/office/drawing/2010/main" val="0"/>
-              </a:ext>
-            </a:extLst>
-          </a:blip>
-          <a:srcRect/>
-          <a:stretch>
-            <a:fillRect/>
-          </a:stretch>
-        </p:blipFill>
-        <p:spPr bwMode="auto">
-          <a:xfrm>
-            <a:off x="13937607" y="455102"/>
-            <a:ext cx="608036" cy="152009"/>
-          </a:xfrm>
-          <a:prstGeom prst="rect">
-            <a:avLst/>
-          </a:prstGeom>
-          <a:noFill/>
-          <a:extLst>
-            <a:ext uri="{909E8E84-426E-40DD-AFC4-6F175D3DCCD1}">
-              <a14:hiddenFill xmlns:a14="http://schemas.microsoft.com/office/drawing/2010/main">
-                <a:solidFill>
-                  <a:srgbClr val="FFFFFF"/>
-                </a:solidFill>
-              </a14:hiddenFill>
-            </a:ext>
-          </a:extLst>
-        </p:spPr>
-      </p:pic>
-      <p:graphicFrame>
-        <p:nvGraphicFramePr>
-          <p:cNvPr id="5" name="Marcador de contenido 4">
-            <a:extLst>
-              <a:ext uri="{FF2B5EF4-FFF2-40B4-BE49-F238E27FC236}">
-                <a16:creationId xmlns:a16="http://schemas.microsoft.com/office/drawing/2014/main" id="{D4F3AAC9-3FB1-46CA-9FB8-7CF5D09CF122}"/>
-              </a:ext>
-            </a:extLst>
-          </p:cNvPr>
-          <p:cNvGraphicFramePr>
-            <a:graphicFrameLocks noGrp="1"/>
-          </p:cNvGraphicFramePr>
-          <p:nvPr>
-            <p:ph idx="1"/>
-            <p:extLst>
-              <p:ext uri="{D42A27DB-BD31-4B8C-83A1-F6EECF244321}">
-                <p14:modId xmlns:p14="http://schemas.microsoft.com/office/powerpoint/2010/main" val="1547071601"/>
-              </p:ext>
-            </p:extLst>
-          </p:nvPr>
-        </p:nvGraphicFramePr>
-        <p:xfrm>
-          <a:off x="1371600" y="2409825"/>
-          <a:ext cx="9601200" cy="3333750"/>
-        </p:xfrm>
-        <a:graphic>
-          <a:graphicData uri="http://schemas.openxmlformats.org/drawingml/2006/table">
-            <a:tbl>
-              <a:tblPr firstRow="1" firstCol="1" bandRow="1">
-                <a:tableStyleId>{00A15C55-8517-42AA-B614-E9B94910E393}</a:tableStyleId>
-              </a:tblPr>
-              <a:tblGrid>
-                <a:gridCol w="4904293">
-                  <a:extLst>
-                    <a:ext uri="{9D8B030D-6E8A-4147-A177-3AD203B41FA5}">
-                      <a16:colId xmlns:a16="http://schemas.microsoft.com/office/drawing/2014/main" val="1769153549"/>
-                    </a:ext>
-                  </a:extLst>
-                </a:gridCol>
-                <a:gridCol w="2356134">
-                  <a:extLst>
-                    <a:ext uri="{9D8B030D-6E8A-4147-A177-3AD203B41FA5}">
-                      <a16:colId xmlns:a16="http://schemas.microsoft.com/office/drawing/2014/main" val="2431898781"/>
-                    </a:ext>
-                  </a:extLst>
-                </a:gridCol>
-                <a:gridCol w="2340773">
-                  <a:extLst>
-                    <a:ext uri="{9D8B030D-6E8A-4147-A177-3AD203B41FA5}">
-                      <a16:colId xmlns:a16="http://schemas.microsoft.com/office/drawing/2014/main" val="1439216495"/>
-                    </a:ext>
-                  </a:extLst>
-                </a:gridCol>
-              </a:tblGrid>
-              <a:tr h="200025">
-                <a:tc>
-                  <a:txBody>
-                    <a:bodyPr/>
-                    <a:lstStyle/>
-                    <a:p>
-                      <a:pPr algn="just">
-                        <a:lnSpc>
-                          <a:spcPct val="107000"/>
-                        </a:lnSpc>
-                        <a:spcAft>
-                          <a:spcPts val="800"/>
-                        </a:spcAft>
-                      </a:pPr>
-                      <a:r>
-                        <a:rPr lang="es-ES" sz="1000" b="1" dirty="0">
-                          <a:effectLst/>
-                        </a:rPr>
-                        <a:t>DESCRIPCIÓN</a:t>
-                      </a:r>
-                      <a:endParaRPr lang="es-ES" sz="1100" b="1" dirty="0">
-                        <a:effectLst/>
-                        <a:latin typeface="Calibri" panose="020F0502020204030204" pitchFamily="34" charset="0"/>
-                        <a:ea typeface="Calibri" panose="020F0502020204030204" pitchFamily="34" charset="0"/>
-                        <a:cs typeface="Times New Roman" panose="02020603050405020304" pitchFamily="18" charset="0"/>
-                      </a:endParaRPr>
-                    </a:p>
-                  </a:txBody>
-                  <a:tcPr marL="68580" marR="68580" marT="0" marB="0" anchor="ctr"/>
-                </a:tc>
-                <a:tc>
-                  <a:txBody>
-                    <a:bodyPr/>
-                    <a:lstStyle/>
-                    <a:p>
-                      <a:pPr algn="just">
-                        <a:lnSpc>
-                          <a:spcPct val="107000"/>
-                        </a:lnSpc>
-                        <a:spcAft>
-                          <a:spcPts val="800"/>
-                        </a:spcAft>
-                      </a:pPr>
-                      <a:r>
-                        <a:rPr lang="es-ES" sz="1000" b="1">
-                          <a:effectLst/>
-                        </a:rPr>
-                        <a:t>COSTE PERSONAL</a:t>
-                      </a:r>
-                      <a:endParaRPr lang="es-ES" sz="1100" b="1">
-                        <a:effectLst/>
-                        <a:latin typeface="Calibri" panose="020F0502020204030204" pitchFamily="34" charset="0"/>
-                        <a:ea typeface="Calibri" panose="020F0502020204030204" pitchFamily="34" charset="0"/>
-                        <a:cs typeface="Times New Roman" panose="02020603050405020304" pitchFamily="18" charset="0"/>
-                      </a:endParaRPr>
-                    </a:p>
-                  </a:txBody>
-                  <a:tcPr marL="68580" marR="68580" marT="0" marB="0" anchor="ctr"/>
-                </a:tc>
-                <a:tc>
-                  <a:txBody>
-                    <a:bodyPr/>
-                    <a:lstStyle/>
-                    <a:p>
-                      <a:pPr algn="just">
-                        <a:lnSpc>
-                          <a:spcPct val="107000"/>
-                        </a:lnSpc>
-                        <a:spcAft>
-                          <a:spcPts val="800"/>
-                        </a:spcAft>
-                      </a:pPr>
-                      <a:r>
-                        <a:rPr lang="es-ES" sz="1000" b="1" dirty="0">
-                          <a:effectLst/>
-                        </a:rPr>
-                        <a:t>COSTE MATERIAL</a:t>
-                      </a:r>
-                      <a:endParaRPr lang="es-ES" sz="1100" b="1" dirty="0">
-                        <a:effectLst/>
-                        <a:latin typeface="Calibri" panose="020F0502020204030204" pitchFamily="34" charset="0"/>
-                        <a:ea typeface="Calibri" panose="020F0502020204030204" pitchFamily="34" charset="0"/>
-                        <a:cs typeface="Times New Roman" panose="02020603050405020304" pitchFamily="18" charset="0"/>
-                      </a:endParaRPr>
-                    </a:p>
-                  </a:txBody>
-                  <a:tcPr marL="68580" marR="68580" marT="0" marB="0" anchor="ctr"/>
-                </a:tc>
-                <a:extLst>
-                  <a:ext uri="{0D108BD9-81ED-4DB2-BD59-A6C34878D82A}">
-                    <a16:rowId xmlns:a16="http://schemas.microsoft.com/office/drawing/2014/main" val="4286632723"/>
-                  </a:ext>
-                </a:extLst>
-              </a:tr>
-              <a:tr h="200025">
-                <a:tc>
-                  <a:txBody>
-                    <a:bodyPr/>
-                    <a:lstStyle/>
-                    <a:p>
-                      <a:pPr algn="just">
-                        <a:lnSpc>
-                          <a:spcPct val="107000"/>
-                        </a:lnSpc>
-                        <a:spcAft>
-                          <a:spcPts val="800"/>
-                        </a:spcAft>
-                      </a:pPr>
-                      <a:r>
-                        <a:rPr lang="es-ES" sz="1000" b="0" dirty="0">
-                          <a:effectLst/>
-                        </a:rPr>
-                        <a:t>Iniciación del Proyecto</a:t>
-                      </a:r>
-                      <a:endParaRPr lang="es-ES" sz="1100" b="0" dirty="0">
-                        <a:effectLst/>
-                        <a:latin typeface="Calibri" panose="020F0502020204030204" pitchFamily="34" charset="0"/>
-                        <a:ea typeface="Calibri" panose="020F0502020204030204" pitchFamily="34" charset="0"/>
-                        <a:cs typeface="Times New Roman" panose="02020603050405020304" pitchFamily="18" charset="0"/>
-                      </a:endParaRPr>
-                    </a:p>
-                  </a:txBody>
-                  <a:tcPr marL="68580" marR="68580" marT="0" marB="0" anchor="ctr"/>
-                </a:tc>
-                <a:tc>
-                  <a:txBody>
-                    <a:bodyPr/>
-                    <a:lstStyle/>
-                    <a:p>
-                      <a:pPr algn="just">
-                        <a:lnSpc>
-                          <a:spcPct val="107000"/>
-                        </a:lnSpc>
-                        <a:spcAft>
-                          <a:spcPts val="800"/>
-                        </a:spcAft>
-                      </a:pPr>
-                      <a:r>
-                        <a:rPr lang="es-ES" sz="1000">
-                          <a:effectLst/>
-                        </a:rPr>
-                        <a:t>0</a:t>
-                      </a:r>
-                      <a:endParaRPr lang="es-ES" sz="1100">
-                        <a:effectLst/>
-                        <a:latin typeface="Calibri" panose="020F0502020204030204" pitchFamily="34" charset="0"/>
-                        <a:ea typeface="Calibri" panose="020F0502020204030204" pitchFamily="34" charset="0"/>
-                        <a:cs typeface="Times New Roman" panose="02020603050405020304" pitchFamily="18" charset="0"/>
-                      </a:endParaRPr>
-                    </a:p>
-                  </a:txBody>
-                  <a:tcPr marL="68580" marR="68580" marT="0" marB="0" anchor="ctr"/>
-                </a:tc>
-                <a:tc>
-                  <a:txBody>
-                    <a:bodyPr/>
-                    <a:lstStyle/>
-                    <a:p>
-                      <a:pPr algn="just">
-                        <a:lnSpc>
-                          <a:spcPct val="107000"/>
-                        </a:lnSpc>
-                        <a:spcAft>
-                          <a:spcPts val="800"/>
-                        </a:spcAft>
-                      </a:pPr>
-                      <a:r>
-                        <a:rPr lang="es-ES" sz="1000">
-                          <a:effectLst/>
-                        </a:rPr>
-                        <a:t>1186,25</a:t>
-                      </a:r>
-                      <a:endParaRPr lang="es-ES" sz="1100">
-                        <a:effectLst/>
-                        <a:latin typeface="Calibri" panose="020F0502020204030204" pitchFamily="34" charset="0"/>
-                        <a:ea typeface="Calibri" panose="020F0502020204030204" pitchFamily="34" charset="0"/>
-                        <a:cs typeface="Times New Roman" panose="02020603050405020304" pitchFamily="18" charset="0"/>
-                      </a:endParaRPr>
-                    </a:p>
-                  </a:txBody>
-                  <a:tcPr marL="68580" marR="68580" marT="0" marB="0" anchor="ctr"/>
-                </a:tc>
-                <a:extLst>
-                  <a:ext uri="{0D108BD9-81ED-4DB2-BD59-A6C34878D82A}">
-                    <a16:rowId xmlns:a16="http://schemas.microsoft.com/office/drawing/2014/main" val="3408450138"/>
-                  </a:ext>
-                </a:extLst>
-              </a:tr>
-              <a:tr h="190500">
-                <a:tc>
-                  <a:txBody>
-                    <a:bodyPr/>
-                    <a:lstStyle/>
-                    <a:p>
-                      <a:pPr indent="127635" algn="just">
-                        <a:lnSpc>
-                          <a:spcPct val="107000"/>
-                        </a:lnSpc>
-                        <a:spcAft>
-                          <a:spcPts val="800"/>
-                        </a:spcAft>
-                      </a:pPr>
-                      <a:r>
-                        <a:rPr lang="es-ES" sz="1000" b="0" dirty="0">
-                          <a:effectLst/>
-                        </a:rPr>
-                        <a:t>Licencias</a:t>
-                      </a:r>
-                      <a:endParaRPr lang="es-ES" sz="1100" b="0" dirty="0">
-                        <a:effectLst/>
-                        <a:latin typeface="Calibri" panose="020F0502020204030204" pitchFamily="34" charset="0"/>
-                        <a:ea typeface="Calibri" panose="020F0502020204030204" pitchFamily="34" charset="0"/>
-                        <a:cs typeface="Times New Roman" panose="02020603050405020304" pitchFamily="18" charset="0"/>
-                      </a:endParaRPr>
-                    </a:p>
-                  </a:txBody>
-                  <a:tcPr marL="68580" marR="68580" marT="0" marB="0" anchor="ctr"/>
-                </a:tc>
-                <a:tc>
-                  <a:txBody>
-                    <a:bodyPr/>
-                    <a:lstStyle/>
-                    <a:p>
-                      <a:pPr algn="just">
-                        <a:lnSpc>
-                          <a:spcPct val="107000"/>
-                        </a:lnSpc>
-                        <a:spcAft>
-                          <a:spcPts val="800"/>
-                        </a:spcAft>
-                      </a:pPr>
-                      <a:r>
-                        <a:rPr lang="es-ES" sz="1000">
-                          <a:effectLst/>
-                        </a:rPr>
-                        <a:t> </a:t>
-                      </a:r>
-                      <a:endParaRPr lang="es-ES" sz="1100">
-                        <a:effectLst/>
-                        <a:latin typeface="Calibri" panose="020F0502020204030204" pitchFamily="34" charset="0"/>
-                        <a:ea typeface="Calibri" panose="020F0502020204030204" pitchFamily="34" charset="0"/>
-                        <a:cs typeface="Times New Roman" panose="02020603050405020304" pitchFamily="18" charset="0"/>
-                      </a:endParaRPr>
-                    </a:p>
-                  </a:txBody>
-                  <a:tcPr marL="68580" marR="68580" marT="0" marB="0" anchor="ctr"/>
-                </a:tc>
-                <a:tc>
-                  <a:txBody>
-                    <a:bodyPr/>
-                    <a:lstStyle/>
-                    <a:p>
-                      <a:pPr algn="just">
-                        <a:lnSpc>
-                          <a:spcPct val="107000"/>
-                        </a:lnSpc>
-                        <a:spcAft>
-                          <a:spcPts val="800"/>
-                        </a:spcAft>
-                      </a:pPr>
-                      <a:r>
-                        <a:rPr lang="es-ES" sz="1000">
-                          <a:effectLst/>
-                        </a:rPr>
-                        <a:t>194,19</a:t>
-                      </a:r>
-                      <a:endParaRPr lang="es-ES" sz="1100">
-                        <a:effectLst/>
-                        <a:latin typeface="Calibri" panose="020F0502020204030204" pitchFamily="34" charset="0"/>
-                        <a:ea typeface="Calibri" panose="020F0502020204030204" pitchFamily="34" charset="0"/>
-                        <a:cs typeface="Times New Roman" panose="02020603050405020304" pitchFamily="18" charset="0"/>
-                      </a:endParaRPr>
-                    </a:p>
-                  </a:txBody>
-                  <a:tcPr marL="68580" marR="68580" marT="0" marB="0" anchor="ctr"/>
-                </a:tc>
-                <a:extLst>
-                  <a:ext uri="{0D108BD9-81ED-4DB2-BD59-A6C34878D82A}">
-                    <a16:rowId xmlns:a16="http://schemas.microsoft.com/office/drawing/2014/main" val="2978670102"/>
-                  </a:ext>
-                </a:extLst>
-              </a:tr>
-              <a:tr h="190500">
-                <a:tc>
-                  <a:txBody>
-                    <a:bodyPr/>
-                    <a:lstStyle/>
-                    <a:p>
-                      <a:pPr indent="127635" algn="just">
-                        <a:lnSpc>
-                          <a:spcPct val="107000"/>
-                        </a:lnSpc>
-                        <a:spcAft>
-                          <a:spcPts val="800"/>
-                        </a:spcAft>
-                      </a:pPr>
-                      <a:r>
-                        <a:rPr lang="es-ES" sz="1000" b="0" dirty="0">
-                          <a:effectLst/>
-                        </a:rPr>
-                        <a:t>Oficina</a:t>
-                      </a:r>
-                      <a:endParaRPr lang="es-ES" sz="1100" b="0" dirty="0">
-                        <a:effectLst/>
-                        <a:latin typeface="Calibri" panose="020F0502020204030204" pitchFamily="34" charset="0"/>
-                        <a:ea typeface="Calibri" panose="020F0502020204030204" pitchFamily="34" charset="0"/>
-                        <a:cs typeface="Times New Roman" panose="02020603050405020304" pitchFamily="18" charset="0"/>
-                      </a:endParaRPr>
-                    </a:p>
-                  </a:txBody>
-                  <a:tcPr marL="68580" marR="68580" marT="0" marB="0" anchor="ctr"/>
-                </a:tc>
-                <a:tc>
-                  <a:txBody>
-                    <a:bodyPr/>
-                    <a:lstStyle/>
-                    <a:p>
-                      <a:pPr algn="just">
-                        <a:lnSpc>
-                          <a:spcPct val="107000"/>
-                        </a:lnSpc>
-                        <a:spcAft>
-                          <a:spcPts val="800"/>
-                        </a:spcAft>
-                      </a:pPr>
-                      <a:r>
-                        <a:rPr lang="es-ES" sz="1000">
-                          <a:effectLst/>
-                        </a:rPr>
-                        <a:t> </a:t>
-                      </a:r>
-                      <a:endParaRPr lang="es-ES" sz="1100">
-                        <a:effectLst/>
-                        <a:latin typeface="Calibri" panose="020F0502020204030204" pitchFamily="34" charset="0"/>
-                        <a:ea typeface="Calibri" panose="020F0502020204030204" pitchFamily="34" charset="0"/>
-                        <a:cs typeface="Times New Roman" panose="02020603050405020304" pitchFamily="18" charset="0"/>
-                      </a:endParaRPr>
-                    </a:p>
-                  </a:txBody>
-                  <a:tcPr marL="68580" marR="68580" marT="0" marB="0" anchor="ctr"/>
-                </a:tc>
-                <a:tc>
-                  <a:txBody>
-                    <a:bodyPr/>
-                    <a:lstStyle/>
-                    <a:p>
-                      <a:pPr algn="just">
-                        <a:lnSpc>
-                          <a:spcPct val="107000"/>
-                        </a:lnSpc>
-                        <a:spcAft>
-                          <a:spcPts val="800"/>
-                        </a:spcAft>
-                      </a:pPr>
-                      <a:r>
-                        <a:rPr lang="es-ES" sz="1000">
-                          <a:effectLst/>
-                        </a:rPr>
-                        <a:t>992,06</a:t>
-                      </a:r>
-                      <a:endParaRPr lang="es-ES" sz="1100">
-                        <a:effectLst/>
-                        <a:latin typeface="Calibri" panose="020F0502020204030204" pitchFamily="34" charset="0"/>
-                        <a:ea typeface="Calibri" panose="020F0502020204030204" pitchFamily="34" charset="0"/>
-                        <a:cs typeface="Times New Roman" panose="02020603050405020304" pitchFamily="18" charset="0"/>
-                      </a:endParaRPr>
-                    </a:p>
-                  </a:txBody>
-                  <a:tcPr marL="68580" marR="68580" marT="0" marB="0" anchor="ctr"/>
-                </a:tc>
-                <a:extLst>
-                  <a:ext uri="{0D108BD9-81ED-4DB2-BD59-A6C34878D82A}">
-                    <a16:rowId xmlns:a16="http://schemas.microsoft.com/office/drawing/2014/main" val="2865124348"/>
-                  </a:ext>
-                </a:extLst>
-              </a:tr>
-              <a:tr h="200025">
-                <a:tc>
-                  <a:txBody>
-                    <a:bodyPr/>
-                    <a:lstStyle/>
-                    <a:p>
-                      <a:pPr algn="just">
-                        <a:lnSpc>
-                          <a:spcPct val="107000"/>
-                        </a:lnSpc>
-                        <a:spcAft>
-                          <a:spcPts val="800"/>
-                        </a:spcAft>
-                      </a:pPr>
-                      <a:r>
-                        <a:rPr lang="es-ES" sz="1000" b="0">
-                          <a:effectLst/>
-                        </a:rPr>
-                        <a:t>Análisis y Estudio del Proyecto</a:t>
-                      </a:r>
-                      <a:endParaRPr lang="es-ES" sz="1100" b="0">
-                        <a:effectLst/>
-                        <a:latin typeface="Calibri" panose="020F0502020204030204" pitchFamily="34" charset="0"/>
-                        <a:ea typeface="Calibri" panose="020F0502020204030204" pitchFamily="34" charset="0"/>
-                        <a:cs typeface="Times New Roman" panose="02020603050405020304" pitchFamily="18" charset="0"/>
-                      </a:endParaRPr>
-                    </a:p>
-                  </a:txBody>
-                  <a:tcPr marL="68580" marR="68580" marT="0" marB="0" anchor="ctr"/>
-                </a:tc>
-                <a:tc>
-                  <a:txBody>
-                    <a:bodyPr/>
-                    <a:lstStyle/>
-                    <a:p>
-                      <a:pPr algn="just">
-                        <a:lnSpc>
-                          <a:spcPct val="107000"/>
-                        </a:lnSpc>
-                        <a:spcAft>
-                          <a:spcPts val="800"/>
-                        </a:spcAft>
-                      </a:pPr>
-                      <a:r>
-                        <a:rPr lang="es-ES" sz="1000">
-                          <a:effectLst/>
-                        </a:rPr>
-                        <a:t>285</a:t>
-                      </a:r>
-                      <a:endParaRPr lang="es-ES" sz="1100">
-                        <a:effectLst/>
-                        <a:latin typeface="Calibri" panose="020F0502020204030204" pitchFamily="34" charset="0"/>
-                        <a:ea typeface="Calibri" panose="020F0502020204030204" pitchFamily="34" charset="0"/>
-                        <a:cs typeface="Times New Roman" panose="02020603050405020304" pitchFamily="18" charset="0"/>
-                      </a:endParaRPr>
-                    </a:p>
-                  </a:txBody>
-                  <a:tcPr marL="68580" marR="68580" marT="0" marB="0" anchor="ctr"/>
-                </a:tc>
-                <a:tc>
-                  <a:txBody>
-                    <a:bodyPr/>
-                    <a:lstStyle/>
-                    <a:p>
-                      <a:pPr algn="just">
-                        <a:lnSpc>
-                          <a:spcPct val="107000"/>
-                        </a:lnSpc>
-                        <a:spcAft>
-                          <a:spcPts val="800"/>
-                        </a:spcAft>
-                      </a:pPr>
-                      <a:r>
-                        <a:rPr lang="es-ES" sz="1000">
-                          <a:effectLst/>
-                        </a:rPr>
-                        <a:t>0</a:t>
-                      </a:r>
-                      <a:endParaRPr lang="es-ES" sz="1100">
-                        <a:effectLst/>
-                        <a:latin typeface="Calibri" panose="020F0502020204030204" pitchFamily="34" charset="0"/>
-                        <a:ea typeface="Calibri" panose="020F0502020204030204" pitchFamily="34" charset="0"/>
-                        <a:cs typeface="Times New Roman" panose="02020603050405020304" pitchFamily="18" charset="0"/>
-                      </a:endParaRPr>
-                    </a:p>
-                  </a:txBody>
-                  <a:tcPr marL="68580" marR="68580" marT="0" marB="0" anchor="ctr"/>
-                </a:tc>
-                <a:extLst>
-                  <a:ext uri="{0D108BD9-81ED-4DB2-BD59-A6C34878D82A}">
-                    <a16:rowId xmlns:a16="http://schemas.microsoft.com/office/drawing/2014/main" val="2418538208"/>
-                  </a:ext>
-                </a:extLst>
-              </a:tr>
-              <a:tr h="200025">
-                <a:tc>
-                  <a:txBody>
-                    <a:bodyPr/>
-                    <a:lstStyle/>
-                    <a:p>
-                      <a:pPr algn="just">
-                        <a:lnSpc>
-                          <a:spcPct val="107000"/>
-                        </a:lnSpc>
-                        <a:spcAft>
-                          <a:spcPts val="800"/>
-                        </a:spcAft>
-                      </a:pPr>
-                      <a:r>
-                        <a:rPr lang="es-ES" sz="1000" b="0">
-                          <a:effectLst/>
-                        </a:rPr>
-                        <a:t>Diseño del Sistema</a:t>
-                      </a:r>
-                      <a:endParaRPr lang="es-ES" sz="1100" b="0">
-                        <a:effectLst/>
-                        <a:latin typeface="Calibri" panose="020F0502020204030204" pitchFamily="34" charset="0"/>
-                        <a:ea typeface="Calibri" panose="020F0502020204030204" pitchFamily="34" charset="0"/>
-                        <a:cs typeface="Times New Roman" panose="02020603050405020304" pitchFamily="18" charset="0"/>
-                      </a:endParaRPr>
-                    </a:p>
-                  </a:txBody>
-                  <a:tcPr marL="68580" marR="68580" marT="0" marB="0" anchor="ctr"/>
-                </a:tc>
-                <a:tc>
-                  <a:txBody>
-                    <a:bodyPr/>
-                    <a:lstStyle/>
-                    <a:p>
-                      <a:pPr algn="just">
-                        <a:lnSpc>
-                          <a:spcPct val="107000"/>
-                        </a:lnSpc>
-                        <a:spcAft>
-                          <a:spcPts val="800"/>
-                        </a:spcAft>
-                      </a:pPr>
-                      <a:r>
-                        <a:rPr lang="es-ES" sz="1000">
-                          <a:effectLst/>
-                        </a:rPr>
-                        <a:t>90</a:t>
-                      </a:r>
-                      <a:endParaRPr lang="es-ES" sz="1100">
-                        <a:effectLst/>
-                        <a:latin typeface="Calibri" panose="020F0502020204030204" pitchFamily="34" charset="0"/>
-                        <a:ea typeface="Calibri" panose="020F0502020204030204" pitchFamily="34" charset="0"/>
-                        <a:cs typeface="Times New Roman" panose="02020603050405020304" pitchFamily="18" charset="0"/>
-                      </a:endParaRPr>
-                    </a:p>
-                  </a:txBody>
-                  <a:tcPr marL="68580" marR="68580" marT="0" marB="0" anchor="ctr"/>
-                </a:tc>
-                <a:tc>
-                  <a:txBody>
-                    <a:bodyPr/>
-                    <a:lstStyle/>
-                    <a:p>
-                      <a:pPr algn="just">
-                        <a:lnSpc>
-                          <a:spcPct val="107000"/>
-                        </a:lnSpc>
-                        <a:spcAft>
-                          <a:spcPts val="800"/>
-                        </a:spcAft>
-                      </a:pPr>
-                      <a:r>
-                        <a:rPr lang="es-ES" sz="1000">
-                          <a:effectLst/>
-                        </a:rPr>
-                        <a:t>0</a:t>
-                      </a:r>
-                      <a:endParaRPr lang="es-ES" sz="1100">
-                        <a:effectLst/>
-                        <a:latin typeface="Calibri" panose="020F0502020204030204" pitchFamily="34" charset="0"/>
-                        <a:ea typeface="Calibri" panose="020F0502020204030204" pitchFamily="34" charset="0"/>
-                        <a:cs typeface="Times New Roman" panose="02020603050405020304" pitchFamily="18" charset="0"/>
-                      </a:endParaRPr>
-                    </a:p>
-                  </a:txBody>
-                  <a:tcPr marL="68580" marR="68580" marT="0" marB="0" anchor="ctr"/>
-                </a:tc>
-                <a:extLst>
-                  <a:ext uri="{0D108BD9-81ED-4DB2-BD59-A6C34878D82A}">
-                    <a16:rowId xmlns:a16="http://schemas.microsoft.com/office/drawing/2014/main" val="2786067624"/>
-                  </a:ext>
-                </a:extLst>
-              </a:tr>
-              <a:tr h="200025">
-                <a:tc>
-                  <a:txBody>
-                    <a:bodyPr/>
-                    <a:lstStyle/>
-                    <a:p>
-                      <a:pPr algn="just">
-                        <a:lnSpc>
-                          <a:spcPct val="107000"/>
-                        </a:lnSpc>
-                        <a:spcAft>
-                          <a:spcPts val="800"/>
-                        </a:spcAft>
-                      </a:pPr>
-                      <a:r>
-                        <a:rPr lang="es-ES" sz="1000" b="0" dirty="0">
-                          <a:effectLst/>
-                        </a:rPr>
-                        <a:t>Módulos Software</a:t>
-                      </a:r>
-                      <a:endParaRPr lang="es-ES" sz="1100" b="0" dirty="0">
-                        <a:effectLst/>
-                        <a:latin typeface="Calibri" panose="020F0502020204030204" pitchFamily="34" charset="0"/>
-                        <a:ea typeface="Calibri" panose="020F0502020204030204" pitchFamily="34" charset="0"/>
-                        <a:cs typeface="Times New Roman" panose="02020603050405020304" pitchFamily="18" charset="0"/>
-                      </a:endParaRPr>
-                    </a:p>
-                  </a:txBody>
-                  <a:tcPr marL="68580" marR="68580" marT="0" marB="0" anchor="ctr"/>
-                </a:tc>
-                <a:tc>
-                  <a:txBody>
-                    <a:bodyPr/>
-                    <a:lstStyle/>
-                    <a:p>
-                      <a:pPr algn="just">
-                        <a:lnSpc>
-                          <a:spcPct val="107000"/>
-                        </a:lnSpc>
-                        <a:spcAft>
-                          <a:spcPts val="800"/>
-                        </a:spcAft>
-                      </a:pPr>
-                      <a:r>
-                        <a:rPr lang="es-ES" sz="1000">
-                          <a:effectLst/>
-                        </a:rPr>
-                        <a:t>560,74</a:t>
-                      </a:r>
-                      <a:endParaRPr lang="es-ES" sz="1100">
-                        <a:effectLst/>
-                        <a:latin typeface="Calibri" panose="020F0502020204030204" pitchFamily="34" charset="0"/>
-                        <a:ea typeface="Calibri" panose="020F0502020204030204" pitchFamily="34" charset="0"/>
-                        <a:cs typeface="Times New Roman" panose="02020603050405020304" pitchFamily="18" charset="0"/>
-                      </a:endParaRPr>
-                    </a:p>
-                  </a:txBody>
-                  <a:tcPr marL="68580" marR="68580" marT="0" marB="0" anchor="ctr"/>
-                </a:tc>
-                <a:tc>
-                  <a:txBody>
-                    <a:bodyPr/>
-                    <a:lstStyle/>
-                    <a:p>
-                      <a:pPr algn="just">
-                        <a:lnSpc>
-                          <a:spcPct val="107000"/>
-                        </a:lnSpc>
-                        <a:spcAft>
-                          <a:spcPts val="800"/>
-                        </a:spcAft>
-                      </a:pPr>
-                      <a:r>
-                        <a:rPr lang="es-ES" sz="1000">
-                          <a:effectLst/>
-                        </a:rPr>
-                        <a:t>0</a:t>
-                      </a:r>
-                      <a:endParaRPr lang="es-ES" sz="1100">
-                        <a:effectLst/>
-                        <a:latin typeface="Calibri" panose="020F0502020204030204" pitchFamily="34" charset="0"/>
-                        <a:ea typeface="Calibri" panose="020F0502020204030204" pitchFamily="34" charset="0"/>
-                        <a:cs typeface="Times New Roman" panose="02020603050405020304" pitchFamily="18" charset="0"/>
-                      </a:endParaRPr>
-                    </a:p>
-                  </a:txBody>
-                  <a:tcPr marL="68580" marR="68580" marT="0" marB="0" anchor="ctr"/>
-                </a:tc>
-                <a:extLst>
-                  <a:ext uri="{0D108BD9-81ED-4DB2-BD59-A6C34878D82A}">
-                    <a16:rowId xmlns:a16="http://schemas.microsoft.com/office/drawing/2014/main" val="3940742813"/>
-                  </a:ext>
-                </a:extLst>
-              </a:tr>
-              <a:tr h="190500">
-                <a:tc>
-                  <a:txBody>
-                    <a:bodyPr/>
-                    <a:lstStyle/>
-                    <a:p>
-                      <a:pPr indent="127635" algn="just">
-                        <a:lnSpc>
-                          <a:spcPct val="107000"/>
-                        </a:lnSpc>
-                        <a:spcAft>
-                          <a:spcPts val="800"/>
-                        </a:spcAft>
-                      </a:pPr>
-                      <a:r>
-                        <a:rPr lang="es-ES" sz="1000" b="0">
-                          <a:effectLst/>
-                        </a:rPr>
-                        <a:t>Gestión de Cuentas</a:t>
-                      </a:r>
-                      <a:endParaRPr lang="es-ES" sz="1100" b="0">
-                        <a:effectLst/>
-                        <a:latin typeface="Calibri" panose="020F0502020204030204" pitchFamily="34" charset="0"/>
-                        <a:ea typeface="Calibri" panose="020F0502020204030204" pitchFamily="34" charset="0"/>
-                        <a:cs typeface="Times New Roman" panose="02020603050405020304" pitchFamily="18" charset="0"/>
-                      </a:endParaRPr>
-                    </a:p>
-                  </a:txBody>
-                  <a:tcPr marL="68580" marR="68580" marT="0" marB="0" anchor="ctr"/>
-                </a:tc>
-                <a:tc>
-                  <a:txBody>
-                    <a:bodyPr/>
-                    <a:lstStyle/>
-                    <a:p>
-                      <a:pPr algn="just">
-                        <a:lnSpc>
-                          <a:spcPct val="107000"/>
-                        </a:lnSpc>
-                        <a:spcAft>
-                          <a:spcPts val="800"/>
-                        </a:spcAft>
-                      </a:pPr>
-                      <a:r>
-                        <a:rPr lang="es-ES" sz="1000">
-                          <a:effectLst/>
-                        </a:rPr>
-                        <a:t>132,5</a:t>
-                      </a:r>
-                      <a:endParaRPr lang="es-ES" sz="1100">
-                        <a:effectLst/>
-                        <a:latin typeface="Calibri" panose="020F0502020204030204" pitchFamily="34" charset="0"/>
-                        <a:ea typeface="Calibri" panose="020F0502020204030204" pitchFamily="34" charset="0"/>
-                        <a:cs typeface="Times New Roman" panose="02020603050405020304" pitchFamily="18" charset="0"/>
-                      </a:endParaRPr>
-                    </a:p>
-                  </a:txBody>
-                  <a:tcPr marL="68580" marR="68580" marT="0" marB="0" anchor="ctr"/>
-                </a:tc>
-                <a:tc>
-                  <a:txBody>
-                    <a:bodyPr/>
-                    <a:lstStyle/>
-                    <a:p>
-                      <a:pPr algn="just">
-                        <a:lnSpc>
-                          <a:spcPct val="107000"/>
-                        </a:lnSpc>
-                        <a:spcAft>
-                          <a:spcPts val="800"/>
-                        </a:spcAft>
-                      </a:pPr>
-                      <a:r>
-                        <a:rPr lang="es-ES" sz="1000">
-                          <a:effectLst/>
-                        </a:rPr>
-                        <a:t> </a:t>
-                      </a:r>
-                      <a:endParaRPr lang="es-ES" sz="1100">
-                        <a:effectLst/>
-                        <a:latin typeface="Calibri" panose="020F0502020204030204" pitchFamily="34" charset="0"/>
-                        <a:ea typeface="Calibri" panose="020F0502020204030204" pitchFamily="34" charset="0"/>
-                        <a:cs typeface="Times New Roman" panose="02020603050405020304" pitchFamily="18" charset="0"/>
-                      </a:endParaRPr>
-                    </a:p>
-                  </a:txBody>
-                  <a:tcPr marL="68580" marR="68580" marT="0" marB="0" anchor="ctr"/>
-                </a:tc>
-                <a:extLst>
-                  <a:ext uri="{0D108BD9-81ED-4DB2-BD59-A6C34878D82A}">
-                    <a16:rowId xmlns:a16="http://schemas.microsoft.com/office/drawing/2014/main" val="1934119594"/>
-                  </a:ext>
-                </a:extLst>
-              </a:tr>
-              <a:tr h="190500">
-                <a:tc>
-                  <a:txBody>
-                    <a:bodyPr/>
-                    <a:lstStyle/>
-                    <a:p>
-                      <a:pPr indent="127635" algn="just">
-                        <a:lnSpc>
-                          <a:spcPct val="107000"/>
-                        </a:lnSpc>
-                        <a:spcAft>
-                          <a:spcPts val="800"/>
-                        </a:spcAft>
-                      </a:pPr>
-                      <a:r>
-                        <a:rPr lang="es-ES" sz="1000" b="0" dirty="0">
-                          <a:effectLst/>
-                        </a:rPr>
-                        <a:t>Expositor y Filtro de Inmuebles</a:t>
-                      </a:r>
-                      <a:endParaRPr lang="es-ES" sz="1100" b="0" dirty="0">
-                        <a:effectLst/>
-                        <a:latin typeface="Calibri" panose="020F0502020204030204" pitchFamily="34" charset="0"/>
-                        <a:ea typeface="Calibri" panose="020F0502020204030204" pitchFamily="34" charset="0"/>
-                        <a:cs typeface="Times New Roman" panose="02020603050405020304" pitchFamily="18" charset="0"/>
-                      </a:endParaRPr>
-                    </a:p>
-                  </a:txBody>
-                  <a:tcPr marL="68580" marR="68580" marT="0" marB="0" anchor="ctr"/>
-                </a:tc>
-                <a:tc>
-                  <a:txBody>
-                    <a:bodyPr/>
-                    <a:lstStyle/>
-                    <a:p>
-                      <a:pPr algn="just">
-                        <a:lnSpc>
-                          <a:spcPct val="107000"/>
-                        </a:lnSpc>
-                        <a:spcAft>
-                          <a:spcPts val="800"/>
-                        </a:spcAft>
-                      </a:pPr>
-                      <a:r>
-                        <a:rPr lang="es-ES" sz="1000">
-                          <a:effectLst/>
-                        </a:rPr>
-                        <a:t>132</a:t>
-                      </a:r>
-                      <a:endParaRPr lang="es-ES" sz="1100">
-                        <a:effectLst/>
-                        <a:latin typeface="Calibri" panose="020F0502020204030204" pitchFamily="34" charset="0"/>
-                        <a:ea typeface="Calibri" panose="020F0502020204030204" pitchFamily="34" charset="0"/>
-                        <a:cs typeface="Times New Roman" panose="02020603050405020304" pitchFamily="18" charset="0"/>
-                      </a:endParaRPr>
-                    </a:p>
-                  </a:txBody>
-                  <a:tcPr marL="68580" marR="68580" marT="0" marB="0" anchor="ctr"/>
-                </a:tc>
-                <a:tc>
-                  <a:txBody>
-                    <a:bodyPr/>
-                    <a:lstStyle/>
-                    <a:p>
-                      <a:pPr algn="just">
-                        <a:lnSpc>
-                          <a:spcPct val="107000"/>
-                        </a:lnSpc>
-                        <a:spcAft>
-                          <a:spcPts val="800"/>
-                        </a:spcAft>
-                      </a:pPr>
-                      <a:r>
-                        <a:rPr lang="es-ES" sz="1000">
-                          <a:effectLst/>
-                        </a:rPr>
-                        <a:t> </a:t>
-                      </a:r>
-                      <a:endParaRPr lang="es-ES" sz="1100">
-                        <a:effectLst/>
-                        <a:latin typeface="Calibri" panose="020F0502020204030204" pitchFamily="34" charset="0"/>
-                        <a:ea typeface="Calibri" panose="020F0502020204030204" pitchFamily="34" charset="0"/>
-                        <a:cs typeface="Times New Roman" panose="02020603050405020304" pitchFamily="18" charset="0"/>
-                      </a:endParaRPr>
-                    </a:p>
-                  </a:txBody>
-                  <a:tcPr marL="68580" marR="68580" marT="0" marB="0" anchor="ctr"/>
-                </a:tc>
-                <a:extLst>
-                  <a:ext uri="{0D108BD9-81ED-4DB2-BD59-A6C34878D82A}">
-                    <a16:rowId xmlns:a16="http://schemas.microsoft.com/office/drawing/2014/main" val="3312784230"/>
-                  </a:ext>
-                </a:extLst>
-              </a:tr>
-              <a:tr h="190500">
-                <a:tc>
-                  <a:txBody>
-                    <a:bodyPr/>
-                    <a:lstStyle/>
-                    <a:p>
-                      <a:pPr indent="127635" algn="just">
-                        <a:lnSpc>
-                          <a:spcPct val="107000"/>
-                        </a:lnSpc>
-                        <a:spcAft>
-                          <a:spcPts val="800"/>
-                        </a:spcAft>
-                      </a:pPr>
-                      <a:r>
-                        <a:rPr lang="es-ES" sz="1000" b="0">
-                          <a:effectLst/>
-                        </a:rPr>
-                        <a:t>Comunicación</a:t>
-                      </a:r>
-                      <a:endParaRPr lang="es-ES" sz="1100" b="0">
-                        <a:effectLst/>
-                        <a:latin typeface="Calibri" panose="020F0502020204030204" pitchFamily="34" charset="0"/>
-                        <a:ea typeface="Calibri" panose="020F0502020204030204" pitchFamily="34" charset="0"/>
-                        <a:cs typeface="Times New Roman" panose="02020603050405020304" pitchFamily="18" charset="0"/>
-                      </a:endParaRPr>
-                    </a:p>
-                  </a:txBody>
-                  <a:tcPr marL="68580" marR="68580" marT="0" marB="0" anchor="ctr"/>
-                </a:tc>
-                <a:tc>
-                  <a:txBody>
-                    <a:bodyPr/>
-                    <a:lstStyle/>
-                    <a:p>
-                      <a:pPr algn="just">
-                        <a:lnSpc>
-                          <a:spcPct val="107000"/>
-                        </a:lnSpc>
-                        <a:spcAft>
-                          <a:spcPts val="800"/>
-                        </a:spcAft>
-                      </a:pPr>
-                      <a:r>
-                        <a:rPr lang="es-ES" sz="1000">
-                          <a:effectLst/>
-                        </a:rPr>
-                        <a:t>132,2</a:t>
-                      </a:r>
-                      <a:endParaRPr lang="es-ES" sz="1100">
-                        <a:effectLst/>
-                        <a:latin typeface="Calibri" panose="020F0502020204030204" pitchFamily="34" charset="0"/>
-                        <a:ea typeface="Calibri" panose="020F0502020204030204" pitchFamily="34" charset="0"/>
-                        <a:cs typeface="Times New Roman" panose="02020603050405020304" pitchFamily="18" charset="0"/>
-                      </a:endParaRPr>
-                    </a:p>
-                  </a:txBody>
-                  <a:tcPr marL="68580" marR="68580" marT="0" marB="0" anchor="ctr"/>
-                </a:tc>
-                <a:tc>
-                  <a:txBody>
-                    <a:bodyPr/>
-                    <a:lstStyle/>
-                    <a:p>
-                      <a:pPr algn="just">
-                        <a:lnSpc>
-                          <a:spcPct val="107000"/>
-                        </a:lnSpc>
-                        <a:spcAft>
-                          <a:spcPts val="800"/>
-                        </a:spcAft>
-                      </a:pPr>
-                      <a:r>
-                        <a:rPr lang="es-ES" sz="1000">
-                          <a:effectLst/>
-                        </a:rPr>
-                        <a:t> </a:t>
-                      </a:r>
-                      <a:endParaRPr lang="es-ES" sz="1100">
-                        <a:effectLst/>
-                        <a:latin typeface="Calibri" panose="020F0502020204030204" pitchFamily="34" charset="0"/>
-                        <a:ea typeface="Calibri" panose="020F0502020204030204" pitchFamily="34" charset="0"/>
-                        <a:cs typeface="Times New Roman" panose="02020603050405020304" pitchFamily="18" charset="0"/>
-                      </a:endParaRPr>
-                    </a:p>
-                  </a:txBody>
-                  <a:tcPr marL="68580" marR="68580" marT="0" marB="0" anchor="ctr"/>
-                </a:tc>
-                <a:extLst>
-                  <a:ext uri="{0D108BD9-81ED-4DB2-BD59-A6C34878D82A}">
-                    <a16:rowId xmlns:a16="http://schemas.microsoft.com/office/drawing/2014/main" val="1668727232"/>
-                  </a:ext>
-                </a:extLst>
-              </a:tr>
-              <a:tr h="190500">
-                <a:tc>
-                  <a:txBody>
-                    <a:bodyPr/>
-                    <a:lstStyle/>
-                    <a:p>
-                      <a:pPr indent="127635" algn="just">
-                        <a:lnSpc>
-                          <a:spcPct val="107000"/>
-                        </a:lnSpc>
-                        <a:spcAft>
-                          <a:spcPts val="800"/>
-                        </a:spcAft>
-                      </a:pPr>
-                      <a:r>
-                        <a:rPr lang="es-ES" sz="1000" b="0" dirty="0">
-                          <a:effectLst/>
-                        </a:rPr>
-                        <a:t>Seguimientos</a:t>
-                      </a:r>
-                      <a:endParaRPr lang="es-ES" sz="1100" b="0" dirty="0">
-                        <a:effectLst/>
-                        <a:latin typeface="Calibri" panose="020F0502020204030204" pitchFamily="34" charset="0"/>
-                        <a:ea typeface="Calibri" panose="020F0502020204030204" pitchFamily="34" charset="0"/>
-                        <a:cs typeface="Times New Roman" panose="02020603050405020304" pitchFamily="18" charset="0"/>
-                      </a:endParaRPr>
-                    </a:p>
-                  </a:txBody>
-                  <a:tcPr marL="68580" marR="68580" marT="0" marB="0" anchor="ctr"/>
-                </a:tc>
-                <a:tc>
-                  <a:txBody>
-                    <a:bodyPr/>
-                    <a:lstStyle/>
-                    <a:p>
-                      <a:pPr algn="just">
-                        <a:lnSpc>
-                          <a:spcPct val="107000"/>
-                        </a:lnSpc>
-                        <a:spcAft>
-                          <a:spcPts val="800"/>
-                        </a:spcAft>
-                      </a:pPr>
-                      <a:r>
-                        <a:rPr lang="es-ES" sz="1000">
-                          <a:effectLst/>
-                        </a:rPr>
-                        <a:t>92,04</a:t>
-                      </a:r>
-                      <a:endParaRPr lang="es-ES" sz="1100">
-                        <a:effectLst/>
-                        <a:latin typeface="Calibri" panose="020F0502020204030204" pitchFamily="34" charset="0"/>
-                        <a:ea typeface="Calibri" panose="020F0502020204030204" pitchFamily="34" charset="0"/>
-                        <a:cs typeface="Times New Roman" panose="02020603050405020304" pitchFamily="18" charset="0"/>
-                      </a:endParaRPr>
-                    </a:p>
-                  </a:txBody>
-                  <a:tcPr marL="68580" marR="68580" marT="0" marB="0" anchor="ctr"/>
-                </a:tc>
-                <a:tc>
-                  <a:txBody>
-                    <a:bodyPr/>
-                    <a:lstStyle/>
-                    <a:p>
-                      <a:pPr algn="just">
-                        <a:lnSpc>
-                          <a:spcPct val="107000"/>
-                        </a:lnSpc>
-                        <a:spcAft>
-                          <a:spcPts val="800"/>
-                        </a:spcAft>
-                      </a:pPr>
-                      <a:r>
-                        <a:rPr lang="es-ES" sz="1000">
-                          <a:effectLst/>
-                        </a:rPr>
-                        <a:t> </a:t>
-                      </a:r>
-                      <a:endParaRPr lang="es-ES" sz="1100">
-                        <a:effectLst/>
-                        <a:latin typeface="Calibri" panose="020F0502020204030204" pitchFamily="34" charset="0"/>
-                        <a:ea typeface="Calibri" panose="020F0502020204030204" pitchFamily="34" charset="0"/>
-                        <a:cs typeface="Times New Roman" panose="02020603050405020304" pitchFamily="18" charset="0"/>
-                      </a:endParaRPr>
-                    </a:p>
-                  </a:txBody>
-                  <a:tcPr marL="68580" marR="68580" marT="0" marB="0" anchor="ctr"/>
-                </a:tc>
-                <a:extLst>
-                  <a:ext uri="{0D108BD9-81ED-4DB2-BD59-A6C34878D82A}">
-                    <a16:rowId xmlns:a16="http://schemas.microsoft.com/office/drawing/2014/main" val="1648591521"/>
-                  </a:ext>
-                </a:extLst>
-              </a:tr>
-              <a:tr h="190500">
-                <a:tc>
-                  <a:txBody>
-                    <a:bodyPr/>
-                    <a:lstStyle/>
-                    <a:p>
-                      <a:pPr indent="127635" algn="just">
-                        <a:lnSpc>
-                          <a:spcPct val="107000"/>
-                        </a:lnSpc>
-                        <a:spcAft>
-                          <a:spcPts val="800"/>
-                        </a:spcAft>
-                      </a:pPr>
-                      <a:r>
-                        <a:rPr lang="es-ES" sz="1000" b="0">
-                          <a:effectLst/>
-                        </a:rPr>
-                        <a:t>Geolocalización</a:t>
-                      </a:r>
-                      <a:endParaRPr lang="es-ES" sz="1100" b="0">
-                        <a:effectLst/>
-                        <a:latin typeface="Calibri" panose="020F0502020204030204" pitchFamily="34" charset="0"/>
-                        <a:ea typeface="Calibri" panose="020F0502020204030204" pitchFamily="34" charset="0"/>
-                        <a:cs typeface="Times New Roman" panose="02020603050405020304" pitchFamily="18" charset="0"/>
-                      </a:endParaRPr>
-                    </a:p>
-                  </a:txBody>
-                  <a:tcPr marL="68580" marR="68580" marT="0" marB="0" anchor="ctr"/>
-                </a:tc>
-                <a:tc>
-                  <a:txBody>
-                    <a:bodyPr/>
-                    <a:lstStyle/>
-                    <a:p>
-                      <a:pPr algn="just">
-                        <a:lnSpc>
-                          <a:spcPct val="107000"/>
-                        </a:lnSpc>
-                        <a:spcAft>
-                          <a:spcPts val="800"/>
-                        </a:spcAft>
-                      </a:pPr>
-                      <a:r>
-                        <a:rPr lang="es-ES" sz="1000">
-                          <a:effectLst/>
-                        </a:rPr>
-                        <a:t>72</a:t>
-                      </a:r>
-                      <a:endParaRPr lang="es-ES" sz="1100">
-                        <a:effectLst/>
-                        <a:latin typeface="Calibri" panose="020F0502020204030204" pitchFamily="34" charset="0"/>
-                        <a:ea typeface="Calibri" panose="020F0502020204030204" pitchFamily="34" charset="0"/>
-                        <a:cs typeface="Times New Roman" panose="02020603050405020304" pitchFamily="18" charset="0"/>
-                      </a:endParaRPr>
-                    </a:p>
-                  </a:txBody>
-                  <a:tcPr marL="68580" marR="68580" marT="0" marB="0" anchor="ctr"/>
-                </a:tc>
-                <a:tc>
-                  <a:txBody>
-                    <a:bodyPr/>
-                    <a:lstStyle/>
-                    <a:p>
-                      <a:pPr algn="just">
-                        <a:lnSpc>
-                          <a:spcPct val="107000"/>
-                        </a:lnSpc>
-                        <a:spcAft>
-                          <a:spcPts val="800"/>
-                        </a:spcAft>
-                      </a:pPr>
-                      <a:r>
-                        <a:rPr lang="es-ES" sz="1000">
-                          <a:effectLst/>
-                        </a:rPr>
-                        <a:t> </a:t>
-                      </a:r>
-                      <a:endParaRPr lang="es-ES" sz="1100">
-                        <a:effectLst/>
-                        <a:latin typeface="Calibri" panose="020F0502020204030204" pitchFamily="34" charset="0"/>
-                        <a:ea typeface="Calibri" panose="020F0502020204030204" pitchFamily="34" charset="0"/>
-                        <a:cs typeface="Times New Roman" panose="02020603050405020304" pitchFamily="18" charset="0"/>
-                      </a:endParaRPr>
-                    </a:p>
-                  </a:txBody>
-                  <a:tcPr marL="68580" marR="68580" marT="0" marB="0" anchor="ctr"/>
-                </a:tc>
-                <a:extLst>
-                  <a:ext uri="{0D108BD9-81ED-4DB2-BD59-A6C34878D82A}">
-                    <a16:rowId xmlns:a16="http://schemas.microsoft.com/office/drawing/2014/main" val="4047181586"/>
-                  </a:ext>
-                </a:extLst>
-              </a:tr>
-              <a:tr h="200025">
-                <a:tc>
-                  <a:txBody>
-                    <a:bodyPr/>
-                    <a:lstStyle/>
-                    <a:p>
-                      <a:pPr algn="just">
-                        <a:lnSpc>
-                          <a:spcPct val="107000"/>
-                        </a:lnSpc>
-                        <a:spcAft>
-                          <a:spcPts val="800"/>
-                        </a:spcAft>
-                      </a:pPr>
-                      <a:r>
-                        <a:rPr lang="es-ES" sz="1000" b="0">
-                          <a:effectLst/>
-                        </a:rPr>
-                        <a:t>Pruebas</a:t>
-                      </a:r>
-                      <a:endParaRPr lang="es-ES" sz="1100" b="0">
-                        <a:effectLst/>
-                        <a:latin typeface="Calibri" panose="020F0502020204030204" pitchFamily="34" charset="0"/>
-                        <a:ea typeface="Calibri" panose="020F0502020204030204" pitchFamily="34" charset="0"/>
-                        <a:cs typeface="Times New Roman" panose="02020603050405020304" pitchFamily="18" charset="0"/>
-                      </a:endParaRPr>
-                    </a:p>
-                  </a:txBody>
-                  <a:tcPr marL="68580" marR="68580" marT="0" marB="0" anchor="ctr"/>
-                </a:tc>
-                <a:tc>
-                  <a:txBody>
-                    <a:bodyPr/>
-                    <a:lstStyle/>
-                    <a:p>
-                      <a:pPr algn="just">
-                        <a:lnSpc>
-                          <a:spcPct val="107000"/>
-                        </a:lnSpc>
-                        <a:spcAft>
-                          <a:spcPts val="800"/>
-                        </a:spcAft>
-                      </a:pPr>
-                      <a:r>
-                        <a:rPr lang="es-ES" sz="1000" dirty="0">
-                          <a:effectLst/>
-                        </a:rPr>
-                        <a:t>190</a:t>
-                      </a:r>
-                      <a:endParaRPr lang="es-ES" sz="1100" dirty="0">
-                        <a:effectLst/>
-                        <a:latin typeface="Calibri" panose="020F0502020204030204" pitchFamily="34" charset="0"/>
-                        <a:ea typeface="Calibri" panose="020F0502020204030204" pitchFamily="34" charset="0"/>
-                        <a:cs typeface="Times New Roman" panose="02020603050405020304" pitchFamily="18" charset="0"/>
-                      </a:endParaRPr>
-                    </a:p>
-                  </a:txBody>
-                  <a:tcPr marL="68580" marR="68580" marT="0" marB="0" anchor="ctr"/>
-                </a:tc>
-                <a:tc>
-                  <a:txBody>
-                    <a:bodyPr/>
-                    <a:lstStyle/>
-                    <a:p>
-                      <a:pPr algn="just">
-                        <a:lnSpc>
-                          <a:spcPct val="107000"/>
-                        </a:lnSpc>
-                        <a:spcAft>
-                          <a:spcPts val="800"/>
-                        </a:spcAft>
-                      </a:pPr>
-                      <a:r>
-                        <a:rPr lang="es-ES" sz="1000">
-                          <a:effectLst/>
-                        </a:rPr>
-                        <a:t>0</a:t>
-                      </a:r>
-                      <a:endParaRPr lang="es-ES" sz="1100">
-                        <a:effectLst/>
-                        <a:latin typeface="Calibri" panose="020F0502020204030204" pitchFamily="34" charset="0"/>
-                        <a:ea typeface="Calibri" panose="020F0502020204030204" pitchFamily="34" charset="0"/>
-                        <a:cs typeface="Times New Roman" panose="02020603050405020304" pitchFamily="18" charset="0"/>
-                      </a:endParaRPr>
-                    </a:p>
-                  </a:txBody>
-                  <a:tcPr marL="68580" marR="68580" marT="0" marB="0" anchor="ctr"/>
-                </a:tc>
-                <a:extLst>
-                  <a:ext uri="{0D108BD9-81ED-4DB2-BD59-A6C34878D82A}">
-                    <a16:rowId xmlns:a16="http://schemas.microsoft.com/office/drawing/2014/main" val="2013545854"/>
-                  </a:ext>
-                </a:extLst>
-              </a:tr>
-              <a:tr h="200025">
-                <a:tc>
-                  <a:txBody>
-                    <a:bodyPr/>
-                    <a:lstStyle/>
-                    <a:p>
-                      <a:pPr algn="just">
-                        <a:lnSpc>
-                          <a:spcPct val="107000"/>
-                        </a:lnSpc>
-                        <a:spcAft>
-                          <a:spcPts val="800"/>
-                        </a:spcAft>
-                      </a:pPr>
-                      <a:r>
-                        <a:rPr lang="es-ES" sz="1000" b="0">
-                          <a:effectLst/>
-                        </a:rPr>
-                        <a:t>Formación de Usuarios</a:t>
-                      </a:r>
-                      <a:endParaRPr lang="es-ES" sz="1100" b="0">
-                        <a:effectLst/>
-                        <a:latin typeface="Calibri" panose="020F0502020204030204" pitchFamily="34" charset="0"/>
-                        <a:ea typeface="Calibri" panose="020F0502020204030204" pitchFamily="34" charset="0"/>
-                        <a:cs typeface="Times New Roman" panose="02020603050405020304" pitchFamily="18" charset="0"/>
-                      </a:endParaRPr>
-                    </a:p>
-                  </a:txBody>
-                  <a:tcPr marL="68580" marR="68580" marT="0" marB="0" anchor="ctr"/>
-                </a:tc>
-                <a:tc>
-                  <a:txBody>
-                    <a:bodyPr/>
-                    <a:lstStyle/>
-                    <a:p>
-                      <a:pPr algn="just">
-                        <a:lnSpc>
-                          <a:spcPct val="107000"/>
-                        </a:lnSpc>
-                        <a:spcAft>
-                          <a:spcPts val="800"/>
-                        </a:spcAft>
-                      </a:pPr>
-                      <a:r>
-                        <a:rPr lang="es-ES" sz="1000">
-                          <a:effectLst/>
-                        </a:rPr>
-                        <a:t>145</a:t>
-                      </a:r>
-                      <a:endParaRPr lang="es-ES" sz="1100">
-                        <a:effectLst/>
-                        <a:latin typeface="Calibri" panose="020F0502020204030204" pitchFamily="34" charset="0"/>
-                        <a:ea typeface="Calibri" panose="020F0502020204030204" pitchFamily="34" charset="0"/>
-                        <a:cs typeface="Times New Roman" panose="02020603050405020304" pitchFamily="18" charset="0"/>
-                      </a:endParaRPr>
-                    </a:p>
-                  </a:txBody>
-                  <a:tcPr marL="68580" marR="68580" marT="0" marB="0" anchor="ctr"/>
-                </a:tc>
-                <a:tc>
-                  <a:txBody>
-                    <a:bodyPr/>
-                    <a:lstStyle/>
-                    <a:p>
-                      <a:pPr algn="just">
-                        <a:lnSpc>
-                          <a:spcPct val="107000"/>
-                        </a:lnSpc>
-                        <a:spcAft>
-                          <a:spcPts val="800"/>
-                        </a:spcAft>
-                      </a:pPr>
-                      <a:r>
-                        <a:rPr lang="es-ES" sz="1000">
-                          <a:effectLst/>
-                        </a:rPr>
-                        <a:t>0</a:t>
-                      </a:r>
-                      <a:endParaRPr lang="es-ES" sz="1100">
-                        <a:effectLst/>
-                        <a:latin typeface="Calibri" panose="020F0502020204030204" pitchFamily="34" charset="0"/>
-                        <a:ea typeface="Calibri" panose="020F0502020204030204" pitchFamily="34" charset="0"/>
-                        <a:cs typeface="Times New Roman" panose="02020603050405020304" pitchFamily="18" charset="0"/>
-                      </a:endParaRPr>
-                    </a:p>
-                  </a:txBody>
-                  <a:tcPr marL="68580" marR="68580" marT="0" marB="0" anchor="ctr"/>
-                </a:tc>
-                <a:extLst>
-                  <a:ext uri="{0D108BD9-81ED-4DB2-BD59-A6C34878D82A}">
-                    <a16:rowId xmlns:a16="http://schemas.microsoft.com/office/drawing/2014/main" val="3408083352"/>
-                  </a:ext>
-                </a:extLst>
-              </a:tr>
-              <a:tr h="200025">
-                <a:tc>
-                  <a:txBody>
-                    <a:bodyPr/>
-                    <a:lstStyle/>
-                    <a:p>
-                      <a:pPr algn="just">
-                        <a:lnSpc>
-                          <a:spcPct val="107000"/>
-                        </a:lnSpc>
-                        <a:spcAft>
-                          <a:spcPts val="800"/>
-                        </a:spcAft>
-                      </a:pPr>
-                      <a:r>
-                        <a:rPr lang="es-ES" sz="1000" b="0">
-                          <a:effectLst/>
-                        </a:rPr>
-                        <a:t> </a:t>
-                      </a:r>
-                      <a:endParaRPr lang="es-ES" sz="1100" b="0">
-                        <a:effectLst/>
-                        <a:latin typeface="Calibri" panose="020F0502020204030204" pitchFamily="34" charset="0"/>
-                        <a:ea typeface="Calibri" panose="020F0502020204030204" pitchFamily="34" charset="0"/>
-                        <a:cs typeface="Times New Roman" panose="02020603050405020304" pitchFamily="18" charset="0"/>
-                      </a:endParaRPr>
-                    </a:p>
-                  </a:txBody>
-                  <a:tcPr marL="68580" marR="68580" marT="0" marB="0" anchor="ctr"/>
-                </a:tc>
-                <a:tc>
-                  <a:txBody>
-                    <a:bodyPr/>
-                    <a:lstStyle/>
-                    <a:p>
-                      <a:pPr algn="just">
-                        <a:lnSpc>
-                          <a:spcPct val="107000"/>
-                        </a:lnSpc>
-                        <a:spcAft>
-                          <a:spcPts val="800"/>
-                        </a:spcAft>
-                      </a:pPr>
-                      <a:r>
-                        <a:rPr lang="es-ES" sz="1000">
-                          <a:effectLst/>
-                        </a:rPr>
-                        <a:t> </a:t>
-                      </a:r>
-                      <a:endParaRPr lang="es-ES" sz="1100">
-                        <a:effectLst/>
-                        <a:latin typeface="Calibri" panose="020F0502020204030204" pitchFamily="34" charset="0"/>
-                        <a:ea typeface="Calibri" panose="020F0502020204030204" pitchFamily="34" charset="0"/>
-                        <a:cs typeface="Times New Roman" panose="02020603050405020304" pitchFamily="18" charset="0"/>
-                      </a:endParaRPr>
-                    </a:p>
-                  </a:txBody>
-                  <a:tcPr marL="68580" marR="68580" marT="0" marB="0" anchor="ctr"/>
-                </a:tc>
-                <a:tc>
-                  <a:txBody>
-                    <a:bodyPr/>
-                    <a:lstStyle/>
-                    <a:p>
-                      <a:pPr algn="just">
-                        <a:lnSpc>
-                          <a:spcPct val="107000"/>
-                        </a:lnSpc>
-                        <a:spcAft>
-                          <a:spcPts val="800"/>
-                        </a:spcAft>
-                      </a:pPr>
-                      <a:r>
-                        <a:rPr lang="es-ES" sz="1000" dirty="0">
-                          <a:effectLst/>
-                        </a:rPr>
-                        <a:t> </a:t>
-                      </a:r>
-                      <a:endParaRPr lang="es-ES" sz="1100" dirty="0">
-                        <a:effectLst/>
-                        <a:latin typeface="Calibri" panose="020F0502020204030204" pitchFamily="34" charset="0"/>
-                        <a:ea typeface="Calibri" panose="020F0502020204030204" pitchFamily="34" charset="0"/>
-                        <a:cs typeface="Times New Roman" panose="02020603050405020304" pitchFamily="18" charset="0"/>
-                      </a:endParaRPr>
-                    </a:p>
-                  </a:txBody>
-                  <a:tcPr marL="68580" marR="68580" marT="0" marB="0" anchor="ctr"/>
-                </a:tc>
-                <a:extLst>
-                  <a:ext uri="{0D108BD9-81ED-4DB2-BD59-A6C34878D82A}">
-                    <a16:rowId xmlns:a16="http://schemas.microsoft.com/office/drawing/2014/main" val="3125773994"/>
-                  </a:ext>
-                </a:extLst>
-              </a:tr>
-              <a:tr h="200025">
-                <a:tc>
-                  <a:txBody>
-                    <a:bodyPr/>
-                    <a:lstStyle/>
-                    <a:p>
-                      <a:pPr algn="just">
-                        <a:lnSpc>
-                          <a:spcPct val="107000"/>
-                        </a:lnSpc>
-                        <a:spcAft>
-                          <a:spcPts val="800"/>
-                        </a:spcAft>
-                      </a:pPr>
-                      <a:r>
-                        <a:rPr lang="es-ES" sz="1000" b="0">
-                          <a:effectLst/>
-                        </a:rPr>
-                        <a:t>TOTAL/CATEGORÍA</a:t>
-                      </a:r>
-                      <a:endParaRPr lang="es-ES" sz="1100" b="0">
-                        <a:effectLst/>
-                        <a:latin typeface="Calibri" panose="020F0502020204030204" pitchFamily="34" charset="0"/>
-                        <a:ea typeface="Calibri" panose="020F0502020204030204" pitchFamily="34" charset="0"/>
-                        <a:cs typeface="Times New Roman" panose="02020603050405020304" pitchFamily="18" charset="0"/>
-                      </a:endParaRPr>
-                    </a:p>
-                  </a:txBody>
-                  <a:tcPr marL="68580" marR="68580" marT="0" marB="0" anchor="ctr"/>
-                </a:tc>
-                <a:tc>
-                  <a:txBody>
-                    <a:bodyPr/>
-                    <a:lstStyle/>
-                    <a:p>
-                      <a:pPr algn="just">
-                        <a:lnSpc>
-                          <a:spcPct val="107000"/>
-                        </a:lnSpc>
-                        <a:spcAft>
-                          <a:spcPts val="800"/>
-                        </a:spcAft>
-                      </a:pPr>
-                      <a:r>
-                        <a:rPr lang="es-ES" sz="1000">
-                          <a:effectLst/>
-                        </a:rPr>
-                        <a:t>1270,74</a:t>
-                      </a:r>
-                      <a:endParaRPr lang="es-ES" sz="1100">
-                        <a:effectLst/>
-                        <a:latin typeface="Calibri" panose="020F0502020204030204" pitchFamily="34" charset="0"/>
-                        <a:ea typeface="Calibri" panose="020F0502020204030204" pitchFamily="34" charset="0"/>
-                        <a:cs typeface="Times New Roman" panose="02020603050405020304" pitchFamily="18" charset="0"/>
-                      </a:endParaRPr>
-                    </a:p>
-                  </a:txBody>
-                  <a:tcPr marL="68580" marR="68580" marT="0" marB="0" anchor="ctr"/>
-                </a:tc>
-                <a:tc>
-                  <a:txBody>
-                    <a:bodyPr/>
-                    <a:lstStyle/>
-                    <a:p>
-                      <a:pPr algn="just">
-                        <a:lnSpc>
-                          <a:spcPct val="107000"/>
-                        </a:lnSpc>
-                        <a:spcAft>
-                          <a:spcPts val="800"/>
-                        </a:spcAft>
-                      </a:pPr>
-                      <a:r>
-                        <a:rPr lang="es-ES" sz="1000" dirty="0">
-                          <a:effectLst/>
-                        </a:rPr>
-                        <a:t>1186,25</a:t>
-                      </a:r>
-                      <a:endParaRPr lang="es-ES" sz="1100" dirty="0">
-                        <a:effectLst/>
-                        <a:latin typeface="Calibri" panose="020F0502020204030204" pitchFamily="34" charset="0"/>
-                        <a:ea typeface="Calibri" panose="020F0502020204030204" pitchFamily="34" charset="0"/>
-                        <a:cs typeface="Times New Roman" panose="02020603050405020304" pitchFamily="18" charset="0"/>
-                      </a:endParaRPr>
-                    </a:p>
-                  </a:txBody>
-                  <a:tcPr marL="68580" marR="68580" marT="0" marB="0" anchor="ctr"/>
-                </a:tc>
-                <a:extLst>
-                  <a:ext uri="{0D108BD9-81ED-4DB2-BD59-A6C34878D82A}">
-                    <a16:rowId xmlns:a16="http://schemas.microsoft.com/office/drawing/2014/main" val="3673564548"/>
-                  </a:ext>
-                </a:extLst>
-              </a:tr>
-              <a:tr h="200025">
-                <a:tc>
-                  <a:txBody>
-                    <a:bodyPr/>
-                    <a:lstStyle/>
-                    <a:p>
-                      <a:pPr algn="just">
-                        <a:lnSpc>
-                          <a:spcPct val="107000"/>
-                        </a:lnSpc>
-                        <a:spcAft>
-                          <a:spcPts val="800"/>
-                        </a:spcAft>
-                      </a:pPr>
-                      <a:r>
-                        <a:rPr lang="es-ES" sz="1000" b="0" dirty="0">
-                          <a:effectLst/>
-                        </a:rPr>
-                        <a:t>TOTAL</a:t>
-                      </a:r>
-                      <a:endParaRPr lang="es-ES" sz="1100" b="0" dirty="0">
-                        <a:effectLst/>
-                        <a:latin typeface="Calibri" panose="020F0502020204030204" pitchFamily="34" charset="0"/>
-                        <a:ea typeface="Calibri" panose="020F0502020204030204" pitchFamily="34" charset="0"/>
-                        <a:cs typeface="Times New Roman" panose="02020603050405020304" pitchFamily="18" charset="0"/>
-                      </a:endParaRPr>
-                    </a:p>
-                  </a:txBody>
-                  <a:tcPr marL="68580" marR="68580" marT="0" marB="0" anchor="ctr"/>
-                </a:tc>
-                <a:tc gridSpan="2">
-                  <a:txBody>
-                    <a:bodyPr/>
-                    <a:lstStyle/>
-                    <a:p>
-                      <a:pPr algn="just">
-                        <a:lnSpc>
-                          <a:spcPct val="107000"/>
-                        </a:lnSpc>
-                        <a:spcAft>
-                          <a:spcPts val="800"/>
-                        </a:spcAft>
-                      </a:pPr>
-                      <a:r>
-                        <a:rPr lang="es-ES" sz="1000" dirty="0">
-                          <a:effectLst/>
-                        </a:rPr>
-                        <a:t>2456,99</a:t>
-                      </a:r>
-                      <a:endParaRPr lang="es-ES" sz="1100" dirty="0">
-                        <a:effectLst/>
-                        <a:latin typeface="Calibri" panose="020F0502020204030204" pitchFamily="34" charset="0"/>
-                        <a:ea typeface="Calibri" panose="020F0502020204030204" pitchFamily="34" charset="0"/>
-                        <a:cs typeface="Times New Roman" panose="02020603050405020304" pitchFamily="18" charset="0"/>
-                      </a:endParaRPr>
-                    </a:p>
-                  </a:txBody>
-                  <a:tcPr marL="68580" marR="68580" marT="0" marB="0" anchor="ctr"/>
-                </a:tc>
-                <a:tc hMerge="1">
-                  <a:txBody>
-                    <a:bodyPr/>
-                    <a:lstStyle/>
-                    <a:p>
-                      <a:endParaRPr lang="es-ES"/>
-                    </a:p>
-                  </a:txBody>
-                  <a:tcPr/>
-                </a:tc>
-                <a:extLst>
-                  <a:ext uri="{0D108BD9-81ED-4DB2-BD59-A6C34878D82A}">
-                    <a16:rowId xmlns:a16="http://schemas.microsoft.com/office/drawing/2014/main" val="2662370685"/>
-                  </a:ext>
-                </a:extLst>
-              </a:tr>
-            </a:tbl>
-          </a:graphicData>
-        </a:graphic>
-      </p:graphicFrame>
-    </p:spTree>
-    <p:extLst>
-      <p:ext uri="{BB962C8B-B14F-4D97-AF65-F5344CB8AC3E}">
-        <p14:creationId xmlns:p14="http://schemas.microsoft.com/office/powerpoint/2010/main" val="4902859"/>
-      </p:ext>
-    </p:extLst>
-  </p:cSld>
-  <p:clrMapOvr>
-    <a:masterClrMapping/>
-  </p:clrMapOvr>
-</p:sld>
-</file>
-
-<file path=ppt/slides/slide24.xml><?xml version="1.0" encoding="utf-8"?>
-<p:sld xmlns:a="http://schemas.openxmlformats.org/drawingml/2006/main" xmlns:r="http://schemas.openxmlformats.org/officeDocument/2006/relationships" xmlns:p="http://schemas.openxmlformats.org/presentationml/2006/main">
-  <p:cSld>
-    <p:bg>
-      <p:bgPr>
-        <a:solidFill>
-          <a:schemeClr val="bg2"/>
-        </a:solidFill>
-        <a:effectLst/>
-      </p:bgPr>
-    </p:bg>
-    <p:spTree>
-      <p:nvGrpSpPr>
-        <p:cNvPr id="1" name=""/>
-        <p:cNvGrpSpPr/>
-        <p:nvPr/>
-      </p:nvGrpSpPr>
-      <p:grpSpPr>
-        <a:xfrm>
-          <a:off x="0" y="0"/>
-          <a:ext cx="0" cy="0"/>
-          <a:chOff x="0" y="0"/>
-          <a:chExt cx="0" cy="0"/>
-        </a:xfrm>
-      </p:grpSpPr>
-      <p:sp>
-        <p:nvSpPr>
-          <p:cNvPr id="9" name="Rectangle 8">
-            <a:extLst>
-              <a:ext uri="{FF2B5EF4-FFF2-40B4-BE49-F238E27FC236}">
-                <a16:creationId xmlns:a16="http://schemas.microsoft.com/office/drawing/2014/main" id="{0F90CED2-72DA-49F5-8068-294F7EEF1388}"/>
-              </a:ext>
-              <a:ext uri="{C183D7F6-B498-43B3-948B-1728B52AA6E4}">
-                <adec:decorative xmlns:adec="http://schemas.microsoft.com/office/drawing/2017/decorative" val="1"/>
-              </a:ext>
-            </a:extLst>
-          </p:cNvPr>
-          <p:cNvSpPr>
-            <a:spLocks noGrp="1" noRot="1" noChangeAspect="1" noMove="1" noResize="1" noEditPoints="1" noAdjustHandles="1" noChangeArrowheads="1" noChangeShapeType="1" noTextEdit="1"/>
-          </p:cNvSpPr>
-          <p:nvPr>
-            <p:extLst>
-              <p:ext uri="{386F3935-93C4-4BCD-93E2-E3B085C9AB24}">
-                <p16:designElem xmlns:p16="http://schemas.microsoft.com/office/powerpoint/2015/main" val="1"/>
-              </p:ext>
-            </p:extLst>
-          </p:nvPr>
-        </p:nvSpPr>
-        <p:spPr>
-          <a:xfrm>
-            <a:off x="478095" y="376"/>
-            <a:ext cx="228600" cy="6858000"/>
-          </a:xfrm>
-          <a:prstGeom prst="rect">
-            <a:avLst/>
-          </a:prstGeom>
-          <a:solidFill>
-            <a:schemeClr val="tx2"/>
-          </a:solidFill>
-          <a:ln>
-            <a:noFill/>
-          </a:ln>
-        </p:spPr>
-        <p:style>
-          <a:lnRef idx="2">
-            <a:schemeClr val="accent1">
-              <a:shade val="50000"/>
-            </a:schemeClr>
-          </a:lnRef>
-          <a:fillRef idx="1">
-            <a:schemeClr val="accent1"/>
-          </a:fillRef>
-          <a:effectRef idx="0">
-            <a:schemeClr val="accent1"/>
-          </a:effectRef>
-          <a:fontRef idx="minor">
-            <a:schemeClr val="lt1"/>
-          </a:fontRef>
-        </p:style>
-      </p:sp>
-      <p:sp>
-        <p:nvSpPr>
-          <p:cNvPr id="3" name="Título 2">
-            <a:extLst>
-              <a:ext uri="{FF2B5EF4-FFF2-40B4-BE49-F238E27FC236}">
-                <a16:creationId xmlns:a16="http://schemas.microsoft.com/office/drawing/2014/main" id="{24AE0C5B-787E-48FA-BBCB-F2ADA02C5E40}"/>
-              </a:ext>
-            </a:extLst>
-          </p:cNvPr>
-          <p:cNvSpPr>
-            <a:spLocks noGrp="1"/>
-          </p:cNvSpPr>
-          <p:nvPr>
-            <p:ph type="title"/>
-          </p:nvPr>
-        </p:nvSpPr>
-        <p:spPr>
-          <a:xfrm>
-            <a:off x="1371600" y="685800"/>
-            <a:ext cx="9601200" cy="1485900"/>
-          </a:xfrm>
-        </p:spPr>
-        <p:txBody>
-          <a:bodyPr vert="horz" lIns="91440" tIns="45720" rIns="91440" bIns="45720" rtlCol="0" anchor="t">
-            <a:normAutofit/>
-          </a:bodyPr>
-          <a:lstStyle/>
-          <a:p>
-            <a:r>
-              <a:rPr lang="en-US" dirty="0" err="1"/>
-              <a:t>Ampliaciones</a:t>
-            </a:r>
-            <a:r>
-              <a:rPr lang="en-US" dirty="0"/>
-              <a:t> </a:t>
-            </a:r>
-          </a:p>
-        </p:txBody>
-      </p:sp>
-      <p:pic>
-        <p:nvPicPr>
-          <p:cNvPr id="21" name="Picture 6" descr="MongoDB Logo - LogoDix">
-            <a:extLst>
-              <a:ext uri="{FF2B5EF4-FFF2-40B4-BE49-F238E27FC236}">
-                <a16:creationId xmlns:a16="http://schemas.microsoft.com/office/drawing/2014/main" id="{8E44890A-4DF5-4CFB-905C-9E1E94F8F04B}"/>
-              </a:ext>
-            </a:extLst>
-          </p:cNvPr>
-          <p:cNvPicPr>
-            <a:picLocks noChangeAspect="1" noChangeArrowheads="1"/>
-          </p:cNvPicPr>
-          <p:nvPr/>
-        </p:nvPicPr>
-        <p:blipFill>
-          <a:blip r:embed="rId2">
-            <a:extLst>
-              <a:ext uri="{28A0092B-C50C-407E-A947-70E740481C1C}">
-                <a14:useLocalDpi xmlns:a14="http://schemas.microsoft.com/office/drawing/2010/main" val="0"/>
-              </a:ext>
-            </a:extLst>
-          </a:blip>
-          <a:srcRect/>
-          <a:stretch>
-            <a:fillRect/>
-          </a:stretch>
-        </p:blipFill>
-        <p:spPr bwMode="auto">
-          <a:xfrm>
-            <a:off x="13937607" y="455102"/>
-            <a:ext cx="608036" cy="152009"/>
-          </a:xfrm>
-          <a:prstGeom prst="rect">
-            <a:avLst/>
-          </a:prstGeom>
-          <a:noFill/>
-          <a:extLst>
-            <a:ext uri="{909E8E84-426E-40DD-AFC4-6F175D3DCCD1}">
-              <a14:hiddenFill xmlns:a14="http://schemas.microsoft.com/office/drawing/2010/main">
-                <a:solidFill>
-                  <a:srgbClr val="FFFFFF"/>
-                </a:solidFill>
-              </a14:hiddenFill>
-            </a:ext>
-          </a:extLst>
-        </p:spPr>
-      </p:pic>
-      <p:sp>
-        <p:nvSpPr>
-          <p:cNvPr id="4" name="Marcador de contenido 3">
-            <a:extLst>
-              <a:ext uri="{FF2B5EF4-FFF2-40B4-BE49-F238E27FC236}">
-                <a16:creationId xmlns:a16="http://schemas.microsoft.com/office/drawing/2014/main" id="{8E5CC431-C9D6-4C04-9E34-1FEC6A45CD04}"/>
-              </a:ext>
-            </a:extLst>
-          </p:cNvPr>
-          <p:cNvSpPr>
-            <a:spLocks noGrp="1"/>
-          </p:cNvSpPr>
-          <p:nvPr>
-            <p:ph idx="1"/>
-          </p:nvPr>
-        </p:nvSpPr>
-        <p:spPr/>
-        <p:txBody>
-          <a:bodyPr/>
-          <a:lstStyle/>
-          <a:p>
-            <a:pPr lvl="0"/>
-            <a:r>
-              <a:rPr lang="es-ES" baseline="0" dirty="0"/>
-              <a:t>Aplicación Móvil</a:t>
-            </a:r>
-            <a:endParaRPr lang="es-ES" dirty="0"/>
-          </a:p>
-          <a:p>
-            <a:pPr lvl="0"/>
-            <a:r>
-              <a:rPr lang="es-ES" baseline="0" dirty="0"/>
-              <a:t>Mejora de los Enrutadores</a:t>
-            </a:r>
-            <a:endParaRPr lang="es-ES" dirty="0"/>
+            <a:pPr algn="ctr"/>
+            <a:r>
+              <a:rPr lang="es-ES" dirty="0"/>
+              <a:t>presupuesto</a:t>
+            </a:r>
           </a:p>
         </p:txBody>
       </p:sp>
     </p:spTree>
     <p:extLst>
       <p:ext uri="{BB962C8B-B14F-4D97-AF65-F5344CB8AC3E}">
-        <p14:creationId xmlns:p14="http://schemas.microsoft.com/office/powerpoint/2010/main" val="3381364109"/>
+        <p14:creationId xmlns:p14="http://schemas.microsoft.com/office/powerpoint/2010/main" val="11831554"/>
       </p:ext>
     </p:extLst>
   </p:cSld>
@@ -25455,7 +24232,15 @@
           <a:p>
             <a:r>
               <a:rPr lang="en-US" dirty="0" err="1"/>
-              <a:t>conclusiones</a:t>
+              <a:t>Presupuesto</a:t>
+            </a:r>
+            <a:r>
+              <a:rPr lang="en-US" dirty="0"/>
+              <a:t> de </a:t>
+            </a:r>
+            <a:r>
+              <a:rPr lang="en-US" dirty="0" err="1"/>
+              <a:t>cliente</a:t>
             </a:r>
             <a:endParaRPr lang="en-US" dirty="0"/>
           </a:p>
@@ -25508,6 +24293,2588 @@
           </a:extLst>
         </p:spPr>
       </p:pic>
+      <p:graphicFrame>
+        <p:nvGraphicFramePr>
+          <p:cNvPr id="5" name="Marcador de contenido 4">
+            <a:extLst>
+              <a:ext uri="{FF2B5EF4-FFF2-40B4-BE49-F238E27FC236}">
+                <a16:creationId xmlns:a16="http://schemas.microsoft.com/office/drawing/2014/main" id="{D4F3AAC9-3FB1-46CA-9FB8-7CF5D09CF122}"/>
+              </a:ext>
+            </a:extLst>
+          </p:cNvPr>
+          <p:cNvGraphicFramePr>
+            <a:graphicFrameLocks noGrp="1"/>
+          </p:cNvGraphicFramePr>
+          <p:nvPr>
+            <p:ph idx="1"/>
+            <p:extLst>
+              <p:ext uri="{D42A27DB-BD31-4B8C-83A1-F6EECF244321}">
+                <p14:modId xmlns:p14="http://schemas.microsoft.com/office/powerpoint/2010/main" val="3810312806"/>
+              </p:ext>
+            </p:extLst>
+          </p:nvPr>
+        </p:nvGraphicFramePr>
+        <p:xfrm>
+          <a:off x="1219200" y="1563791"/>
+          <a:ext cx="9601200" cy="4237333"/>
+        </p:xfrm>
+        <a:graphic>
+          <a:graphicData uri="http://schemas.openxmlformats.org/drawingml/2006/table">
+            <a:tbl>
+              <a:tblPr firstRow="1" firstCol="1" bandRow="1">
+                <a:tableStyleId>{00A15C55-8517-42AA-B614-E9B94910E393}</a:tableStyleId>
+              </a:tblPr>
+              <a:tblGrid>
+                <a:gridCol w="4904293">
+                  <a:extLst>
+                    <a:ext uri="{9D8B030D-6E8A-4147-A177-3AD203B41FA5}">
+                      <a16:colId xmlns:a16="http://schemas.microsoft.com/office/drawing/2014/main" val="1769153549"/>
+                    </a:ext>
+                  </a:extLst>
+                </a:gridCol>
+                <a:gridCol w="2356134">
+                  <a:extLst>
+                    <a:ext uri="{9D8B030D-6E8A-4147-A177-3AD203B41FA5}">
+                      <a16:colId xmlns:a16="http://schemas.microsoft.com/office/drawing/2014/main" val="2431898781"/>
+                    </a:ext>
+                  </a:extLst>
+                </a:gridCol>
+                <a:gridCol w="2340773">
+                  <a:extLst>
+                    <a:ext uri="{9D8B030D-6E8A-4147-A177-3AD203B41FA5}">
+                      <a16:colId xmlns:a16="http://schemas.microsoft.com/office/drawing/2014/main" val="1439216495"/>
+                    </a:ext>
+                  </a:extLst>
+                </a:gridCol>
+              </a:tblGrid>
+              <a:tr h="263117">
+                <a:tc>
+                  <a:txBody>
+                    <a:bodyPr/>
+                    <a:lstStyle/>
+                    <a:p>
+                      <a:pPr algn="just">
+                        <a:lnSpc>
+                          <a:spcPct val="107000"/>
+                        </a:lnSpc>
+                        <a:spcAft>
+                          <a:spcPts val="800"/>
+                        </a:spcAft>
+                      </a:pPr>
+                      <a:r>
+                        <a:rPr lang="es-ES" sz="1600" b="1" dirty="0">
+                          <a:effectLst/>
+                        </a:rPr>
+                        <a:t>DESCRIPCIÓN</a:t>
+                      </a:r>
+                      <a:endParaRPr lang="es-ES" sz="1600" b="1" dirty="0">
+                        <a:effectLst/>
+                        <a:latin typeface="Calibri" panose="020F0502020204030204" pitchFamily="34" charset="0"/>
+                        <a:ea typeface="Calibri" panose="020F0502020204030204" pitchFamily="34" charset="0"/>
+                        <a:cs typeface="Times New Roman" panose="02020603050405020304" pitchFamily="18" charset="0"/>
+                      </a:endParaRPr>
+                    </a:p>
+                  </a:txBody>
+                  <a:tcPr marL="68580" marR="68580" marT="0" marB="0" anchor="ctr"/>
+                </a:tc>
+                <a:tc>
+                  <a:txBody>
+                    <a:bodyPr/>
+                    <a:lstStyle/>
+                    <a:p>
+                      <a:pPr algn="just">
+                        <a:lnSpc>
+                          <a:spcPct val="107000"/>
+                        </a:lnSpc>
+                        <a:spcAft>
+                          <a:spcPts val="800"/>
+                        </a:spcAft>
+                      </a:pPr>
+                      <a:r>
+                        <a:rPr lang="es-ES" sz="1600" b="1" dirty="0">
+                          <a:effectLst/>
+                        </a:rPr>
+                        <a:t>COSTE PERSONAL (</a:t>
+                      </a:r>
+                      <a:r>
+                        <a:rPr lang="es-ES" sz="1600" b="1" i="0" kern="1200" dirty="0">
+                          <a:solidFill>
+                            <a:schemeClr val="lt1"/>
+                          </a:solidFill>
+                          <a:effectLst/>
+                          <a:latin typeface="+mn-lt"/>
+                          <a:ea typeface="+mn-ea"/>
+                          <a:cs typeface="+mn-cs"/>
+                        </a:rPr>
+                        <a:t>€</a:t>
+                      </a:r>
+                      <a:r>
+                        <a:rPr lang="es-ES" sz="1600" b="1" dirty="0">
+                          <a:effectLst/>
+                        </a:rPr>
+                        <a:t>)</a:t>
+                      </a:r>
+                      <a:endParaRPr lang="es-ES" sz="1600" b="1" dirty="0">
+                        <a:effectLst/>
+                        <a:latin typeface="Calibri" panose="020F0502020204030204" pitchFamily="34" charset="0"/>
+                        <a:ea typeface="Calibri" panose="020F0502020204030204" pitchFamily="34" charset="0"/>
+                        <a:cs typeface="Times New Roman" panose="02020603050405020304" pitchFamily="18" charset="0"/>
+                      </a:endParaRPr>
+                    </a:p>
+                  </a:txBody>
+                  <a:tcPr marL="68580" marR="68580" marT="0" marB="0" anchor="ctr"/>
+                </a:tc>
+                <a:tc>
+                  <a:txBody>
+                    <a:bodyPr/>
+                    <a:lstStyle/>
+                    <a:p>
+                      <a:pPr algn="just">
+                        <a:lnSpc>
+                          <a:spcPct val="107000"/>
+                        </a:lnSpc>
+                        <a:spcAft>
+                          <a:spcPts val="800"/>
+                        </a:spcAft>
+                      </a:pPr>
+                      <a:r>
+                        <a:rPr lang="es-ES" sz="1600" b="1" dirty="0">
+                          <a:effectLst/>
+                        </a:rPr>
+                        <a:t>COSTE MATERIAL (</a:t>
+                      </a:r>
+                      <a:r>
+                        <a:rPr lang="es-ES" sz="1600" b="1" i="0" kern="1200" dirty="0">
+                          <a:solidFill>
+                            <a:schemeClr val="lt1"/>
+                          </a:solidFill>
+                          <a:effectLst/>
+                          <a:latin typeface="+mn-lt"/>
+                          <a:ea typeface="+mn-ea"/>
+                          <a:cs typeface="+mn-cs"/>
+                        </a:rPr>
+                        <a:t>€)</a:t>
+                      </a:r>
+                      <a:endParaRPr lang="es-ES" sz="1600" b="1" dirty="0">
+                        <a:effectLst/>
+                        <a:latin typeface="Calibri" panose="020F0502020204030204" pitchFamily="34" charset="0"/>
+                        <a:ea typeface="Calibri" panose="020F0502020204030204" pitchFamily="34" charset="0"/>
+                        <a:cs typeface="Times New Roman" panose="02020603050405020304" pitchFamily="18" charset="0"/>
+                      </a:endParaRPr>
+                    </a:p>
+                  </a:txBody>
+                  <a:tcPr marL="68580" marR="68580" marT="0" marB="0" anchor="ctr"/>
+                </a:tc>
+                <a:extLst>
+                  <a:ext uri="{0D108BD9-81ED-4DB2-BD59-A6C34878D82A}">
+                    <a16:rowId xmlns:a16="http://schemas.microsoft.com/office/drawing/2014/main" val="4286632723"/>
+                  </a:ext>
+                </a:extLst>
+              </a:tr>
+              <a:tr h="200025">
+                <a:tc>
+                  <a:txBody>
+                    <a:bodyPr/>
+                    <a:lstStyle/>
+                    <a:p>
+                      <a:pPr algn="just">
+                        <a:lnSpc>
+                          <a:spcPct val="107000"/>
+                        </a:lnSpc>
+                        <a:spcAft>
+                          <a:spcPts val="800"/>
+                        </a:spcAft>
+                      </a:pPr>
+                      <a:r>
+                        <a:rPr lang="es-ES" sz="1600" b="1" dirty="0">
+                          <a:effectLst/>
+                        </a:rPr>
+                        <a:t>Iniciación del Proyecto</a:t>
+                      </a:r>
+                      <a:endParaRPr lang="es-ES" sz="1600" b="1" dirty="0">
+                        <a:effectLst/>
+                        <a:latin typeface="Calibri" panose="020F0502020204030204" pitchFamily="34" charset="0"/>
+                        <a:ea typeface="Calibri" panose="020F0502020204030204" pitchFamily="34" charset="0"/>
+                        <a:cs typeface="Times New Roman" panose="02020603050405020304" pitchFamily="18" charset="0"/>
+                      </a:endParaRPr>
+                    </a:p>
+                  </a:txBody>
+                  <a:tcPr marL="68580" marR="68580" marT="0" marB="0" anchor="ctr"/>
+                </a:tc>
+                <a:tc>
+                  <a:txBody>
+                    <a:bodyPr/>
+                    <a:lstStyle/>
+                    <a:p>
+                      <a:pPr algn="just">
+                        <a:lnSpc>
+                          <a:spcPct val="107000"/>
+                        </a:lnSpc>
+                        <a:spcAft>
+                          <a:spcPts val="800"/>
+                        </a:spcAft>
+                      </a:pPr>
+                      <a:endParaRPr lang="es-ES" sz="1600" b="1" dirty="0">
+                        <a:effectLst/>
+                        <a:latin typeface="Calibri" panose="020F0502020204030204" pitchFamily="34" charset="0"/>
+                        <a:ea typeface="Calibri" panose="020F0502020204030204" pitchFamily="34" charset="0"/>
+                        <a:cs typeface="Times New Roman" panose="02020603050405020304" pitchFamily="18" charset="0"/>
+                      </a:endParaRPr>
+                    </a:p>
+                  </a:txBody>
+                  <a:tcPr marL="68580" marR="68580" marT="0" marB="0" anchor="ctr"/>
+                </a:tc>
+                <a:tc>
+                  <a:txBody>
+                    <a:bodyPr/>
+                    <a:lstStyle/>
+                    <a:p>
+                      <a:pPr algn="just">
+                        <a:lnSpc>
+                          <a:spcPct val="107000"/>
+                        </a:lnSpc>
+                        <a:spcAft>
+                          <a:spcPts val="800"/>
+                        </a:spcAft>
+                      </a:pPr>
+                      <a:r>
+                        <a:rPr lang="es-ES" sz="1600" b="1" dirty="0">
+                          <a:effectLst/>
+                        </a:rPr>
+                        <a:t>1186,25</a:t>
+                      </a:r>
+                      <a:endParaRPr lang="es-ES" sz="1600" b="1" dirty="0">
+                        <a:effectLst/>
+                        <a:latin typeface="Calibri" panose="020F0502020204030204" pitchFamily="34" charset="0"/>
+                        <a:ea typeface="Calibri" panose="020F0502020204030204" pitchFamily="34" charset="0"/>
+                        <a:cs typeface="Times New Roman" panose="02020603050405020304" pitchFamily="18" charset="0"/>
+                      </a:endParaRPr>
+                    </a:p>
+                  </a:txBody>
+                  <a:tcPr marL="68580" marR="68580" marT="0" marB="0" anchor="ctr"/>
+                </a:tc>
+                <a:extLst>
+                  <a:ext uri="{0D108BD9-81ED-4DB2-BD59-A6C34878D82A}">
+                    <a16:rowId xmlns:a16="http://schemas.microsoft.com/office/drawing/2014/main" val="3408450138"/>
+                  </a:ext>
+                </a:extLst>
+              </a:tr>
+              <a:tr h="190500">
+                <a:tc>
+                  <a:txBody>
+                    <a:bodyPr/>
+                    <a:lstStyle/>
+                    <a:p>
+                      <a:pPr indent="127635" algn="just">
+                        <a:lnSpc>
+                          <a:spcPct val="107000"/>
+                        </a:lnSpc>
+                        <a:spcAft>
+                          <a:spcPts val="800"/>
+                        </a:spcAft>
+                      </a:pPr>
+                      <a:r>
+                        <a:rPr lang="es-ES" sz="1600" b="0" dirty="0">
+                          <a:effectLst/>
+                        </a:rPr>
+                        <a:t>Licencias</a:t>
+                      </a:r>
+                      <a:endParaRPr lang="es-ES" sz="1600" b="0" dirty="0">
+                        <a:effectLst/>
+                        <a:latin typeface="Calibri" panose="020F0502020204030204" pitchFamily="34" charset="0"/>
+                        <a:ea typeface="Calibri" panose="020F0502020204030204" pitchFamily="34" charset="0"/>
+                        <a:cs typeface="Times New Roman" panose="02020603050405020304" pitchFamily="18" charset="0"/>
+                      </a:endParaRPr>
+                    </a:p>
+                  </a:txBody>
+                  <a:tcPr marL="68580" marR="68580" marT="0" marB="0" anchor="ctr"/>
+                </a:tc>
+                <a:tc>
+                  <a:txBody>
+                    <a:bodyPr/>
+                    <a:lstStyle/>
+                    <a:p>
+                      <a:pPr algn="just">
+                        <a:lnSpc>
+                          <a:spcPct val="107000"/>
+                        </a:lnSpc>
+                        <a:spcAft>
+                          <a:spcPts val="800"/>
+                        </a:spcAft>
+                      </a:pPr>
+                      <a:r>
+                        <a:rPr lang="es-ES" sz="1600">
+                          <a:effectLst/>
+                        </a:rPr>
+                        <a:t> </a:t>
+                      </a:r>
+                      <a:endParaRPr lang="es-ES" sz="1600">
+                        <a:effectLst/>
+                        <a:latin typeface="Calibri" panose="020F0502020204030204" pitchFamily="34" charset="0"/>
+                        <a:ea typeface="Calibri" panose="020F0502020204030204" pitchFamily="34" charset="0"/>
+                        <a:cs typeface="Times New Roman" panose="02020603050405020304" pitchFamily="18" charset="0"/>
+                      </a:endParaRPr>
+                    </a:p>
+                  </a:txBody>
+                  <a:tcPr marL="68580" marR="68580" marT="0" marB="0" anchor="ctr"/>
+                </a:tc>
+                <a:tc>
+                  <a:txBody>
+                    <a:bodyPr/>
+                    <a:lstStyle/>
+                    <a:p>
+                      <a:pPr algn="just">
+                        <a:lnSpc>
+                          <a:spcPct val="107000"/>
+                        </a:lnSpc>
+                        <a:spcAft>
+                          <a:spcPts val="800"/>
+                        </a:spcAft>
+                      </a:pPr>
+                      <a:r>
+                        <a:rPr lang="es-ES" sz="1600">
+                          <a:effectLst/>
+                        </a:rPr>
+                        <a:t>194,19</a:t>
+                      </a:r>
+                      <a:endParaRPr lang="es-ES" sz="1600">
+                        <a:effectLst/>
+                        <a:latin typeface="Calibri" panose="020F0502020204030204" pitchFamily="34" charset="0"/>
+                        <a:ea typeface="Calibri" panose="020F0502020204030204" pitchFamily="34" charset="0"/>
+                        <a:cs typeface="Times New Roman" panose="02020603050405020304" pitchFamily="18" charset="0"/>
+                      </a:endParaRPr>
+                    </a:p>
+                  </a:txBody>
+                  <a:tcPr marL="68580" marR="68580" marT="0" marB="0" anchor="ctr"/>
+                </a:tc>
+                <a:extLst>
+                  <a:ext uri="{0D108BD9-81ED-4DB2-BD59-A6C34878D82A}">
+                    <a16:rowId xmlns:a16="http://schemas.microsoft.com/office/drawing/2014/main" val="2978670102"/>
+                  </a:ext>
+                </a:extLst>
+              </a:tr>
+              <a:tr h="190500">
+                <a:tc>
+                  <a:txBody>
+                    <a:bodyPr/>
+                    <a:lstStyle/>
+                    <a:p>
+                      <a:pPr indent="127635" algn="just">
+                        <a:lnSpc>
+                          <a:spcPct val="107000"/>
+                        </a:lnSpc>
+                        <a:spcAft>
+                          <a:spcPts val="800"/>
+                        </a:spcAft>
+                      </a:pPr>
+                      <a:r>
+                        <a:rPr lang="es-ES" sz="1600" b="0" dirty="0">
+                          <a:effectLst/>
+                        </a:rPr>
+                        <a:t>Oficina</a:t>
+                      </a:r>
+                      <a:endParaRPr lang="es-ES" sz="1600" b="0" dirty="0">
+                        <a:effectLst/>
+                        <a:latin typeface="Calibri" panose="020F0502020204030204" pitchFamily="34" charset="0"/>
+                        <a:ea typeface="Calibri" panose="020F0502020204030204" pitchFamily="34" charset="0"/>
+                        <a:cs typeface="Times New Roman" panose="02020603050405020304" pitchFamily="18" charset="0"/>
+                      </a:endParaRPr>
+                    </a:p>
+                  </a:txBody>
+                  <a:tcPr marL="68580" marR="68580" marT="0" marB="0" anchor="ctr"/>
+                </a:tc>
+                <a:tc>
+                  <a:txBody>
+                    <a:bodyPr/>
+                    <a:lstStyle/>
+                    <a:p>
+                      <a:pPr algn="just">
+                        <a:lnSpc>
+                          <a:spcPct val="107000"/>
+                        </a:lnSpc>
+                        <a:spcAft>
+                          <a:spcPts val="800"/>
+                        </a:spcAft>
+                      </a:pPr>
+                      <a:r>
+                        <a:rPr lang="es-ES" sz="1600">
+                          <a:effectLst/>
+                        </a:rPr>
+                        <a:t> </a:t>
+                      </a:r>
+                      <a:endParaRPr lang="es-ES" sz="1600">
+                        <a:effectLst/>
+                        <a:latin typeface="Calibri" panose="020F0502020204030204" pitchFamily="34" charset="0"/>
+                        <a:ea typeface="Calibri" panose="020F0502020204030204" pitchFamily="34" charset="0"/>
+                        <a:cs typeface="Times New Roman" panose="02020603050405020304" pitchFamily="18" charset="0"/>
+                      </a:endParaRPr>
+                    </a:p>
+                  </a:txBody>
+                  <a:tcPr marL="68580" marR="68580" marT="0" marB="0" anchor="ctr"/>
+                </a:tc>
+                <a:tc>
+                  <a:txBody>
+                    <a:bodyPr/>
+                    <a:lstStyle/>
+                    <a:p>
+                      <a:pPr algn="just">
+                        <a:lnSpc>
+                          <a:spcPct val="107000"/>
+                        </a:lnSpc>
+                        <a:spcAft>
+                          <a:spcPts val="800"/>
+                        </a:spcAft>
+                      </a:pPr>
+                      <a:r>
+                        <a:rPr lang="es-ES" sz="1600">
+                          <a:effectLst/>
+                        </a:rPr>
+                        <a:t>992,06</a:t>
+                      </a:r>
+                      <a:endParaRPr lang="es-ES" sz="1600">
+                        <a:effectLst/>
+                        <a:latin typeface="Calibri" panose="020F0502020204030204" pitchFamily="34" charset="0"/>
+                        <a:ea typeface="Calibri" panose="020F0502020204030204" pitchFamily="34" charset="0"/>
+                        <a:cs typeface="Times New Roman" panose="02020603050405020304" pitchFamily="18" charset="0"/>
+                      </a:endParaRPr>
+                    </a:p>
+                  </a:txBody>
+                  <a:tcPr marL="68580" marR="68580" marT="0" marB="0" anchor="ctr"/>
+                </a:tc>
+                <a:extLst>
+                  <a:ext uri="{0D108BD9-81ED-4DB2-BD59-A6C34878D82A}">
+                    <a16:rowId xmlns:a16="http://schemas.microsoft.com/office/drawing/2014/main" val="2865124348"/>
+                  </a:ext>
+                </a:extLst>
+              </a:tr>
+              <a:tr h="200025">
+                <a:tc>
+                  <a:txBody>
+                    <a:bodyPr/>
+                    <a:lstStyle/>
+                    <a:p>
+                      <a:pPr algn="just">
+                        <a:lnSpc>
+                          <a:spcPct val="107000"/>
+                        </a:lnSpc>
+                        <a:spcAft>
+                          <a:spcPts val="800"/>
+                        </a:spcAft>
+                      </a:pPr>
+                      <a:r>
+                        <a:rPr lang="es-ES" sz="1600" b="1">
+                          <a:effectLst/>
+                        </a:rPr>
+                        <a:t>Análisis y Estudio del Proyecto</a:t>
+                      </a:r>
+                      <a:endParaRPr lang="es-ES" sz="1600" b="1">
+                        <a:effectLst/>
+                        <a:latin typeface="Calibri" panose="020F0502020204030204" pitchFamily="34" charset="0"/>
+                        <a:ea typeface="Calibri" panose="020F0502020204030204" pitchFamily="34" charset="0"/>
+                        <a:cs typeface="Times New Roman" panose="02020603050405020304" pitchFamily="18" charset="0"/>
+                      </a:endParaRPr>
+                    </a:p>
+                  </a:txBody>
+                  <a:tcPr marL="68580" marR="68580" marT="0" marB="0" anchor="ctr"/>
+                </a:tc>
+                <a:tc>
+                  <a:txBody>
+                    <a:bodyPr/>
+                    <a:lstStyle/>
+                    <a:p>
+                      <a:pPr algn="just">
+                        <a:lnSpc>
+                          <a:spcPct val="107000"/>
+                        </a:lnSpc>
+                        <a:spcAft>
+                          <a:spcPts val="800"/>
+                        </a:spcAft>
+                      </a:pPr>
+                      <a:r>
+                        <a:rPr lang="es-ES" sz="1600" b="1">
+                          <a:effectLst/>
+                        </a:rPr>
+                        <a:t>285</a:t>
+                      </a:r>
+                      <a:endParaRPr lang="es-ES" sz="1600" b="1">
+                        <a:effectLst/>
+                        <a:latin typeface="Calibri" panose="020F0502020204030204" pitchFamily="34" charset="0"/>
+                        <a:ea typeface="Calibri" panose="020F0502020204030204" pitchFamily="34" charset="0"/>
+                        <a:cs typeface="Times New Roman" panose="02020603050405020304" pitchFamily="18" charset="0"/>
+                      </a:endParaRPr>
+                    </a:p>
+                  </a:txBody>
+                  <a:tcPr marL="68580" marR="68580" marT="0" marB="0" anchor="ctr"/>
+                </a:tc>
+                <a:tc>
+                  <a:txBody>
+                    <a:bodyPr/>
+                    <a:lstStyle/>
+                    <a:p>
+                      <a:pPr algn="just">
+                        <a:lnSpc>
+                          <a:spcPct val="107000"/>
+                        </a:lnSpc>
+                        <a:spcAft>
+                          <a:spcPts val="800"/>
+                        </a:spcAft>
+                      </a:pPr>
+                      <a:endParaRPr lang="es-ES" sz="1600" b="1" dirty="0">
+                        <a:effectLst/>
+                        <a:latin typeface="Calibri" panose="020F0502020204030204" pitchFamily="34" charset="0"/>
+                        <a:ea typeface="Calibri" panose="020F0502020204030204" pitchFamily="34" charset="0"/>
+                        <a:cs typeface="Times New Roman" panose="02020603050405020304" pitchFamily="18" charset="0"/>
+                      </a:endParaRPr>
+                    </a:p>
+                  </a:txBody>
+                  <a:tcPr marL="68580" marR="68580" marT="0" marB="0" anchor="ctr"/>
+                </a:tc>
+                <a:extLst>
+                  <a:ext uri="{0D108BD9-81ED-4DB2-BD59-A6C34878D82A}">
+                    <a16:rowId xmlns:a16="http://schemas.microsoft.com/office/drawing/2014/main" val="2418538208"/>
+                  </a:ext>
+                </a:extLst>
+              </a:tr>
+              <a:tr h="200025">
+                <a:tc>
+                  <a:txBody>
+                    <a:bodyPr/>
+                    <a:lstStyle/>
+                    <a:p>
+                      <a:pPr algn="just">
+                        <a:lnSpc>
+                          <a:spcPct val="107000"/>
+                        </a:lnSpc>
+                        <a:spcAft>
+                          <a:spcPts val="800"/>
+                        </a:spcAft>
+                      </a:pPr>
+                      <a:r>
+                        <a:rPr lang="es-ES" sz="1600" b="1" dirty="0">
+                          <a:effectLst/>
+                        </a:rPr>
+                        <a:t>Diseño del Sistema</a:t>
+                      </a:r>
+                      <a:endParaRPr lang="es-ES" sz="1600" b="1" dirty="0">
+                        <a:effectLst/>
+                        <a:latin typeface="Calibri" panose="020F0502020204030204" pitchFamily="34" charset="0"/>
+                        <a:ea typeface="Calibri" panose="020F0502020204030204" pitchFamily="34" charset="0"/>
+                        <a:cs typeface="Times New Roman" panose="02020603050405020304" pitchFamily="18" charset="0"/>
+                      </a:endParaRPr>
+                    </a:p>
+                  </a:txBody>
+                  <a:tcPr marL="68580" marR="68580" marT="0" marB="0" anchor="ctr"/>
+                </a:tc>
+                <a:tc>
+                  <a:txBody>
+                    <a:bodyPr/>
+                    <a:lstStyle/>
+                    <a:p>
+                      <a:pPr algn="just">
+                        <a:lnSpc>
+                          <a:spcPct val="107000"/>
+                        </a:lnSpc>
+                        <a:spcAft>
+                          <a:spcPts val="800"/>
+                        </a:spcAft>
+                      </a:pPr>
+                      <a:r>
+                        <a:rPr lang="es-ES" sz="1600" b="1">
+                          <a:effectLst/>
+                        </a:rPr>
+                        <a:t>90</a:t>
+                      </a:r>
+                      <a:endParaRPr lang="es-ES" sz="1600" b="1">
+                        <a:effectLst/>
+                        <a:latin typeface="Calibri" panose="020F0502020204030204" pitchFamily="34" charset="0"/>
+                        <a:ea typeface="Calibri" panose="020F0502020204030204" pitchFamily="34" charset="0"/>
+                        <a:cs typeface="Times New Roman" panose="02020603050405020304" pitchFamily="18" charset="0"/>
+                      </a:endParaRPr>
+                    </a:p>
+                  </a:txBody>
+                  <a:tcPr marL="68580" marR="68580" marT="0" marB="0" anchor="ctr"/>
+                </a:tc>
+                <a:tc>
+                  <a:txBody>
+                    <a:bodyPr/>
+                    <a:lstStyle/>
+                    <a:p>
+                      <a:pPr algn="just">
+                        <a:lnSpc>
+                          <a:spcPct val="107000"/>
+                        </a:lnSpc>
+                        <a:spcAft>
+                          <a:spcPts val="800"/>
+                        </a:spcAft>
+                      </a:pPr>
+                      <a:endParaRPr lang="es-ES" sz="1600" b="1">
+                        <a:effectLst/>
+                        <a:latin typeface="Calibri" panose="020F0502020204030204" pitchFamily="34" charset="0"/>
+                        <a:ea typeface="Calibri" panose="020F0502020204030204" pitchFamily="34" charset="0"/>
+                        <a:cs typeface="Times New Roman" panose="02020603050405020304" pitchFamily="18" charset="0"/>
+                      </a:endParaRPr>
+                    </a:p>
+                  </a:txBody>
+                  <a:tcPr marL="68580" marR="68580" marT="0" marB="0" anchor="ctr"/>
+                </a:tc>
+                <a:extLst>
+                  <a:ext uri="{0D108BD9-81ED-4DB2-BD59-A6C34878D82A}">
+                    <a16:rowId xmlns:a16="http://schemas.microsoft.com/office/drawing/2014/main" val="2786067624"/>
+                  </a:ext>
+                </a:extLst>
+              </a:tr>
+              <a:tr h="200025">
+                <a:tc>
+                  <a:txBody>
+                    <a:bodyPr/>
+                    <a:lstStyle/>
+                    <a:p>
+                      <a:pPr algn="just">
+                        <a:lnSpc>
+                          <a:spcPct val="107000"/>
+                        </a:lnSpc>
+                        <a:spcAft>
+                          <a:spcPts val="800"/>
+                        </a:spcAft>
+                      </a:pPr>
+                      <a:r>
+                        <a:rPr lang="es-ES" sz="1600" b="1" dirty="0">
+                          <a:effectLst/>
+                        </a:rPr>
+                        <a:t>Módulos Software</a:t>
+                      </a:r>
+                      <a:endParaRPr lang="es-ES" sz="1600" b="1" dirty="0">
+                        <a:effectLst/>
+                        <a:latin typeface="Calibri" panose="020F0502020204030204" pitchFamily="34" charset="0"/>
+                        <a:ea typeface="Calibri" panose="020F0502020204030204" pitchFamily="34" charset="0"/>
+                        <a:cs typeface="Times New Roman" panose="02020603050405020304" pitchFamily="18" charset="0"/>
+                      </a:endParaRPr>
+                    </a:p>
+                  </a:txBody>
+                  <a:tcPr marL="68580" marR="68580" marT="0" marB="0" anchor="ctr"/>
+                </a:tc>
+                <a:tc>
+                  <a:txBody>
+                    <a:bodyPr/>
+                    <a:lstStyle/>
+                    <a:p>
+                      <a:pPr algn="just">
+                        <a:lnSpc>
+                          <a:spcPct val="107000"/>
+                        </a:lnSpc>
+                        <a:spcAft>
+                          <a:spcPts val="800"/>
+                        </a:spcAft>
+                      </a:pPr>
+                      <a:r>
+                        <a:rPr lang="es-ES" sz="1600" b="1">
+                          <a:effectLst/>
+                        </a:rPr>
+                        <a:t>560,74</a:t>
+                      </a:r>
+                      <a:endParaRPr lang="es-ES" sz="1600" b="1">
+                        <a:effectLst/>
+                        <a:latin typeface="Calibri" panose="020F0502020204030204" pitchFamily="34" charset="0"/>
+                        <a:ea typeface="Calibri" panose="020F0502020204030204" pitchFamily="34" charset="0"/>
+                        <a:cs typeface="Times New Roman" panose="02020603050405020304" pitchFamily="18" charset="0"/>
+                      </a:endParaRPr>
+                    </a:p>
+                  </a:txBody>
+                  <a:tcPr marL="68580" marR="68580" marT="0" marB="0" anchor="ctr"/>
+                </a:tc>
+                <a:tc>
+                  <a:txBody>
+                    <a:bodyPr/>
+                    <a:lstStyle/>
+                    <a:p>
+                      <a:pPr algn="just">
+                        <a:lnSpc>
+                          <a:spcPct val="107000"/>
+                        </a:lnSpc>
+                        <a:spcAft>
+                          <a:spcPts val="800"/>
+                        </a:spcAft>
+                      </a:pPr>
+                      <a:endParaRPr lang="es-ES" sz="1600" b="1" dirty="0">
+                        <a:effectLst/>
+                        <a:latin typeface="Calibri" panose="020F0502020204030204" pitchFamily="34" charset="0"/>
+                        <a:ea typeface="Calibri" panose="020F0502020204030204" pitchFamily="34" charset="0"/>
+                        <a:cs typeface="Times New Roman" panose="02020603050405020304" pitchFamily="18" charset="0"/>
+                      </a:endParaRPr>
+                    </a:p>
+                  </a:txBody>
+                  <a:tcPr marL="68580" marR="68580" marT="0" marB="0" anchor="ctr"/>
+                </a:tc>
+                <a:extLst>
+                  <a:ext uri="{0D108BD9-81ED-4DB2-BD59-A6C34878D82A}">
+                    <a16:rowId xmlns:a16="http://schemas.microsoft.com/office/drawing/2014/main" val="3940742813"/>
+                  </a:ext>
+                </a:extLst>
+              </a:tr>
+              <a:tr h="190500">
+                <a:tc>
+                  <a:txBody>
+                    <a:bodyPr/>
+                    <a:lstStyle/>
+                    <a:p>
+                      <a:pPr indent="127635" algn="just">
+                        <a:lnSpc>
+                          <a:spcPct val="107000"/>
+                        </a:lnSpc>
+                        <a:spcAft>
+                          <a:spcPts val="800"/>
+                        </a:spcAft>
+                      </a:pPr>
+                      <a:r>
+                        <a:rPr lang="es-ES" sz="1600" b="0">
+                          <a:effectLst/>
+                        </a:rPr>
+                        <a:t>Gestión de Cuentas</a:t>
+                      </a:r>
+                      <a:endParaRPr lang="es-ES" sz="1600" b="0">
+                        <a:effectLst/>
+                        <a:latin typeface="Calibri" panose="020F0502020204030204" pitchFamily="34" charset="0"/>
+                        <a:ea typeface="Calibri" panose="020F0502020204030204" pitchFamily="34" charset="0"/>
+                        <a:cs typeface="Times New Roman" panose="02020603050405020304" pitchFamily="18" charset="0"/>
+                      </a:endParaRPr>
+                    </a:p>
+                  </a:txBody>
+                  <a:tcPr marL="68580" marR="68580" marT="0" marB="0" anchor="ctr"/>
+                </a:tc>
+                <a:tc>
+                  <a:txBody>
+                    <a:bodyPr/>
+                    <a:lstStyle/>
+                    <a:p>
+                      <a:pPr algn="just">
+                        <a:lnSpc>
+                          <a:spcPct val="107000"/>
+                        </a:lnSpc>
+                        <a:spcAft>
+                          <a:spcPts val="800"/>
+                        </a:spcAft>
+                      </a:pPr>
+                      <a:r>
+                        <a:rPr lang="es-ES" sz="1600" dirty="0">
+                          <a:effectLst/>
+                        </a:rPr>
+                        <a:t>132,5</a:t>
+                      </a:r>
+                      <a:endParaRPr lang="es-ES" sz="1600" dirty="0">
+                        <a:effectLst/>
+                        <a:latin typeface="Calibri" panose="020F0502020204030204" pitchFamily="34" charset="0"/>
+                        <a:ea typeface="Calibri" panose="020F0502020204030204" pitchFamily="34" charset="0"/>
+                        <a:cs typeface="Times New Roman" panose="02020603050405020304" pitchFamily="18" charset="0"/>
+                      </a:endParaRPr>
+                    </a:p>
+                  </a:txBody>
+                  <a:tcPr marL="68580" marR="68580" marT="0" marB="0" anchor="ctr"/>
+                </a:tc>
+                <a:tc>
+                  <a:txBody>
+                    <a:bodyPr/>
+                    <a:lstStyle/>
+                    <a:p>
+                      <a:pPr algn="just">
+                        <a:lnSpc>
+                          <a:spcPct val="107000"/>
+                        </a:lnSpc>
+                        <a:spcAft>
+                          <a:spcPts val="800"/>
+                        </a:spcAft>
+                      </a:pPr>
+                      <a:r>
+                        <a:rPr lang="es-ES" sz="1600">
+                          <a:effectLst/>
+                        </a:rPr>
+                        <a:t> </a:t>
+                      </a:r>
+                      <a:endParaRPr lang="es-ES" sz="1600">
+                        <a:effectLst/>
+                        <a:latin typeface="Calibri" panose="020F0502020204030204" pitchFamily="34" charset="0"/>
+                        <a:ea typeface="Calibri" panose="020F0502020204030204" pitchFamily="34" charset="0"/>
+                        <a:cs typeface="Times New Roman" panose="02020603050405020304" pitchFamily="18" charset="0"/>
+                      </a:endParaRPr>
+                    </a:p>
+                  </a:txBody>
+                  <a:tcPr marL="68580" marR="68580" marT="0" marB="0" anchor="ctr"/>
+                </a:tc>
+                <a:extLst>
+                  <a:ext uri="{0D108BD9-81ED-4DB2-BD59-A6C34878D82A}">
+                    <a16:rowId xmlns:a16="http://schemas.microsoft.com/office/drawing/2014/main" val="1934119594"/>
+                  </a:ext>
+                </a:extLst>
+              </a:tr>
+              <a:tr h="190500">
+                <a:tc>
+                  <a:txBody>
+                    <a:bodyPr/>
+                    <a:lstStyle/>
+                    <a:p>
+                      <a:pPr indent="127635" algn="just">
+                        <a:lnSpc>
+                          <a:spcPct val="107000"/>
+                        </a:lnSpc>
+                        <a:spcAft>
+                          <a:spcPts val="800"/>
+                        </a:spcAft>
+                      </a:pPr>
+                      <a:r>
+                        <a:rPr lang="es-ES" sz="1600" b="0" dirty="0">
+                          <a:effectLst/>
+                        </a:rPr>
+                        <a:t>Expositor y Filtro de Inmuebles</a:t>
+                      </a:r>
+                      <a:endParaRPr lang="es-ES" sz="1600" b="0" dirty="0">
+                        <a:effectLst/>
+                        <a:latin typeface="Calibri" panose="020F0502020204030204" pitchFamily="34" charset="0"/>
+                        <a:ea typeface="Calibri" panose="020F0502020204030204" pitchFamily="34" charset="0"/>
+                        <a:cs typeface="Times New Roman" panose="02020603050405020304" pitchFamily="18" charset="0"/>
+                      </a:endParaRPr>
+                    </a:p>
+                  </a:txBody>
+                  <a:tcPr marL="68580" marR="68580" marT="0" marB="0" anchor="ctr"/>
+                </a:tc>
+                <a:tc>
+                  <a:txBody>
+                    <a:bodyPr/>
+                    <a:lstStyle/>
+                    <a:p>
+                      <a:pPr algn="just">
+                        <a:lnSpc>
+                          <a:spcPct val="107000"/>
+                        </a:lnSpc>
+                        <a:spcAft>
+                          <a:spcPts val="800"/>
+                        </a:spcAft>
+                      </a:pPr>
+                      <a:r>
+                        <a:rPr lang="es-ES" sz="1600">
+                          <a:effectLst/>
+                        </a:rPr>
+                        <a:t>132</a:t>
+                      </a:r>
+                      <a:endParaRPr lang="es-ES" sz="1600">
+                        <a:effectLst/>
+                        <a:latin typeface="Calibri" panose="020F0502020204030204" pitchFamily="34" charset="0"/>
+                        <a:ea typeface="Calibri" panose="020F0502020204030204" pitchFamily="34" charset="0"/>
+                        <a:cs typeface="Times New Roman" panose="02020603050405020304" pitchFamily="18" charset="0"/>
+                      </a:endParaRPr>
+                    </a:p>
+                  </a:txBody>
+                  <a:tcPr marL="68580" marR="68580" marT="0" marB="0" anchor="ctr"/>
+                </a:tc>
+                <a:tc>
+                  <a:txBody>
+                    <a:bodyPr/>
+                    <a:lstStyle/>
+                    <a:p>
+                      <a:pPr algn="just">
+                        <a:lnSpc>
+                          <a:spcPct val="107000"/>
+                        </a:lnSpc>
+                        <a:spcAft>
+                          <a:spcPts val="800"/>
+                        </a:spcAft>
+                      </a:pPr>
+                      <a:r>
+                        <a:rPr lang="es-ES" sz="1600">
+                          <a:effectLst/>
+                        </a:rPr>
+                        <a:t> </a:t>
+                      </a:r>
+                      <a:endParaRPr lang="es-ES" sz="1600">
+                        <a:effectLst/>
+                        <a:latin typeface="Calibri" panose="020F0502020204030204" pitchFamily="34" charset="0"/>
+                        <a:ea typeface="Calibri" panose="020F0502020204030204" pitchFamily="34" charset="0"/>
+                        <a:cs typeface="Times New Roman" panose="02020603050405020304" pitchFamily="18" charset="0"/>
+                      </a:endParaRPr>
+                    </a:p>
+                  </a:txBody>
+                  <a:tcPr marL="68580" marR="68580" marT="0" marB="0" anchor="ctr"/>
+                </a:tc>
+                <a:extLst>
+                  <a:ext uri="{0D108BD9-81ED-4DB2-BD59-A6C34878D82A}">
+                    <a16:rowId xmlns:a16="http://schemas.microsoft.com/office/drawing/2014/main" val="3312784230"/>
+                  </a:ext>
+                </a:extLst>
+              </a:tr>
+              <a:tr h="190500">
+                <a:tc>
+                  <a:txBody>
+                    <a:bodyPr/>
+                    <a:lstStyle/>
+                    <a:p>
+                      <a:pPr indent="127635" algn="just">
+                        <a:lnSpc>
+                          <a:spcPct val="107000"/>
+                        </a:lnSpc>
+                        <a:spcAft>
+                          <a:spcPts val="800"/>
+                        </a:spcAft>
+                      </a:pPr>
+                      <a:r>
+                        <a:rPr lang="es-ES" sz="1600" b="0" dirty="0">
+                          <a:effectLst/>
+                        </a:rPr>
+                        <a:t>Comunicación</a:t>
+                      </a:r>
+                      <a:endParaRPr lang="es-ES" sz="1600" b="0" dirty="0">
+                        <a:effectLst/>
+                        <a:latin typeface="Calibri" panose="020F0502020204030204" pitchFamily="34" charset="0"/>
+                        <a:ea typeface="Calibri" panose="020F0502020204030204" pitchFamily="34" charset="0"/>
+                        <a:cs typeface="Times New Roman" panose="02020603050405020304" pitchFamily="18" charset="0"/>
+                      </a:endParaRPr>
+                    </a:p>
+                  </a:txBody>
+                  <a:tcPr marL="68580" marR="68580" marT="0" marB="0" anchor="ctr"/>
+                </a:tc>
+                <a:tc>
+                  <a:txBody>
+                    <a:bodyPr/>
+                    <a:lstStyle/>
+                    <a:p>
+                      <a:pPr algn="just">
+                        <a:lnSpc>
+                          <a:spcPct val="107000"/>
+                        </a:lnSpc>
+                        <a:spcAft>
+                          <a:spcPts val="800"/>
+                        </a:spcAft>
+                      </a:pPr>
+                      <a:r>
+                        <a:rPr lang="es-ES" sz="1600">
+                          <a:effectLst/>
+                        </a:rPr>
+                        <a:t>132,2</a:t>
+                      </a:r>
+                      <a:endParaRPr lang="es-ES" sz="1600">
+                        <a:effectLst/>
+                        <a:latin typeface="Calibri" panose="020F0502020204030204" pitchFamily="34" charset="0"/>
+                        <a:ea typeface="Calibri" panose="020F0502020204030204" pitchFamily="34" charset="0"/>
+                        <a:cs typeface="Times New Roman" panose="02020603050405020304" pitchFamily="18" charset="0"/>
+                      </a:endParaRPr>
+                    </a:p>
+                  </a:txBody>
+                  <a:tcPr marL="68580" marR="68580" marT="0" marB="0" anchor="ctr"/>
+                </a:tc>
+                <a:tc>
+                  <a:txBody>
+                    <a:bodyPr/>
+                    <a:lstStyle/>
+                    <a:p>
+                      <a:pPr algn="just">
+                        <a:lnSpc>
+                          <a:spcPct val="107000"/>
+                        </a:lnSpc>
+                        <a:spcAft>
+                          <a:spcPts val="800"/>
+                        </a:spcAft>
+                      </a:pPr>
+                      <a:r>
+                        <a:rPr lang="es-ES" sz="1600">
+                          <a:effectLst/>
+                        </a:rPr>
+                        <a:t> </a:t>
+                      </a:r>
+                      <a:endParaRPr lang="es-ES" sz="1600">
+                        <a:effectLst/>
+                        <a:latin typeface="Calibri" panose="020F0502020204030204" pitchFamily="34" charset="0"/>
+                        <a:ea typeface="Calibri" panose="020F0502020204030204" pitchFamily="34" charset="0"/>
+                        <a:cs typeface="Times New Roman" panose="02020603050405020304" pitchFamily="18" charset="0"/>
+                      </a:endParaRPr>
+                    </a:p>
+                  </a:txBody>
+                  <a:tcPr marL="68580" marR="68580" marT="0" marB="0" anchor="ctr"/>
+                </a:tc>
+                <a:extLst>
+                  <a:ext uri="{0D108BD9-81ED-4DB2-BD59-A6C34878D82A}">
+                    <a16:rowId xmlns:a16="http://schemas.microsoft.com/office/drawing/2014/main" val="1668727232"/>
+                  </a:ext>
+                </a:extLst>
+              </a:tr>
+              <a:tr h="190500">
+                <a:tc>
+                  <a:txBody>
+                    <a:bodyPr/>
+                    <a:lstStyle/>
+                    <a:p>
+                      <a:pPr indent="127635" algn="just">
+                        <a:lnSpc>
+                          <a:spcPct val="107000"/>
+                        </a:lnSpc>
+                        <a:spcAft>
+                          <a:spcPts val="800"/>
+                        </a:spcAft>
+                      </a:pPr>
+                      <a:r>
+                        <a:rPr lang="es-ES" sz="1600" b="0" dirty="0">
+                          <a:effectLst/>
+                        </a:rPr>
+                        <a:t>Seguimientos</a:t>
+                      </a:r>
+                      <a:endParaRPr lang="es-ES" sz="1600" b="0" dirty="0">
+                        <a:effectLst/>
+                        <a:latin typeface="Calibri" panose="020F0502020204030204" pitchFamily="34" charset="0"/>
+                        <a:ea typeface="Calibri" panose="020F0502020204030204" pitchFamily="34" charset="0"/>
+                        <a:cs typeface="Times New Roman" panose="02020603050405020304" pitchFamily="18" charset="0"/>
+                      </a:endParaRPr>
+                    </a:p>
+                  </a:txBody>
+                  <a:tcPr marL="68580" marR="68580" marT="0" marB="0" anchor="ctr"/>
+                </a:tc>
+                <a:tc>
+                  <a:txBody>
+                    <a:bodyPr/>
+                    <a:lstStyle/>
+                    <a:p>
+                      <a:pPr algn="just">
+                        <a:lnSpc>
+                          <a:spcPct val="107000"/>
+                        </a:lnSpc>
+                        <a:spcAft>
+                          <a:spcPts val="800"/>
+                        </a:spcAft>
+                      </a:pPr>
+                      <a:r>
+                        <a:rPr lang="es-ES" sz="1600">
+                          <a:effectLst/>
+                        </a:rPr>
+                        <a:t>92,04</a:t>
+                      </a:r>
+                      <a:endParaRPr lang="es-ES" sz="1600">
+                        <a:effectLst/>
+                        <a:latin typeface="Calibri" panose="020F0502020204030204" pitchFamily="34" charset="0"/>
+                        <a:ea typeface="Calibri" panose="020F0502020204030204" pitchFamily="34" charset="0"/>
+                        <a:cs typeface="Times New Roman" panose="02020603050405020304" pitchFamily="18" charset="0"/>
+                      </a:endParaRPr>
+                    </a:p>
+                  </a:txBody>
+                  <a:tcPr marL="68580" marR="68580" marT="0" marB="0" anchor="ctr"/>
+                </a:tc>
+                <a:tc>
+                  <a:txBody>
+                    <a:bodyPr/>
+                    <a:lstStyle/>
+                    <a:p>
+                      <a:pPr algn="just">
+                        <a:lnSpc>
+                          <a:spcPct val="107000"/>
+                        </a:lnSpc>
+                        <a:spcAft>
+                          <a:spcPts val="800"/>
+                        </a:spcAft>
+                      </a:pPr>
+                      <a:r>
+                        <a:rPr lang="es-ES" sz="1600">
+                          <a:effectLst/>
+                        </a:rPr>
+                        <a:t> </a:t>
+                      </a:r>
+                      <a:endParaRPr lang="es-ES" sz="1600">
+                        <a:effectLst/>
+                        <a:latin typeface="Calibri" panose="020F0502020204030204" pitchFamily="34" charset="0"/>
+                        <a:ea typeface="Calibri" panose="020F0502020204030204" pitchFamily="34" charset="0"/>
+                        <a:cs typeface="Times New Roman" panose="02020603050405020304" pitchFamily="18" charset="0"/>
+                      </a:endParaRPr>
+                    </a:p>
+                  </a:txBody>
+                  <a:tcPr marL="68580" marR="68580" marT="0" marB="0" anchor="ctr"/>
+                </a:tc>
+                <a:extLst>
+                  <a:ext uri="{0D108BD9-81ED-4DB2-BD59-A6C34878D82A}">
+                    <a16:rowId xmlns:a16="http://schemas.microsoft.com/office/drawing/2014/main" val="1648591521"/>
+                  </a:ext>
+                </a:extLst>
+              </a:tr>
+              <a:tr h="190500">
+                <a:tc>
+                  <a:txBody>
+                    <a:bodyPr/>
+                    <a:lstStyle/>
+                    <a:p>
+                      <a:pPr indent="127635" algn="just">
+                        <a:lnSpc>
+                          <a:spcPct val="107000"/>
+                        </a:lnSpc>
+                        <a:spcAft>
+                          <a:spcPts val="800"/>
+                        </a:spcAft>
+                      </a:pPr>
+                      <a:r>
+                        <a:rPr lang="es-ES" sz="1600" b="0">
+                          <a:effectLst/>
+                        </a:rPr>
+                        <a:t>Geolocalización</a:t>
+                      </a:r>
+                      <a:endParaRPr lang="es-ES" sz="1600" b="0">
+                        <a:effectLst/>
+                        <a:latin typeface="Calibri" panose="020F0502020204030204" pitchFamily="34" charset="0"/>
+                        <a:ea typeface="Calibri" panose="020F0502020204030204" pitchFamily="34" charset="0"/>
+                        <a:cs typeface="Times New Roman" panose="02020603050405020304" pitchFamily="18" charset="0"/>
+                      </a:endParaRPr>
+                    </a:p>
+                  </a:txBody>
+                  <a:tcPr marL="68580" marR="68580" marT="0" marB="0" anchor="ctr"/>
+                </a:tc>
+                <a:tc>
+                  <a:txBody>
+                    <a:bodyPr/>
+                    <a:lstStyle/>
+                    <a:p>
+                      <a:pPr algn="just">
+                        <a:lnSpc>
+                          <a:spcPct val="107000"/>
+                        </a:lnSpc>
+                        <a:spcAft>
+                          <a:spcPts val="800"/>
+                        </a:spcAft>
+                      </a:pPr>
+                      <a:r>
+                        <a:rPr lang="es-ES" sz="1600">
+                          <a:effectLst/>
+                        </a:rPr>
+                        <a:t>72</a:t>
+                      </a:r>
+                      <a:endParaRPr lang="es-ES" sz="1600">
+                        <a:effectLst/>
+                        <a:latin typeface="Calibri" panose="020F0502020204030204" pitchFamily="34" charset="0"/>
+                        <a:ea typeface="Calibri" panose="020F0502020204030204" pitchFamily="34" charset="0"/>
+                        <a:cs typeface="Times New Roman" panose="02020603050405020304" pitchFamily="18" charset="0"/>
+                      </a:endParaRPr>
+                    </a:p>
+                  </a:txBody>
+                  <a:tcPr marL="68580" marR="68580" marT="0" marB="0" anchor="ctr"/>
+                </a:tc>
+                <a:tc>
+                  <a:txBody>
+                    <a:bodyPr/>
+                    <a:lstStyle/>
+                    <a:p>
+                      <a:pPr algn="just">
+                        <a:lnSpc>
+                          <a:spcPct val="107000"/>
+                        </a:lnSpc>
+                        <a:spcAft>
+                          <a:spcPts val="800"/>
+                        </a:spcAft>
+                      </a:pPr>
+                      <a:r>
+                        <a:rPr lang="es-ES" sz="1600">
+                          <a:effectLst/>
+                        </a:rPr>
+                        <a:t> </a:t>
+                      </a:r>
+                      <a:endParaRPr lang="es-ES" sz="1600">
+                        <a:effectLst/>
+                        <a:latin typeface="Calibri" panose="020F0502020204030204" pitchFamily="34" charset="0"/>
+                        <a:ea typeface="Calibri" panose="020F0502020204030204" pitchFamily="34" charset="0"/>
+                        <a:cs typeface="Times New Roman" panose="02020603050405020304" pitchFamily="18" charset="0"/>
+                      </a:endParaRPr>
+                    </a:p>
+                  </a:txBody>
+                  <a:tcPr marL="68580" marR="68580" marT="0" marB="0" anchor="ctr"/>
+                </a:tc>
+                <a:extLst>
+                  <a:ext uri="{0D108BD9-81ED-4DB2-BD59-A6C34878D82A}">
+                    <a16:rowId xmlns:a16="http://schemas.microsoft.com/office/drawing/2014/main" val="4047181586"/>
+                  </a:ext>
+                </a:extLst>
+              </a:tr>
+              <a:tr h="200025">
+                <a:tc>
+                  <a:txBody>
+                    <a:bodyPr/>
+                    <a:lstStyle/>
+                    <a:p>
+                      <a:pPr algn="just">
+                        <a:lnSpc>
+                          <a:spcPct val="107000"/>
+                        </a:lnSpc>
+                        <a:spcAft>
+                          <a:spcPts val="800"/>
+                        </a:spcAft>
+                      </a:pPr>
+                      <a:r>
+                        <a:rPr lang="es-ES" sz="1600" b="1">
+                          <a:effectLst/>
+                        </a:rPr>
+                        <a:t>Pruebas</a:t>
+                      </a:r>
+                      <a:endParaRPr lang="es-ES" sz="1600" b="1">
+                        <a:effectLst/>
+                        <a:latin typeface="Calibri" panose="020F0502020204030204" pitchFamily="34" charset="0"/>
+                        <a:ea typeface="Calibri" panose="020F0502020204030204" pitchFamily="34" charset="0"/>
+                        <a:cs typeface="Times New Roman" panose="02020603050405020304" pitchFamily="18" charset="0"/>
+                      </a:endParaRPr>
+                    </a:p>
+                  </a:txBody>
+                  <a:tcPr marL="68580" marR="68580" marT="0" marB="0" anchor="ctr"/>
+                </a:tc>
+                <a:tc>
+                  <a:txBody>
+                    <a:bodyPr/>
+                    <a:lstStyle/>
+                    <a:p>
+                      <a:pPr algn="just">
+                        <a:lnSpc>
+                          <a:spcPct val="107000"/>
+                        </a:lnSpc>
+                        <a:spcAft>
+                          <a:spcPts val="800"/>
+                        </a:spcAft>
+                      </a:pPr>
+                      <a:r>
+                        <a:rPr lang="es-ES" sz="1600" b="1" dirty="0">
+                          <a:effectLst/>
+                        </a:rPr>
+                        <a:t>190</a:t>
+                      </a:r>
+                      <a:endParaRPr lang="es-ES" sz="1600" b="1" dirty="0">
+                        <a:effectLst/>
+                        <a:latin typeface="Calibri" panose="020F0502020204030204" pitchFamily="34" charset="0"/>
+                        <a:ea typeface="Calibri" panose="020F0502020204030204" pitchFamily="34" charset="0"/>
+                        <a:cs typeface="Times New Roman" panose="02020603050405020304" pitchFamily="18" charset="0"/>
+                      </a:endParaRPr>
+                    </a:p>
+                  </a:txBody>
+                  <a:tcPr marL="68580" marR="68580" marT="0" marB="0" anchor="ctr"/>
+                </a:tc>
+                <a:tc>
+                  <a:txBody>
+                    <a:bodyPr/>
+                    <a:lstStyle/>
+                    <a:p>
+                      <a:pPr algn="just">
+                        <a:lnSpc>
+                          <a:spcPct val="107000"/>
+                        </a:lnSpc>
+                        <a:spcAft>
+                          <a:spcPts val="800"/>
+                        </a:spcAft>
+                      </a:pPr>
+                      <a:endParaRPr lang="es-ES" sz="1600" dirty="0">
+                        <a:effectLst/>
+                        <a:latin typeface="Calibri" panose="020F0502020204030204" pitchFamily="34" charset="0"/>
+                        <a:ea typeface="Calibri" panose="020F0502020204030204" pitchFamily="34" charset="0"/>
+                        <a:cs typeface="Times New Roman" panose="02020603050405020304" pitchFamily="18" charset="0"/>
+                      </a:endParaRPr>
+                    </a:p>
+                  </a:txBody>
+                  <a:tcPr marL="68580" marR="68580" marT="0" marB="0" anchor="ctr"/>
+                </a:tc>
+                <a:extLst>
+                  <a:ext uri="{0D108BD9-81ED-4DB2-BD59-A6C34878D82A}">
+                    <a16:rowId xmlns:a16="http://schemas.microsoft.com/office/drawing/2014/main" val="2013545854"/>
+                  </a:ext>
+                </a:extLst>
+              </a:tr>
+              <a:tr h="200025">
+                <a:tc>
+                  <a:txBody>
+                    <a:bodyPr/>
+                    <a:lstStyle/>
+                    <a:p>
+                      <a:pPr algn="just">
+                        <a:lnSpc>
+                          <a:spcPct val="107000"/>
+                        </a:lnSpc>
+                        <a:spcAft>
+                          <a:spcPts val="800"/>
+                        </a:spcAft>
+                      </a:pPr>
+                      <a:r>
+                        <a:rPr lang="es-ES" sz="1600" b="1">
+                          <a:effectLst/>
+                        </a:rPr>
+                        <a:t>Formación de Usuarios</a:t>
+                      </a:r>
+                      <a:endParaRPr lang="es-ES" sz="1600" b="1">
+                        <a:effectLst/>
+                        <a:latin typeface="Calibri" panose="020F0502020204030204" pitchFamily="34" charset="0"/>
+                        <a:ea typeface="Calibri" panose="020F0502020204030204" pitchFamily="34" charset="0"/>
+                        <a:cs typeface="Times New Roman" panose="02020603050405020304" pitchFamily="18" charset="0"/>
+                      </a:endParaRPr>
+                    </a:p>
+                  </a:txBody>
+                  <a:tcPr marL="68580" marR="68580" marT="0" marB="0" anchor="ctr"/>
+                </a:tc>
+                <a:tc>
+                  <a:txBody>
+                    <a:bodyPr/>
+                    <a:lstStyle/>
+                    <a:p>
+                      <a:pPr algn="just">
+                        <a:lnSpc>
+                          <a:spcPct val="107000"/>
+                        </a:lnSpc>
+                        <a:spcAft>
+                          <a:spcPts val="800"/>
+                        </a:spcAft>
+                      </a:pPr>
+                      <a:r>
+                        <a:rPr lang="es-ES" sz="1600" b="1" dirty="0">
+                          <a:effectLst/>
+                        </a:rPr>
+                        <a:t>145</a:t>
+                      </a:r>
+                      <a:endParaRPr lang="es-ES" sz="1600" b="1" dirty="0">
+                        <a:effectLst/>
+                        <a:latin typeface="Calibri" panose="020F0502020204030204" pitchFamily="34" charset="0"/>
+                        <a:ea typeface="Calibri" panose="020F0502020204030204" pitchFamily="34" charset="0"/>
+                        <a:cs typeface="Times New Roman" panose="02020603050405020304" pitchFamily="18" charset="0"/>
+                      </a:endParaRPr>
+                    </a:p>
+                  </a:txBody>
+                  <a:tcPr marL="68580" marR="68580" marT="0" marB="0" anchor="ctr"/>
+                </a:tc>
+                <a:tc>
+                  <a:txBody>
+                    <a:bodyPr/>
+                    <a:lstStyle/>
+                    <a:p>
+                      <a:pPr algn="just">
+                        <a:lnSpc>
+                          <a:spcPct val="107000"/>
+                        </a:lnSpc>
+                        <a:spcAft>
+                          <a:spcPts val="800"/>
+                        </a:spcAft>
+                      </a:pPr>
+                      <a:endParaRPr lang="es-ES" sz="1600" b="1" dirty="0">
+                        <a:effectLst/>
+                        <a:latin typeface="Calibri" panose="020F0502020204030204" pitchFamily="34" charset="0"/>
+                        <a:ea typeface="Calibri" panose="020F0502020204030204" pitchFamily="34" charset="0"/>
+                        <a:cs typeface="Times New Roman" panose="02020603050405020304" pitchFamily="18" charset="0"/>
+                      </a:endParaRPr>
+                    </a:p>
+                  </a:txBody>
+                  <a:tcPr marL="68580" marR="68580" marT="0" marB="0" anchor="ctr"/>
+                </a:tc>
+                <a:extLst>
+                  <a:ext uri="{0D108BD9-81ED-4DB2-BD59-A6C34878D82A}">
+                    <a16:rowId xmlns:a16="http://schemas.microsoft.com/office/drawing/2014/main" val="3408083352"/>
+                  </a:ext>
+                </a:extLst>
+              </a:tr>
+              <a:tr h="200025">
+                <a:tc>
+                  <a:txBody>
+                    <a:bodyPr/>
+                    <a:lstStyle/>
+                    <a:p>
+                      <a:pPr algn="just">
+                        <a:lnSpc>
+                          <a:spcPct val="107000"/>
+                        </a:lnSpc>
+                        <a:spcAft>
+                          <a:spcPts val="800"/>
+                        </a:spcAft>
+                      </a:pPr>
+                      <a:r>
+                        <a:rPr lang="es-ES" sz="1600" b="1" dirty="0">
+                          <a:effectLst/>
+                        </a:rPr>
+                        <a:t> </a:t>
+                      </a:r>
+                      <a:endParaRPr lang="es-ES" sz="1600" b="1" dirty="0">
+                        <a:effectLst/>
+                        <a:latin typeface="Calibri" panose="020F0502020204030204" pitchFamily="34" charset="0"/>
+                        <a:ea typeface="Calibri" panose="020F0502020204030204" pitchFamily="34" charset="0"/>
+                        <a:cs typeface="Times New Roman" panose="02020603050405020304" pitchFamily="18" charset="0"/>
+                      </a:endParaRPr>
+                    </a:p>
+                  </a:txBody>
+                  <a:tcPr marL="68580" marR="68580" marT="0" marB="0" anchor="ctr">
+                    <a:solidFill>
+                      <a:schemeClr val="accent4"/>
+                    </a:solidFill>
+                  </a:tcPr>
+                </a:tc>
+                <a:tc>
+                  <a:txBody>
+                    <a:bodyPr/>
+                    <a:lstStyle/>
+                    <a:p>
+                      <a:pPr algn="just">
+                        <a:lnSpc>
+                          <a:spcPct val="107000"/>
+                        </a:lnSpc>
+                        <a:spcAft>
+                          <a:spcPts val="800"/>
+                        </a:spcAft>
+                      </a:pPr>
+                      <a:r>
+                        <a:rPr lang="es-ES" sz="1600" b="1" dirty="0">
+                          <a:effectLst/>
+                        </a:rPr>
+                        <a:t> </a:t>
+                      </a:r>
+                      <a:endParaRPr lang="es-ES" sz="1600" b="1" dirty="0">
+                        <a:effectLst/>
+                        <a:latin typeface="Calibri" panose="020F0502020204030204" pitchFamily="34" charset="0"/>
+                        <a:ea typeface="Calibri" panose="020F0502020204030204" pitchFamily="34" charset="0"/>
+                        <a:cs typeface="Times New Roman" panose="02020603050405020304" pitchFamily="18" charset="0"/>
+                      </a:endParaRPr>
+                    </a:p>
+                  </a:txBody>
+                  <a:tcPr marL="68580" marR="68580" marT="0" marB="0" anchor="ctr">
+                    <a:solidFill>
+                      <a:schemeClr val="accent4"/>
+                    </a:solidFill>
+                  </a:tcPr>
+                </a:tc>
+                <a:tc>
+                  <a:txBody>
+                    <a:bodyPr/>
+                    <a:lstStyle/>
+                    <a:p>
+                      <a:pPr algn="just">
+                        <a:lnSpc>
+                          <a:spcPct val="107000"/>
+                        </a:lnSpc>
+                        <a:spcAft>
+                          <a:spcPts val="800"/>
+                        </a:spcAft>
+                      </a:pPr>
+                      <a:r>
+                        <a:rPr lang="es-ES" sz="1600" b="1" dirty="0">
+                          <a:effectLst/>
+                        </a:rPr>
+                        <a:t> </a:t>
+                      </a:r>
+                      <a:endParaRPr lang="es-ES" sz="1600" b="1" dirty="0">
+                        <a:effectLst/>
+                        <a:latin typeface="Calibri" panose="020F0502020204030204" pitchFamily="34" charset="0"/>
+                        <a:ea typeface="Calibri" panose="020F0502020204030204" pitchFamily="34" charset="0"/>
+                        <a:cs typeface="Times New Roman" panose="02020603050405020304" pitchFamily="18" charset="0"/>
+                      </a:endParaRPr>
+                    </a:p>
+                  </a:txBody>
+                  <a:tcPr marL="68580" marR="68580" marT="0" marB="0" anchor="ctr">
+                    <a:solidFill>
+                      <a:schemeClr val="accent4"/>
+                    </a:solidFill>
+                  </a:tcPr>
+                </a:tc>
+                <a:extLst>
+                  <a:ext uri="{0D108BD9-81ED-4DB2-BD59-A6C34878D82A}">
+                    <a16:rowId xmlns:a16="http://schemas.microsoft.com/office/drawing/2014/main" val="3125773994"/>
+                  </a:ext>
+                </a:extLst>
+              </a:tr>
+              <a:tr h="200025">
+                <a:tc>
+                  <a:txBody>
+                    <a:bodyPr/>
+                    <a:lstStyle/>
+                    <a:p>
+                      <a:pPr algn="just">
+                        <a:lnSpc>
+                          <a:spcPct val="107000"/>
+                        </a:lnSpc>
+                        <a:spcAft>
+                          <a:spcPts val="800"/>
+                        </a:spcAft>
+                      </a:pPr>
+                      <a:r>
+                        <a:rPr lang="es-ES" sz="1600" b="1">
+                          <a:effectLst/>
+                        </a:rPr>
+                        <a:t>TOTAL/CATEGORÍA</a:t>
+                      </a:r>
+                      <a:endParaRPr lang="es-ES" sz="1600" b="1">
+                        <a:effectLst/>
+                        <a:latin typeface="Calibri" panose="020F0502020204030204" pitchFamily="34" charset="0"/>
+                        <a:ea typeface="Calibri" panose="020F0502020204030204" pitchFamily="34" charset="0"/>
+                        <a:cs typeface="Times New Roman" panose="02020603050405020304" pitchFamily="18" charset="0"/>
+                      </a:endParaRPr>
+                    </a:p>
+                  </a:txBody>
+                  <a:tcPr marL="68580" marR="68580" marT="0" marB="0" anchor="ctr"/>
+                </a:tc>
+                <a:tc>
+                  <a:txBody>
+                    <a:bodyPr/>
+                    <a:lstStyle/>
+                    <a:p>
+                      <a:pPr algn="just">
+                        <a:lnSpc>
+                          <a:spcPct val="107000"/>
+                        </a:lnSpc>
+                        <a:spcAft>
+                          <a:spcPts val="800"/>
+                        </a:spcAft>
+                      </a:pPr>
+                      <a:r>
+                        <a:rPr lang="es-ES" sz="1600" b="1" dirty="0">
+                          <a:effectLst/>
+                        </a:rPr>
+                        <a:t>1270,74</a:t>
+                      </a:r>
+                      <a:endParaRPr lang="es-ES" sz="1600" b="1" dirty="0">
+                        <a:effectLst/>
+                        <a:latin typeface="Calibri" panose="020F0502020204030204" pitchFamily="34" charset="0"/>
+                        <a:ea typeface="Calibri" panose="020F0502020204030204" pitchFamily="34" charset="0"/>
+                        <a:cs typeface="Times New Roman" panose="02020603050405020304" pitchFamily="18" charset="0"/>
+                      </a:endParaRPr>
+                    </a:p>
+                  </a:txBody>
+                  <a:tcPr marL="68580" marR="68580" marT="0" marB="0" anchor="ctr"/>
+                </a:tc>
+                <a:tc>
+                  <a:txBody>
+                    <a:bodyPr/>
+                    <a:lstStyle/>
+                    <a:p>
+                      <a:pPr algn="just">
+                        <a:lnSpc>
+                          <a:spcPct val="107000"/>
+                        </a:lnSpc>
+                        <a:spcAft>
+                          <a:spcPts val="800"/>
+                        </a:spcAft>
+                      </a:pPr>
+                      <a:r>
+                        <a:rPr lang="es-ES" sz="1600" b="1" dirty="0">
+                          <a:effectLst/>
+                        </a:rPr>
+                        <a:t>1186,25</a:t>
+                      </a:r>
+                      <a:endParaRPr lang="es-ES" sz="1600" b="1" dirty="0">
+                        <a:effectLst/>
+                        <a:latin typeface="Calibri" panose="020F0502020204030204" pitchFamily="34" charset="0"/>
+                        <a:ea typeface="Calibri" panose="020F0502020204030204" pitchFamily="34" charset="0"/>
+                        <a:cs typeface="Times New Roman" panose="02020603050405020304" pitchFamily="18" charset="0"/>
+                      </a:endParaRPr>
+                    </a:p>
+                  </a:txBody>
+                  <a:tcPr marL="68580" marR="68580" marT="0" marB="0" anchor="ctr"/>
+                </a:tc>
+                <a:extLst>
+                  <a:ext uri="{0D108BD9-81ED-4DB2-BD59-A6C34878D82A}">
+                    <a16:rowId xmlns:a16="http://schemas.microsoft.com/office/drawing/2014/main" val="3673564548"/>
+                  </a:ext>
+                </a:extLst>
+              </a:tr>
+              <a:tr h="200025">
+                <a:tc>
+                  <a:txBody>
+                    <a:bodyPr/>
+                    <a:lstStyle/>
+                    <a:p>
+                      <a:pPr algn="just">
+                        <a:lnSpc>
+                          <a:spcPct val="107000"/>
+                        </a:lnSpc>
+                        <a:spcAft>
+                          <a:spcPts val="800"/>
+                        </a:spcAft>
+                      </a:pPr>
+                      <a:r>
+                        <a:rPr lang="es-ES" sz="1600" b="1" dirty="0">
+                          <a:effectLst/>
+                        </a:rPr>
+                        <a:t>TOTAL</a:t>
+                      </a:r>
+                      <a:endParaRPr lang="es-ES" sz="1600" b="1" dirty="0">
+                        <a:effectLst/>
+                        <a:latin typeface="Calibri" panose="020F0502020204030204" pitchFamily="34" charset="0"/>
+                        <a:ea typeface="Calibri" panose="020F0502020204030204" pitchFamily="34" charset="0"/>
+                        <a:cs typeface="Times New Roman" panose="02020603050405020304" pitchFamily="18" charset="0"/>
+                      </a:endParaRPr>
+                    </a:p>
+                  </a:txBody>
+                  <a:tcPr marL="68580" marR="68580" marT="0" marB="0" anchor="ctr"/>
+                </a:tc>
+                <a:tc gridSpan="2">
+                  <a:txBody>
+                    <a:bodyPr/>
+                    <a:lstStyle/>
+                    <a:p>
+                      <a:pPr algn="just">
+                        <a:lnSpc>
+                          <a:spcPct val="107000"/>
+                        </a:lnSpc>
+                        <a:spcAft>
+                          <a:spcPts val="800"/>
+                        </a:spcAft>
+                      </a:pPr>
+                      <a:r>
+                        <a:rPr lang="es-ES" sz="1600" b="1" dirty="0">
+                          <a:effectLst/>
+                        </a:rPr>
+                        <a:t>2456,99</a:t>
+                      </a:r>
+                      <a:endParaRPr lang="es-ES" sz="1600" b="1" dirty="0">
+                        <a:effectLst/>
+                        <a:latin typeface="Calibri" panose="020F0502020204030204" pitchFamily="34" charset="0"/>
+                        <a:ea typeface="Calibri" panose="020F0502020204030204" pitchFamily="34" charset="0"/>
+                        <a:cs typeface="Times New Roman" panose="02020603050405020304" pitchFamily="18" charset="0"/>
+                      </a:endParaRPr>
+                    </a:p>
+                  </a:txBody>
+                  <a:tcPr marL="68580" marR="68580" marT="0" marB="0" anchor="ctr"/>
+                </a:tc>
+                <a:tc hMerge="1">
+                  <a:txBody>
+                    <a:bodyPr/>
+                    <a:lstStyle/>
+                    <a:p>
+                      <a:endParaRPr lang="es-ES"/>
+                    </a:p>
+                  </a:txBody>
+                  <a:tcPr/>
+                </a:tc>
+                <a:extLst>
+                  <a:ext uri="{0D108BD9-81ED-4DB2-BD59-A6C34878D82A}">
+                    <a16:rowId xmlns:a16="http://schemas.microsoft.com/office/drawing/2014/main" val="2662370685"/>
+                  </a:ext>
+                </a:extLst>
+              </a:tr>
+            </a:tbl>
+          </a:graphicData>
+        </a:graphic>
+      </p:graphicFrame>
+    </p:spTree>
+    <p:extLst>
+      <p:ext uri="{BB962C8B-B14F-4D97-AF65-F5344CB8AC3E}">
+        <p14:creationId xmlns:p14="http://schemas.microsoft.com/office/powerpoint/2010/main" val="4902859"/>
+      </p:ext>
+    </p:extLst>
+  </p:cSld>
+  <p:clrMapOvr>
+    <a:masterClrMapping/>
+  </p:clrMapOvr>
+</p:sld>
+</file>
+
+<file path=ppt/slides/slide26.xml><?xml version="1.0" encoding="utf-8"?>
+<p:sld xmlns:a="http://schemas.openxmlformats.org/drawingml/2006/main" xmlns:r="http://schemas.openxmlformats.org/officeDocument/2006/relationships" xmlns:p="http://schemas.openxmlformats.org/presentationml/2006/main">
+  <p:cSld>
+    <p:spTree>
+      <p:nvGrpSpPr>
+        <p:cNvPr id="1" name=""/>
+        <p:cNvGrpSpPr/>
+        <p:nvPr/>
+      </p:nvGrpSpPr>
+      <p:grpSpPr>
+        <a:xfrm>
+          <a:off x="0" y="0"/>
+          <a:ext cx="0" cy="0"/>
+          <a:chOff x="0" y="0"/>
+          <a:chExt cx="0" cy="0"/>
+        </a:xfrm>
+      </p:grpSpPr>
+      <p:sp>
+        <p:nvSpPr>
+          <p:cNvPr id="3" name="Título 2">
+            <a:extLst>
+              <a:ext uri="{FF2B5EF4-FFF2-40B4-BE49-F238E27FC236}">
+                <a16:creationId xmlns:a16="http://schemas.microsoft.com/office/drawing/2014/main" id="{2987D8B2-AFC5-49D4-BBD3-F9D01D4CED3D}"/>
+              </a:ext>
+            </a:extLst>
+          </p:cNvPr>
+          <p:cNvSpPr>
+            <a:spLocks noGrp="1"/>
+          </p:cNvSpPr>
+          <p:nvPr>
+            <p:ph type="title"/>
+          </p:nvPr>
+        </p:nvSpPr>
+        <p:spPr>
+          <a:xfrm>
+            <a:off x="4219243" y="3135208"/>
+            <a:ext cx="3753514" cy="587584"/>
+          </a:xfrm>
+        </p:spPr>
+        <p:txBody>
+          <a:bodyPr>
+            <a:normAutofit fontScale="90000"/>
+          </a:bodyPr>
+          <a:lstStyle/>
+          <a:p>
+            <a:pPr algn="ctr"/>
+            <a:r>
+              <a:rPr lang="es-ES" dirty="0"/>
+              <a:t>ampliaciones</a:t>
+            </a:r>
+          </a:p>
+        </p:txBody>
+      </p:sp>
+    </p:spTree>
+    <p:extLst>
+      <p:ext uri="{BB962C8B-B14F-4D97-AF65-F5344CB8AC3E}">
+        <p14:creationId xmlns:p14="http://schemas.microsoft.com/office/powerpoint/2010/main" val="2995881032"/>
+      </p:ext>
+    </p:extLst>
+  </p:cSld>
+  <p:clrMapOvr>
+    <a:masterClrMapping/>
+  </p:clrMapOvr>
+</p:sld>
+</file>
+
+<file path=ppt/slides/slide27.xml><?xml version="1.0" encoding="utf-8"?>
+<p:sld xmlns:a="http://schemas.openxmlformats.org/drawingml/2006/main" xmlns:r="http://schemas.openxmlformats.org/officeDocument/2006/relationships" xmlns:p="http://schemas.openxmlformats.org/presentationml/2006/main">
+  <p:cSld>
+    <p:bg>
+      <p:bgPr>
+        <a:solidFill>
+          <a:schemeClr val="bg2"/>
+        </a:solidFill>
+        <a:effectLst/>
+      </p:bgPr>
+    </p:bg>
+    <p:spTree>
+      <p:nvGrpSpPr>
+        <p:cNvPr id="1" name=""/>
+        <p:cNvGrpSpPr/>
+        <p:nvPr/>
+      </p:nvGrpSpPr>
+      <p:grpSpPr>
+        <a:xfrm>
+          <a:off x="0" y="0"/>
+          <a:ext cx="0" cy="0"/>
+          <a:chOff x="0" y="0"/>
+          <a:chExt cx="0" cy="0"/>
+        </a:xfrm>
+      </p:grpSpPr>
+      <p:sp>
+        <p:nvSpPr>
+          <p:cNvPr id="9" name="Rectangle 8">
+            <a:extLst>
+              <a:ext uri="{FF2B5EF4-FFF2-40B4-BE49-F238E27FC236}">
+                <a16:creationId xmlns:a16="http://schemas.microsoft.com/office/drawing/2014/main" id="{0F90CED2-72DA-49F5-8068-294F7EEF1388}"/>
+              </a:ext>
+              <a:ext uri="{C183D7F6-B498-43B3-948B-1728B52AA6E4}">
+                <adec:decorative xmlns:adec="http://schemas.microsoft.com/office/drawing/2017/decorative" val="1"/>
+              </a:ext>
+            </a:extLst>
+          </p:cNvPr>
+          <p:cNvSpPr>
+            <a:spLocks noGrp="1" noRot="1" noChangeAspect="1" noMove="1" noResize="1" noEditPoints="1" noAdjustHandles="1" noChangeArrowheads="1" noChangeShapeType="1" noTextEdit="1"/>
+          </p:cNvSpPr>
+          <p:nvPr>
+            <p:extLst>
+              <p:ext uri="{386F3935-93C4-4BCD-93E2-E3B085C9AB24}">
+                <p16:designElem xmlns:p16="http://schemas.microsoft.com/office/powerpoint/2015/main" val="1"/>
+              </p:ext>
+            </p:extLst>
+          </p:nvPr>
+        </p:nvSpPr>
+        <p:spPr>
+          <a:xfrm>
+            <a:off x="478095" y="376"/>
+            <a:ext cx="228600" cy="6858000"/>
+          </a:xfrm>
+          <a:prstGeom prst="rect">
+            <a:avLst/>
+          </a:prstGeom>
+          <a:solidFill>
+            <a:schemeClr val="tx2"/>
+          </a:solidFill>
+          <a:ln>
+            <a:noFill/>
+          </a:ln>
+        </p:spPr>
+        <p:style>
+          <a:lnRef idx="2">
+            <a:schemeClr val="accent1">
+              <a:shade val="50000"/>
+            </a:schemeClr>
+          </a:lnRef>
+          <a:fillRef idx="1">
+            <a:schemeClr val="accent1"/>
+          </a:fillRef>
+          <a:effectRef idx="0">
+            <a:schemeClr val="accent1"/>
+          </a:effectRef>
+          <a:fontRef idx="minor">
+            <a:schemeClr val="lt1"/>
+          </a:fontRef>
+        </p:style>
+      </p:sp>
+      <p:sp>
+        <p:nvSpPr>
+          <p:cNvPr id="3" name="Título 2">
+            <a:extLst>
+              <a:ext uri="{FF2B5EF4-FFF2-40B4-BE49-F238E27FC236}">
+                <a16:creationId xmlns:a16="http://schemas.microsoft.com/office/drawing/2014/main" id="{24AE0C5B-787E-48FA-BBCB-F2ADA02C5E40}"/>
+              </a:ext>
+            </a:extLst>
+          </p:cNvPr>
+          <p:cNvSpPr>
+            <a:spLocks noGrp="1"/>
+          </p:cNvSpPr>
+          <p:nvPr>
+            <p:ph type="title"/>
+          </p:nvPr>
+        </p:nvSpPr>
+        <p:spPr>
+          <a:xfrm>
+            <a:off x="1371600" y="685800"/>
+            <a:ext cx="9601200" cy="1485900"/>
+          </a:xfrm>
+        </p:spPr>
+        <p:txBody>
+          <a:bodyPr vert="horz" lIns="91440" tIns="45720" rIns="91440" bIns="45720" rtlCol="0" anchor="t">
+            <a:normAutofit/>
+          </a:bodyPr>
+          <a:lstStyle/>
+          <a:p>
+            <a:r>
+              <a:rPr lang="en-US" dirty="0" err="1"/>
+              <a:t>Ampliaciones</a:t>
+            </a:r>
+            <a:r>
+              <a:rPr lang="en-US" dirty="0"/>
+              <a:t>. I</a:t>
+            </a:r>
+            <a:br>
+              <a:rPr lang="en-US" dirty="0"/>
+            </a:br>
+            <a:r>
+              <a:rPr lang="en-US" sz="2800" dirty="0" err="1"/>
+              <a:t>aplicación</a:t>
+            </a:r>
+            <a:r>
+              <a:rPr lang="en-US" sz="2800" dirty="0"/>
+              <a:t> </a:t>
+            </a:r>
+            <a:r>
+              <a:rPr lang="en-US" sz="2800" dirty="0" err="1"/>
+              <a:t>móvil</a:t>
+            </a:r>
+            <a:endParaRPr lang="en-US" dirty="0"/>
+          </a:p>
+        </p:txBody>
+      </p:sp>
+      <p:pic>
+        <p:nvPicPr>
+          <p:cNvPr id="21" name="Picture 6" descr="MongoDB Logo - LogoDix">
+            <a:extLst>
+              <a:ext uri="{FF2B5EF4-FFF2-40B4-BE49-F238E27FC236}">
+                <a16:creationId xmlns:a16="http://schemas.microsoft.com/office/drawing/2014/main" id="{8E44890A-4DF5-4CFB-905C-9E1E94F8F04B}"/>
+              </a:ext>
+            </a:extLst>
+          </p:cNvPr>
+          <p:cNvPicPr>
+            <a:picLocks noChangeAspect="1" noChangeArrowheads="1"/>
+          </p:cNvPicPr>
+          <p:nvPr/>
+        </p:nvPicPr>
+        <p:blipFill>
+          <a:blip r:embed="rId2">
+            <a:extLst>
+              <a:ext uri="{28A0092B-C50C-407E-A947-70E740481C1C}">
+                <a14:useLocalDpi xmlns:a14="http://schemas.microsoft.com/office/drawing/2010/main" val="0"/>
+              </a:ext>
+            </a:extLst>
+          </a:blip>
+          <a:srcRect/>
+          <a:stretch>
+            <a:fillRect/>
+          </a:stretch>
+        </p:blipFill>
+        <p:spPr bwMode="auto">
+          <a:xfrm>
+            <a:off x="13937607" y="455102"/>
+            <a:ext cx="608036" cy="152009"/>
+          </a:xfrm>
+          <a:prstGeom prst="rect">
+            <a:avLst/>
+          </a:prstGeom>
+          <a:noFill/>
+          <a:extLst>
+            <a:ext uri="{909E8E84-426E-40DD-AFC4-6F175D3DCCD1}">
+              <a14:hiddenFill xmlns:a14="http://schemas.microsoft.com/office/drawing/2010/main">
+                <a:solidFill>
+                  <a:srgbClr val="FFFFFF"/>
+                </a:solidFill>
+              </a14:hiddenFill>
+            </a:ext>
+          </a:extLst>
+        </p:spPr>
+      </p:pic>
+      <p:pic>
+        <p:nvPicPr>
+          <p:cNvPr id="1026" name="Picture 2" descr="Teléfono móvil - Iconos gratis de tecnología">
+            <a:extLst>
+              <a:ext uri="{FF2B5EF4-FFF2-40B4-BE49-F238E27FC236}">
+                <a16:creationId xmlns:a16="http://schemas.microsoft.com/office/drawing/2014/main" id="{3BA9666C-80F4-4747-BF7A-BFEB8FAC8328}"/>
+              </a:ext>
+            </a:extLst>
+          </p:cNvPr>
+          <p:cNvPicPr>
+            <a:picLocks noChangeAspect="1" noChangeArrowheads="1"/>
+          </p:cNvPicPr>
+          <p:nvPr/>
+        </p:nvPicPr>
+        <p:blipFill>
+          <a:blip r:embed="rId3">
+            <a:extLst>
+              <a:ext uri="{28A0092B-C50C-407E-A947-70E740481C1C}">
+                <a14:useLocalDpi xmlns:a14="http://schemas.microsoft.com/office/drawing/2010/main" val="0"/>
+              </a:ext>
+            </a:extLst>
+          </a:blip>
+          <a:srcRect/>
+          <a:stretch>
+            <a:fillRect/>
+          </a:stretch>
+        </p:blipFill>
+        <p:spPr bwMode="auto">
+          <a:xfrm>
+            <a:off x="8694473" y="3429000"/>
+            <a:ext cx="2278327" cy="2278327"/>
+          </a:xfrm>
+          <a:prstGeom prst="rect">
+            <a:avLst/>
+          </a:prstGeom>
+          <a:noFill/>
+          <a:extLst>
+            <a:ext uri="{909E8E84-426E-40DD-AFC4-6F175D3DCCD1}">
+              <a14:hiddenFill xmlns:a14="http://schemas.microsoft.com/office/drawing/2010/main">
+                <a:solidFill>
+                  <a:srgbClr val="FFFFFF"/>
+                </a:solidFill>
+              </a14:hiddenFill>
+            </a:ext>
+          </a:extLst>
+        </p:spPr>
+      </p:pic>
+      <p:sp>
+        <p:nvSpPr>
+          <p:cNvPr id="4" name="Marcador de contenido 3">
+            <a:extLst>
+              <a:ext uri="{FF2B5EF4-FFF2-40B4-BE49-F238E27FC236}">
+                <a16:creationId xmlns:a16="http://schemas.microsoft.com/office/drawing/2014/main" id="{3BCC6009-A022-4737-8082-0A7C4E9E6F8E}"/>
+              </a:ext>
+            </a:extLst>
+          </p:cNvPr>
+          <p:cNvSpPr>
+            <a:spLocks noGrp="1"/>
+          </p:cNvSpPr>
+          <p:nvPr>
+            <p:ph idx="1"/>
+          </p:nvPr>
+        </p:nvSpPr>
+        <p:spPr>
+          <a:xfrm>
+            <a:off x="1371600" y="2286000"/>
+            <a:ext cx="9601200" cy="1785003"/>
+          </a:xfrm>
+        </p:spPr>
+        <p:txBody>
+          <a:bodyPr/>
+          <a:lstStyle/>
+          <a:p>
+            <a:pPr lvl="0"/>
+            <a:r>
+              <a:rPr lang="es-ES" dirty="0"/>
+              <a:t>Actualmente, la aplicación puede ser vista en dispositivos móviles.</a:t>
+            </a:r>
+          </a:p>
+          <a:p>
+            <a:pPr lvl="0"/>
+            <a:r>
+              <a:rPr lang="es-ES" dirty="0"/>
+              <a:t>No obstante, hay ciertos componentes que deberían ser modificados completamente.</a:t>
+            </a:r>
+          </a:p>
+          <a:p>
+            <a:pPr lvl="0"/>
+            <a:r>
+              <a:rPr lang="es-ES" dirty="0"/>
+              <a:t>El cliente lo ha categorizado como una prioridad menor.</a:t>
+            </a:r>
+          </a:p>
+        </p:txBody>
+      </p:sp>
+    </p:spTree>
+    <p:extLst>
+      <p:ext uri="{BB962C8B-B14F-4D97-AF65-F5344CB8AC3E}">
+        <p14:creationId xmlns:p14="http://schemas.microsoft.com/office/powerpoint/2010/main" val="2056914617"/>
+      </p:ext>
+    </p:extLst>
+  </p:cSld>
+  <p:clrMapOvr>
+    <a:masterClrMapping/>
+  </p:clrMapOvr>
+</p:sld>
+</file>
+
+<file path=ppt/slides/slide28.xml><?xml version="1.0" encoding="utf-8"?>
+<p:sld xmlns:a="http://schemas.openxmlformats.org/drawingml/2006/main" xmlns:r="http://schemas.openxmlformats.org/officeDocument/2006/relationships" xmlns:p="http://schemas.openxmlformats.org/presentationml/2006/main">
+  <p:cSld>
+    <p:bg>
+      <p:bgPr>
+        <a:solidFill>
+          <a:schemeClr val="bg2"/>
+        </a:solidFill>
+        <a:effectLst/>
+      </p:bgPr>
+    </p:bg>
+    <p:spTree>
+      <p:nvGrpSpPr>
+        <p:cNvPr id="1" name=""/>
+        <p:cNvGrpSpPr/>
+        <p:nvPr/>
+      </p:nvGrpSpPr>
+      <p:grpSpPr>
+        <a:xfrm>
+          <a:off x="0" y="0"/>
+          <a:ext cx="0" cy="0"/>
+          <a:chOff x="0" y="0"/>
+          <a:chExt cx="0" cy="0"/>
+        </a:xfrm>
+      </p:grpSpPr>
+      <p:sp>
+        <p:nvSpPr>
+          <p:cNvPr id="9" name="Rectangle 8">
+            <a:extLst>
+              <a:ext uri="{FF2B5EF4-FFF2-40B4-BE49-F238E27FC236}">
+                <a16:creationId xmlns:a16="http://schemas.microsoft.com/office/drawing/2014/main" id="{0F90CED2-72DA-49F5-8068-294F7EEF1388}"/>
+              </a:ext>
+              <a:ext uri="{C183D7F6-B498-43B3-948B-1728B52AA6E4}">
+                <adec:decorative xmlns:adec="http://schemas.microsoft.com/office/drawing/2017/decorative" val="1"/>
+              </a:ext>
+            </a:extLst>
+          </p:cNvPr>
+          <p:cNvSpPr>
+            <a:spLocks noGrp="1" noRot="1" noChangeAspect="1" noMove="1" noResize="1" noEditPoints="1" noAdjustHandles="1" noChangeArrowheads="1" noChangeShapeType="1" noTextEdit="1"/>
+          </p:cNvSpPr>
+          <p:nvPr>
+            <p:extLst>
+              <p:ext uri="{386F3935-93C4-4BCD-93E2-E3B085C9AB24}">
+                <p16:designElem xmlns:p16="http://schemas.microsoft.com/office/powerpoint/2015/main" val="1"/>
+              </p:ext>
+            </p:extLst>
+          </p:nvPr>
+        </p:nvSpPr>
+        <p:spPr>
+          <a:xfrm>
+            <a:off x="478095" y="376"/>
+            <a:ext cx="228600" cy="6858000"/>
+          </a:xfrm>
+          <a:prstGeom prst="rect">
+            <a:avLst/>
+          </a:prstGeom>
+          <a:solidFill>
+            <a:schemeClr val="tx2"/>
+          </a:solidFill>
+          <a:ln>
+            <a:noFill/>
+          </a:ln>
+        </p:spPr>
+        <p:style>
+          <a:lnRef idx="2">
+            <a:schemeClr val="accent1">
+              <a:shade val="50000"/>
+            </a:schemeClr>
+          </a:lnRef>
+          <a:fillRef idx="1">
+            <a:schemeClr val="accent1"/>
+          </a:fillRef>
+          <a:effectRef idx="0">
+            <a:schemeClr val="accent1"/>
+          </a:effectRef>
+          <a:fontRef idx="minor">
+            <a:schemeClr val="lt1"/>
+          </a:fontRef>
+        </p:style>
+      </p:sp>
+      <p:sp>
+        <p:nvSpPr>
+          <p:cNvPr id="3" name="Título 2">
+            <a:extLst>
+              <a:ext uri="{FF2B5EF4-FFF2-40B4-BE49-F238E27FC236}">
+                <a16:creationId xmlns:a16="http://schemas.microsoft.com/office/drawing/2014/main" id="{24AE0C5B-787E-48FA-BBCB-F2ADA02C5E40}"/>
+              </a:ext>
+            </a:extLst>
+          </p:cNvPr>
+          <p:cNvSpPr>
+            <a:spLocks noGrp="1"/>
+          </p:cNvSpPr>
+          <p:nvPr>
+            <p:ph type="title"/>
+          </p:nvPr>
+        </p:nvSpPr>
+        <p:spPr>
+          <a:xfrm>
+            <a:off x="1371600" y="685800"/>
+            <a:ext cx="9601200" cy="1485900"/>
+          </a:xfrm>
+        </p:spPr>
+        <p:txBody>
+          <a:bodyPr vert="horz" lIns="91440" tIns="45720" rIns="91440" bIns="45720" rtlCol="0" anchor="t">
+            <a:normAutofit/>
+          </a:bodyPr>
+          <a:lstStyle/>
+          <a:p>
+            <a:r>
+              <a:rPr lang="en-US" dirty="0" err="1"/>
+              <a:t>Ampliaciones</a:t>
+            </a:r>
+            <a:r>
+              <a:rPr lang="en-US" dirty="0"/>
+              <a:t>. ii</a:t>
+            </a:r>
+            <a:br>
+              <a:rPr lang="en-US" dirty="0"/>
+            </a:br>
+            <a:r>
+              <a:rPr lang="en-US" sz="2800" dirty="0" err="1"/>
+              <a:t>Mejora</a:t>
+            </a:r>
+            <a:r>
+              <a:rPr lang="en-US" sz="2800" dirty="0"/>
+              <a:t> de los </a:t>
+            </a:r>
+            <a:r>
+              <a:rPr lang="en-US" sz="2800" dirty="0" err="1"/>
+              <a:t>enrutadores</a:t>
+            </a:r>
+            <a:r>
+              <a:rPr lang="en-US" sz="2800" dirty="0"/>
+              <a:t> </a:t>
+            </a:r>
+            <a:endParaRPr lang="en-US" dirty="0"/>
+          </a:p>
+        </p:txBody>
+      </p:sp>
+      <p:pic>
+        <p:nvPicPr>
+          <p:cNvPr id="21" name="Picture 6" descr="MongoDB Logo - LogoDix">
+            <a:extLst>
+              <a:ext uri="{FF2B5EF4-FFF2-40B4-BE49-F238E27FC236}">
+                <a16:creationId xmlns:a16="http://schemas.microsoft.com/office/drawing/2014/main" id="{8E44890A-4DF5-4CFB-905C-9E1E94F8F04B}"/>
+              </a:ext>
+            </a:extLst>
+          </p:cNvPr>
+          <p:cNvPicPr>
+            <a:picLocks noChangeAspect="1" noChangeArrowheads="1"/>
+          </p:cNvPicPr>
+          <p:nvPr/>
+        </p:nvPicPr>
+        <p:blipFill>
+          <a:blip r:embed="rId2">
+            <a:extLst>
+              <a:ext uri="{28A0092B-C50C-407E-A947-70E740481C1C}">
+                <a14:useLocalDpi xmlns:a14="http://schemas.microsoft.com/office/drawing/2010/main" val="0"/>
+              </a:ext>
+            </a:extLst>
+          </a:blip>
+          <a:srcRect/>
+          <a:stretch>
+            <a:fillRect/>
+          </a:stretch>
+        </p:blipFill>
+        <p:spPr bwMode="auto">
+          <a:xfrm>
+            <a:off x="13937607" y="455102"/>
+            <a:ext cx="608036" cy="152009"/>
+          </a:xfrm>
+          <a:prstGeom prst="rect">
+            <a:avLst/>
+          </a:prstGeom>
+          <a:noFill/>
+          <a:extLst>
+            <a:ext uri="{909E8E84-426E-40DD-AFC4-6F175D3DCCD1}">
+              <a14:hiddenFill xmlns:a14="http://schemas.microsoft.com/office/drawing/2010/main">
+                <a:solidFill>
+                  <a:srgbClr val="FFFFFF"/>
+                </a:solidFill>
+              </a14:hiddenFill>
+            </a:ext>
+          </a:extLst>
+        </p:spPr>
+      </p:pic>
+      <p:pic>
+        <p:nvPicPr>
+          <p:cNvPr id="6" name="Imagen 5" descr="Gráfico radial&#10;&#10;Descripción generada automáticamente con confianza media">
+            <a:extLst>
+              <a:ext uri="{FF2B5EF4-FFF2-40B4-BE49-F238E27FC236}">
+                <a16:creationId xmlns:a16="http://schemas.microsoft.com/office/drawing/2014/main" id="{B0ED2F9C-6A5C-4164-8FA1-73EAC332B13E}"/>
+              </a:ext>
+            </a:extLst>
+          </p:cNvPr>
+          <p:cNvPicPr>
+            <a:picLocks noChangeAspect="1"/>
+          </p:cNvPicPr>
+          <p:nvPr/>
+        </p:nvPicPr>
+        <p:blipFill>
+          <a:blip r:embed="rId3"/>
+          <a:stretch>
+            <a:fillRect/>
+          </a:stretch>
+        </p:blipFill>
+        <p:spPr>
+          <a:xfrm>
+            <a:off x="8816242" y="3376624"/>
+            <a:ext cx="2156558" cy="2390754"/>
+          </a:xfrm>
+          <a:prstGeom prst="rect">
+            <a:avLst/>
+          </a:prstGeom>
+        </p:spPr>
+      </p:pic>
+      <p:sp>
+        <p:nvSpPr>
+          <p:cNvPr id="7" name="Marcador de contenido 6">
+            <a:extLst>
+              <a:ext uri="{FF2B5EF4-FFF2-40B4-BE49-F238E27FC236}">
+                <a16:creationId xmlns:a16="http://schemas.microsoft.com/office/drawing/2014/main" id="{42671B1A-9CDF-4CAC-B020-EECB3136AFB8}"/>
+              </a:ext>
+            </a:extLst>
+          </p:cNvPr>
+          <p:cNvSpPr>
+            <a:spLocks noGrp="1"/>
+          </p:cNvSpPr>
+          <p:nvPr>
+            <p:ph idx="1"/>
+          </p:nvPr>
+        </p:nvSpPr>
+        <p:spPr>
+          <a:xfrm>
+            <a:off x="1371600" y="2286000"/>
+            <a:ext cx="9601200" cy="1143000"/>
+          </a:xfrm>
+        </p:spPr>
+        <p:txBody>
+          <a:bodyPr/>
+          <a:lstStyle/>
+          <a:p>
+            <a:pPr lvl="0"/>
+            <a:r>
+              <a:rPr lang="es-ES" baseline="0" dirty="0"/>
+              <a:t>Los enrutadores actuales tienen un nivel de protección básico.</a:t>
+            </a:r>
+          </a:p>
+          <a:p>
+            <a:pPr lvl="0"/>
+            <a:r>
+              <a:rPr lang="es-ES" dirty="0"/>
+              <a:t>No obstante, podrían optimizarse con controles más estrictos.</a:t>
+            </a:r>
+            <a:r>
+              <a:rPr lang="es-ES" baseline="0" dirty="0"/>
+              <a:t> </a:t>
+            </a:r>
+            <a:endParaRPr lang="es-ES" dirty="0"/>
+          </a:p>
+        </p:txBody>
+      </p:sp>
+    </p:spTree>
+    <p:extLst>
+      <p:ext uri="{BB962C8B-B14F-4D97-AF65-F5344CB8AC3E}">
+        <p14:creationId xmlns:p14="http://schemas.microsoft.com/office/powerpoint/2010/main" val="3381364109"/>
+      </p:ext>
+    </p:extLst>
+  </p:cSld>
+  <p:clrMapOvr>
+    <a:masterClrMapping/>
+  </p:clrMapOvr>
+</p:sld>
+</file>
+
+<file path=ppt/slides/slide29.xml><?xml version="1.0" encoding="utf-8"?>
+<p:sld xmlns:a="http://schemas.openxmlformats.org/drawingml/2006/main" xmlns:r="http://schemas.openxmlformats.org/officeDocument/2006/relationships" xmlns:p="http://schemas.openxmlformats.org/presentationml/2006/main">
+  <p:cSld>
+    <p:spTree>
+      <p:nvGrpSpPr>
+        <p:cNvPr id="1" name=""/>
+        <p:cNvGrpSpPr/>
+        <p:nvPr/>
+      </p:nvGrpSpPr>
+      <p:grpSpPr>
+        <a:xfrm>
+          <a:off x="0" y="0"/>
+          <a:ext cx="0" cy="0"/>
+          <a:chOff x="0" y="0"/>
+          <a:chExt cx="0" cy="0"/>
+        </a:xfrm>
+      </p:grpSpPr>
+      <p:sp>
+        <p:nvSpPr>
+          <p:cNvPr id="3" name="Título 2">
+            <a:extLst>
+              <a:ext uri="{FF2B5EF4-FFF2-40B4-BE49-F238E27FC236}">
+                <a16:creationId xmlns:a16="http://schemas.microsoft.com/office/drawing/2014/main" id="{2987D8B2-AFC5-49D4-BBD3-F9D01D4CED3D}"/>
+              </a:ext>
+            </a:extLst>
+          </p:cNvPr>
+          <p:cNvSpPr>
+            <a:spLocks noGrp="1"/>
+          </p:cNvSpPr>
+          <p:nvPr>
+            <p:ph type="title"/>
+          </p:nvPr>
+        </p:nvSpPr>
+        <p:spPr>
+          <a:xfrm>
+            <a:off x="4219243" y="3135208"/>
+            <a:ext cx="3753514" cy="587584"/>
+          </a:xfrm>
+        </p:spPr>
+        <p:txBody>
+          <a:bodyPr>
+            <a:normAutofit fontScale="90000"/>
+          </a:bodyPr>
+          <a:lstStyle/>
+          <a:p>
+            <a:pPr algn="ctr"/>
+            <a:r>
+              <a:rPr lang="es-ES" dirty="0"/>
+              <a:t>conclusiones</a:t>
+            </a:r>
+          </a:p>
+        </p:txBody>
+      </p:sp>
+    </p:spTree>
+    <p:extLst>
+      <p:ext uri="{BB962C8B-B14F-4D97-AF65-F5344CB8AC3E}">
+        <p14:creationId xmlns:p14="http://schemas.microsoft.com/office/powerpoint/2010/main" val="2304915139"/>
+      </p:ext>
+    </p:extLst>
+  </p:cSld>
+  <p:clrMapOvr>
+    <a:masterClrMapping/>
+  </p:clrMapOvr>
+</p:sld>
+</file>
+
+<file path=ppt/slides/slide3.xml><?xml version="1.0" encoding="utf-8"?>
+<p:sld xmlns:a="http://schemas.openxmlformats.org/drawingml/2006/main" xmlns:r="http://schemas.openxmlformats.org/officeDocument/2006/relationships" xmlns:p="http://schemas.openxmlformats.org/presentationml/2006/main">
+  <p:cSld>
+    <p:spTree>
+      <p:nvGrpSpPr>
+        <p:cNvPr id="1" name=""/>
+        <p:cNvGrpSpPr/>
+        <p:nvPr/>
+      </p:nvGrpSpPr>
+      <p:grpSpPr>
+        <a:xfrm>
+          <a:off x="0" y="0"/>
+          <a:ext cx="0" cy="0"/>
+          <a:chOff x="0" y="0"/>
+          <a:chExt cx="0" cy="0"/>
+        </a:xfrm>
+      </p:grpSpPr>
+      <p:sp>
+        <p:nvSpPr>
+          <p:cNvPr id="3" name="Título 2">
+            <a:extLst>
+              <a:ext uri="{FF2B5EF4-FFF2-40B4-BE49-F238E27FC236}">
+                <a16:creationId xmlns:a16="http://schemas.microsoft.com/office/drawing/2014/main" id="{2987D8B2-AFC5-49D4-BBD3-F9D01D4CED3D}"/>
+              </a:ext>
+            </a:extLst>
+          </p:cNvPr>
+          <p:cNvSpPr>
+            <a:spLocks noGrp="1"/>
+          </p:cNvSpPr>
+          <p:nvPr>
+            <p:ph type="title"/>
+          </p:nvPr>
+        </p:nvSpPr>
+        <p:spPr>
+          <a:xfrm>
+            <a:off x="4325084" y="2841416"/>
+            <a:ext cx="3541832" cy="587584"/>
+          </a:xfrm>
+        </p:spPr>
+        <p:txBody>
+          <a:bodyPr>
+            <a:normAutofit fontScale="90000"/>
+          </a:bodyPr>
+          <a:lstStyle/>
+          <a:p>
+            <a:pPr algn="ctr"/>
+            <a:r>
+              <a:rPr lang="es-ES" dirty="0"/>
+              <a:t>introducción</a:t>
+            </a:r>
+          </a:p>
+        </p:txBody>
+      </p:sp>
+    </p:spTree>
+    <p:extLst>
+      <p:ext uri="{BB962C8B-B14F-4D97-AF65-F5344CB8AC3E}">
+        <p14:creationId xmlns:p14="http://schemas.microsoft.com/office/powerpoint/2010/main" val="1924728707"/>
+      </p:ext>
+    </p:extLst>
+  </p:cSld>
+  <p:clrMapOvr>
+    <a:masterClrMapping/>
+  </p:clrMapOvr>
+</p:sld>
+</file>
+
+<file path=ppt/slides/slide30.xml><?xml version="1.0" encoding="utf-8"?>
+<p:sld xmlns:a="http://schemas.openxmlformats.org/drawingml/2006/main" xmlns:r="http://schemas.openxmlformats.org/officeDocument/2006/relationships" xmlns:p="http://schemas.openxmlformats.org/presentationml/2006/main">
+  <p:cSld>
+    <p:bg>
+      <p:bgPr>
+        <a:solidFill>
+          <a:schemeClr val="bg2"/>
+        </a:solidFill>
+        <a:effectLst/>
+      </p:bgPr>
+    </p:bg>
+    <p:spTree>
+      <p:nvGrpSpPr>
+        <p:cNvPr id="1" name=""/>
+        <p:cNvGrpSpPr/>
+        <p:nvPr/>
+      </p:nvGrpSpPr>
+      <p:grpSpPr>
+        <a:xfrm>
+          <a:off x="0" y="0"/>
+          <a:ext cx="0" cy="0"/>
+          <a:chOff x="0" y="0"/>
+          <a:chExt cx="0" cy="0"/>
+        </a:xfrm>
+      </p:grpSpPr>
+      <p:sp>
+        <p:nvSpPr>
+          <p:cNvPr id="9" name="Rectangle 8">
+            <a:extLst>
+              <a:ext uri="{FF2B5EF4-FFF2-40B4-BE49-F238E27FC236}">
+                <a16:creationId xmlns:a16="http://schemas.microsoft.com/office/drawing/2014/main" id="{0F90CED2-72DA-49F5-8068-294F7EEF1388}"/>
+              </a:ext>
+              <a:ext uri="{C183D7F6-B498-43B3-948B-1728B52AA6E4}">
+                <adec:decorative xmlns:adec="http://schemas.microsoft.com/office/drawing/2017/decorative" val="1"/>
+              </a:ext>
+            </a:extLst>
+          </p:cNvPr>
+          <p:cNvSpPr>
+            <a:spLocks noGrp="1" noRot="1" noChangeAspect="1" noMove="1" noResize="1" noEditPoints="1" noAdjustHandles="1" noChangeArrowheads="1" noChangeShapeType="1" noTextEdit="1"/>
+          </p:cNvSpPr>
+          <p:nvPr>
+            <p:extLst>
+              <p:ext uri="{386F3935-93C4-4BCD-93E2-E3B085C9AB24}">
+                <p16:designElem xmlns:p16="http://schemas.microsoft.com/office/powerpoint/2015/main" val="1"/>
+              </p:ext>
+            </p:extLst>
+          </p:nvPr>
+        </p:nvSpPr>
+        <p:spPr>
+          <a:xfrm>
+            <a:off x="478095" y="376"/>
+            <a:ext cx="228600" cy="6858000"/>
+          </a:xfrm>
+          <a:prstGeom prst="rect">
+            <a:avLst/>
+          </a:prstGeom>
+          <a:solidFill>
+            <a:schemeClr val="tx2"/>
+          </a:solidFill>
+          <a:ln>
+            <a:noFill/>
+          </a:ln>
+        </p:spPr>
+        <p:style>
+          <a:lnRef idx="2">
+            <a:schemeClr val="accent1">
+              <a:shade val="50000"/>
+            </a:schemeClr>
+          </a:lnRef>
+          <a:fillRef idx="1">
+            <a:schemeClr val="accent1"/>
+          </a:fillRef>
+          <a:effectRef idx="0">
+            <a:schemeClr val="accent1"/>
+          </a:effectRef>
+          <a:fontRef idx="minor">
+            <a:schemeClr val="lt1"/>
+          </a:fontRef>
+        </p:style>
+      </p:sp>
+      <p:sp>
+        <p:nvSpPr>
+          <p:cNvPr id="3" name="Título 2">
+            <a:extLst>
+              <a:ext uri="{FF2B5EF4-FFF2-40B4-BE49-F238E27FC236}">
+                <a16:creationId xmlns:a16="http://schemas.microsoft.com/office/drawing/2014/main" id="{24AE0C5B-787E-48FA-BBCB-F2ADA02C5E40}"/>
+              </a:ext>
+            </a:extLst>
+          </p:cNvPr>
+          <p:cNvSpPr>
+            <a:spLocks noGrp="1"/>
+          </p:cNvSpPr>
+          <p:nvPr>
+            <p:ph type="title"/>
+          </p:nvPr>
+        </p:nvSpPr>
+        <p:spPr>
+          <a:xfrm>
+            <a:off x="1371600" y="685800"/>
+            <a:ext cx="9601200" cy="1485900"/>
+          </a:xfrm>
+        </p:spPr>
+        <p:txBody>
+          <a:bodyPr vert="horz" lIns="91440" tIns="45720" rIns="91440" bIns="45720" rtlCol="0" anchor="t">
+            <a:normAutofit/>
+          </a:bodyPr>
+          <a:lstStyle/>
+          <a:p>
+            <a:r>
+              <a:rPr lang="en-US" dirty="0" err="1"/>
+              <a:t>conclusiones</a:t>
+            </a:r>
+            <a:endParaRPr lang="en-US" dirty="0"/>
+          </a:p>
+        </p:txBody>
+      </p:sp>
+      <p:pic>
+        <p:nvPicPr>
+          <p:cNvPr id="21" name="Picture 6" descr="MongoDB Logo - LogoDix">
+            <a:extLst>
+              <a:ext uri="{FF2B5EF4-FFF2-40B4-BE49-F238E27FC236}">
+                <a16:creationId xmlns:a16="http://schemas.microsoft.com/office/drawing/2014/main" id="{8E44890A-4DF5-4CFB-905C-9E1E94F8F04B}"/>
+              </a:ext>
+            </a:extLst>
+          </p:cNvPr>
+          <p:cNvPicPr>
+            <a:picLocks noChangeAspect="1" noChangeArrowheads="1"/>
+          </p:cNvPicPr>
+          <p:nvPr/>
+        </p:nvPicPr>
+        <p:blipFill>
+          <a:blip r:embed="rId2">
+            <a:extLst>
+              <a:ext uri="{28A0092B-C50C-407E-A947-70E740481C1C}">
+                <a14:useLocalDpi xmlns:a14="http://schemas.microsoft.com/office/drawing/2010/main" val="0"/>
+              </a:ext>
+            </a:extLst>
+          </a:blip>
+          <a:srcRect/>
+          <a:stretch>
+            <a:fillRect/>
+          </a:stretch>
+        </p:blipFill>
+        <p:spPr bwMode="auto">
+          <a:xfrm>
+            <a:off x="13937607" y="455102"/>
+            <a:ext cx="608036" cy="152009"/>
+          </a:xfrm>
+          <a:prstGeom prst="rect">
+            <a:avLst/>
+          </a:prstGeom>
+          <a:noFill/>
+          <a:extLst>
+            <a:ext uri="{909E8E84-426E-40DD-AFC4-6F175D3DCCD1}">
+              <a14:hiddenFill xmlns:a14="http://schemas.microsoft.com/office/drawing/2010/main">
+                <a:solidFill>
+                  <a:srgbClr val="FFFFFF"/>
+                </a:solidFill>
+              </a14:hiddenFill>
+            </a:ext>
+          </a:extLst>
+        </p:spPr>
+      </p:pic>
       <p:sp>
         <p:nvSpPr>
           <p:cNvPr id="4" name="Marcador de contenido 3">
@@ -25539,18 +26906,18 @@
           <a:p>
             <a:pPr lvl="0"/>
             <a:r>
-              <a:rPr lang="es-ES" baseline="0"/>
+              <a:rPr lang="es-ES" baseline="0" dirty="0"/>
               <a:t>Se ha aprendido a utilizar en mayor profundidad algunas herramientas y tecnologías aprendidas durante el grado, así como otras nuevas.</a:t>
             </a:r>
-            <a:endParaRPr lang="es-ES"/>
+            <a:endParaRPr lang="es-ES" dirty="0"/>
           </a:p>
           <a:p>
             <a:pPr lvl="0"/>
             <a:r>
-              <a:rPr lang="es-ES" baseline="0"/>
+              <a:rPr lang="es-ES" baseline="0" dirty="0"/>
               <a:t>El cliente se ha encontrado satisfecho con el resultado, por lo que el sistema podría ser llevado a producción como versión 1.0.</a:t>
             </a:r>
-            <a:endParaRPr lang="es-ES"/>
+            <a:endParaRPr lang="es-ES" dirty="0"/>
           </a:p>
         </p:txBody>
       </p:sp>
@@ -25567,7 +26934,7 @@
 </p:sld>
 </file>
 
-<file path=ppt/slides/slide26.xml><?xml version="1.0" encoding="utf-8"?>
+<file path=ppt/slides/slide31.xml><?xml version="1.0" encoding="utf-8"?>
 <p:sld xmlns:a="http://schemas.openxmlformats.org/drawingml/2006/main" xmlns:r="http://schemas.openxmlformats.org/officeDocument/2006/relationships" xmlns:p="http://schemas.openxmlformats.org/presentationml/2006/main">
   <p:cSld>
     <p:bg>
@@ -25863,72 +27230,6 @@
 </p:sld>
 </file>
 
-<file path=ppt/slides/slide3.xml><?xml version="1.0" encoding="utf-8"?>
-<p:sld xmlns:a="http://schemas.openxmlformats.org/drawingml/2006/main" xmlns:r="http://schemas.openxmlformats.org/officeDocument/2006/relationships" xmlns:p="http://schemas.openxmlformats.org/presentationml/2006/main">
-  <p:cSld>
-    <p:spTree>
-      <p:nvGrpSpPr>
-        <p:cNvPr id="1" name=""/>
-        <p:cNvGrpSpPr/>
-        <p:nvPr/>
-      </p:nvGrpSpPr>
-      <p:grpSpPr>
-        <a:xfrm>
-          <a:off x="0" y="0"/>
-          <a:ext cx="0" cy="0"/>
-          <a:chOff x="0" y="0"/>
-          <a:chExt cx="0" cy="0"/>
-        </a:xfrm>
-      </p:grpSpPr>
-      <p:sp>
-        <p:nvSpPr>
-          <p:cNvPr id="3" name="Título 2">
-            <a:extLst>
-              <a:ext uri="{FF2B5EF4-FFF2-40B4-BE49-F238E27FC236}">
-                <a16:creationId xmlns:a16="http://schemas.microsoft.com/office/drawing/2014/main" id="{2987D8B2-AFC5-49D4-BBD3-F9D01D4CED3D}"/>
-              </a:ext>
-            </a:extLst>
-          </p:cNvPr>
-          <p:cNvSpPr>
-            <a:spLocks noGrp="1"/>
-          </p:cNvSpPr>
-          <p:nvPr>
-            <p:ph type="title"/>
-          </p:nvPr>
-        </p:nvSpPr>
-        <p:spPr>
-          <a:xfrm>
-            <a:off x="4325084" y="2841416"/>
-            <a:ext cx="3541832" cy="587584"/>
-          </a:xfrm>
-        </p:spPr>
-        <p:txBody>
-          <a:bodyPr>
-            <a:normAutofit fontScale="90000"/>
-          </a:bodyPr>
-          <a:lstStyle/>
-          <a:p>
-            <a:pPr algn="ctr"/>
-            <a:r>
-              <a:rPr lang="es-ES" dirty="0"/>
-              <a:t>introducción</a:t>
-            </a:r>
-          </a:p>
-        </p:txBody>
-      </p:sp>
-    </p:spTree>
-    <p:extLst>
-      <p:ext uri="{BB962C8B-B14F-4D97-AF65-F5344CB8AC3E}">
-        <p14:creationId xmlns:p14="http://schemas.microsoft.com/office/powerpoint/2010/main" val="1924728707"/>
-      </p:ext>
-    </p:extLst>
-  </p:cSld>
-  <p:clrMapOvr>
-    <a:masterClrMapping/>
-  </p:clrMapOvr>
-</p:sld>
-</file>
-
 <file path=ppt/slides/slide4.xml><?xml version="1.0" encoding="utf-8"?>
 <p:sld xmlns:a="http://schemas.openxmlformats.org/drawingml/2006/main" xmlns:r="http://schemas.openxmlformats.org/officeDocument/2006/relationships" xmlns:p="http://schemas.openxmlformats.org/presentationml/2006/main">
   <p:cSld>
@@ -27344,14 +28645,14 @@
               </a:spcAft>
             </a:pPr>
             <a:r>
-              <a:rPr lang="en-US" sz="3400" cap="all" spc="-50" dirty="0">
+              <a:rPr lang="en-US" sz="4400" cap="all" spc="-50" dirty="0">
                 <a:solidFill>
                   <a:schemeClr val="tx2"/>
                 </a:solidFill>
               </a:rPr>
               <a:t>OBJETIVOS. I</a:t>
             </a:r>
-            <a:endParaRPr lang="en-US" sz="3400" dirty="0">
+            <a:endParaRPr lang="en-US" sz="4400" dirty="0">
               <a:solidFill>
                 <a:schemeClr val="tx2"/>
               </a:solidFill>
@@ -28455,8 +29756,8 @@
         </p:nvSpPr>
         <p:spPr>
           <a:xfrm>
-            <a:off x="1023562" y="685800"/>
-            <a:ext cx="10493524" cy="1485900"/>
+            <a:off x="1427148" y="685800"/>
+            <a:ext cx="10089937" cy="1485900"/>
           </a:xfrm>
         </p:spPr>
         <p:txBody>
@@ -28810,16 +30111,35 @@
           <a:prstGeom prst="rect">
             <a:avLst/>
           </a:prstGeom>
-          <a:noFill/>
-          <a:extLst>
-            <a:ext uri="{909E8E84-426E-40DD-AFC4-6F175D3DCCD1}">
-              <a14:hiddenFill xmlns:a14="http://schemas.microsoft.com/office/drawing/2010/main">
-                <a:solidFill>
-                  <a:srgbClr val="FFFFFF"/>
-                </a:solidFill>
-              </a14:hiddenFill>
-            </a:ext>
-          </a:extLst>
+          <a:solidFill>
+            <a:srgbClr val="FFFFFF">
+              <a:shade val="85000"/>
+            </a:srgbClr>
+          </a:solidFill>
+          <a:ln w="190500" cap="rnd">
+            <a:solidFill>
+              <a:srgbClr val="FFFFFF"/>
+            </a:solidFill>
+          </a:ln>
+          <a:effectLst>
+            <a:outerShdw blurRad="50000" algn="tl" rotWithShape="0">
+              <a:srgbClr val="000000">
+                <a:alpha val="41000"/>
+              </a:srgbClr>
+            </a:outerShdw>
+          </a:effectLst>
+          <a:scene3d>
+            <a:camera prst="orthographicFront"/>
+            <a:lightRig rig="twoPt" dir="t">
+              <a:rot lat="0" lon="0" rev="7800000"/>
+            </a:lightRig>
+          </a:scene3d>
+          <a:sp3d contourW="6350">
+            <a:bevelT w="50800" h="16510"/>
+            <a:contourClr>
+              <a:srgbClr val="C0C0C0"/>
+            </a:contourClr>
+          </a:sp3d>
         </p:spPr>
       </p:pic>
       <p:pic>
